--- a/capacitacion source tree.pptx
+++ b/capacitacion source tree.pptx
@@ -2,15 +2,28 @@
 <file path=ppt/presentation.xml><?xml version="1.0" encoding="utf-8"?>
 <p:presentation xmlns:a="http://schemas.openxmlformats.org/drawingml/2006/main" xmlns:r="http://schemas.openxmlformats.org/officeDocument/2006/relationships" xmlns:p="http://schemas.openxmlformats.org/presentationml/2006/main" autoCompressPictures="0">
   <p:sldMasterIdLst>
-    <p:sldMasterId id="2147483648" r:id="rId1"/>
+    <p:sldMasterId id="2147483682" r:id="rId1"/>
   </p:sldMasterIdLst>
   <p:sldIdLst>
-    <p:sldId id="274" r:id="rId2"/>
-    <p:sldId id="275" r:id="rId3"/>
-    <p:sldId id="276" r:id="rId4"/>
-    <p:sldId id="277" r:id="rId5"/>
-    <p:sldId id="278" r:id="rId6"/>
-    <p:sldId id="279" r:id="rId7"/>
+    <p:sldId id="280" r:id="rId2"/>
+    <p:sldId id="281" r:id="rId3"/>
+    <p:sldId id="282" r:id="rId4"/>
+    <p:sldId id="283" r:id="rId5"/>
+    <p:sldId id="285" r:id="rId6"/>
+    <p:sldId id="284" r:id="rId7"/>
+    <p:sldId id="287" r:id="rId8"/>
+    <p:sldId id="288" r:id="rId9"/>
+    <p:sldId id="290" r:id="rId10"/>
+    <p:sldId id="289" r:id="rId11"/>
+    <p:sldId id="291" r:id="rId12"/>
+    <p:sldId id="292" r:id="rId13"/>
+    <p:sldId id="294" r:id="rId14"/>
+    <p:sldId id="274" r:id="rId15"/>
+    <p:sldId id="275" r:id="rId16"/>
+    <p:sldId id="276" r:id="rId17"/>
+    <p:sldId id="277" r:id="rId18"/>
+    <p:sldId id="278" r:id="rId19"/>
+    <p:sldId id="279" r:id="rId20"/>
   </p:sldIdLst>
   <p:sldSz cx="12192000" cy="6858000"/>
   <p:notesSz cx="6858000" cy="9144000"/>
@@ -111,7 +124,7 @@
   </p:defaultTextStyle>
   <p:extLst>
     <p:ext uri="{EFAFB233-063F-42B5-8137-9DF3F51BA10A}">
-      <p15:sldGuideLst xmlns:p15="http://schemas.microsoft.com/office/powerpoint/2012/main" xmlns=""/>
+      <p15:sldGuideLst xmlns="" xmlns:p15="http://schemas.microsoft.com/office/powerpoint/2012/main"/>
     </p:ext>
   </p:extLst>
 </p:presentation>
@@ -136,29 +149,70 @@
       </p:grpSpPr>
       <p:sp>
         <p:nvSpPr>
-          <p:cNvPr id="2" name="Title 1"/>
-          <p:cNvSpPr>
-            <a:spLocks noGrp="1"/>
-          </p:cNvSpPr>
-          <p:nvPr>
-            <p:ph type="ctrTitle"/>
-          </p:nvPr>
+          <p:cNvPr id="8" name="Rectangle 7"/>
+          <p:cNvSpPr/>
+          <p:nvPr/>
         </p:nvSpPr>
         <p:spPr>
           <a:xfrm>
-            <a:off x="684212" y="685799"/>
-            <a:ext cx="8001000" cy="2971801"/>
+            <a:off x="1036320" y="0"/>
+            <a:ext cx="10058400" cy="3048000"/>
+          </a:xfrm>
+          <a:prstGeom prst="rect">
+            <a:avLst/>
+          </a:prstGeom>
+          <a:ln>
+            <a:noFill/>
+          </a:ln>
+        </p:spPr>
+        <p:style>
+          <a:lnRef idx="2">
+            <a:schemeClr val="accent1">
+              <a:shade val="50000"/>
+            </a:schemeClr>
+          </a:lnRef>
+          <a:fillRef idx="1">
+            <a:schemeClr val="accent1"/>
+          </a:fillRef>
+          <a:effectRef idx="0">
+            <a:schemeClr val="accent1"/>
+          </a:effectRef>
+          <a:fontRef idx="minor">
+            <a:schemeClr val="lt1"/>
+          </a:fontRef>
+        </p:style>
+        <p:txBody>
+          <a:bodyPr rtlCol="0" anchor="ctr"/>
+          <a:lstStyle/>
+          <a:p>
+            <a:pPr algn="ctr"/>
+            <a:endParaRPr lang="en-US"/>
+          </a:p>
+        </p:txBody>
+      </p:sp>
+      <p:sp>
+        <p:nvSpPr>
+          <p:cNvPr id="2" name="Title 1"/>
+          <p:cNvSpPr>
+            <a:spLocks noGrp="1"/>
+          </p:cNvSpPr>
+          <p:nvPr>
+            <p:ph type="ctrTitle"/>
+          </p:nvPr>
+        </p:nvSpPr>
+        <p:spPr>
+          <a:xfrm>
+            <a:off x="1016000" y="3200400"/>
+            <a:ext cx="10058400" cy="1524000"/>
           </a:xfrm>
         </p:spPr>
         <p:txBody>
-          <a:bodyPr anchor="b">
-            <a:normAutofit/>
+          <a:bodyPr>
+            <a:noAutofit/>
           </a:bodyPr>
           <a:lstStyle>
-            <a:lvl1pPr algn="l">
-              <a:defRPr sz="4800">
-                <a:effectLst/>
-              </a:defRPr>
+            <a:lvl1pPr>
+              <a:defRPr sz="8000"/>
             </a:lvl1pPr>
           </a:lstStyle>
           <a:p>
@@ -182,22 +236,20 @@
         </p:nvSpPr>
         <p:spPr>
           <a:xfrm>
-            <a:off x="684212" y="3843867"/>
-            <a:ext cx="6400800" cy="1947333"/>
+            <a:off x="1016000" y="4724400"/>
+            <a:ext cx="9144000" cy="990600"/>
           </a:xfrm>
         </p:spPr>
         <p:txBody>
-          <a:bodyPr anchor="t">
+          <a:bodyPr anchor="t" anchorCtr="0">
             <a:normAutofit/>
           </a:bodyPr>
           <a:lstStyle>
             <a:lvl1pPr marL="0" indent="0" algn="l">
               <a:buNone/>
-              <a:defRPr sz="2100">
-                <a:solidFill>
-                  <a:schemeClr val="bg2">
-                    <a:lumMod val="75000"/>
-                  </a:schemeClr>
+              <a:defRPr sz="2800">
+                <a:solidFill>
+                  <a:schemeClr val="tx2"/>
                 </a:solidFill>
               </a:defRPr>
             </a:lvl1pPr>
@@ -307,9 +359,9 @@
           <a:lstStyle/>
           <a:p>
             <a:fld id="{B61BEF0D-F0BB-DE4B-95CE-6DB70DBA9567}" type="datetimeFigureOut">
-              <a:rPr lang="en-US" dirty="0"/>
+              <a:rPr lang="en-US" smtClean="0"/>
               <a:pPr/>
-              <a:t>9/29/2015</a:t>
+              <a:t>10/7/2015</a:t>
             </a:fld>
             <a:endParaRPr lang="en-US" dirty="0"/>
           </a:p>
@@ -350,7 +402,7 @@
           <a:lstStyle/>
           <a:p>
             <a:fld id="{D57F1E4F-1CFF-5643-939E-217C01CDF565}" type="slidenum">
-              <a:rPr lang="en-US" dirty="0"/>
+              <a:rPr lang="en-US" smtClean="0"/>
               <a:pPr/>
               <a:t>‹Nº›</a:t>
             </a:fld>
@@ -358,181 +410,49 @@
           </a:p>
         </p:txBody>
       </p:sp>
-      <p:cxnSp>
-        <p:nvCxnSpPr>
-          <p:cNvPr id="16" name="Straight Connector 15"/>
-          <p:cNvCxnSpPr/>
+      <p:sp>
+        <p:nvSpPr>
+          <p:cNvPr id="7" name="Rectangle 6"/>
+          <p:cNvSpPr/>
           <p:nvPr/>
-        </p:nvCxnSpPr>
+        </p:nvSpPr>
         <p:spPr>
-          <a:xfrm flipH="1">
-            <a:off x="8228012" y="8467"/>
-            <a:ext cx="3810000" cy="3810000"/>
+          <a:xfrm>
+            <a:off x="1036320" y="6172200"/>
+            <a:ext cx="10058400" cy="27432"/>
           </a:xfrm>
-          <a:prstGeom prst="line">
+          <a:prstGeom prst="rect">
             <a:avLst/>
           </a:prstGeom>
-          <a:ln w="12700">
-            <a:solidFill>
-              <a:schemeClr val="tx1"/>
-            </a:solidFill>
+          <a:ln>
+            <a:noFill/>
           </a:ln>
         </p:spPr>
         <p:style>
           <a:lnRef idx="2">
-            <a:schemeClr val="accent1"/>
+            <a:schemeClr val="accent1">
+              <a:shade val="50000"/>
+            </a:schemeClr>
           </a:lnRef>
-          <a:fillRef idx="0">
+          <a:fillRef idx="1">
             <a:schemeClr val="accent1"/>
           </a:fillRef>
-          <a:effectRef idx="1">
+          <a:effectRef idx="0">
             <a:schemeClr val="accent1"/>
           </a:effectRef>
           <a:fontRef idx="minor">
-            <a:schemeClr val="tx1"/>
+            <a:schemeClr val="lt1"/>
           </a:fontRef>
         </p:style>
-      </p:cxnSp>
-      <p:cxnSp>
-        <p:nvCxnSpPr>
-          <p:cNvPr id="17" name="Straight Connector 16"/>
-          <p:cNvCxnSpPr/>
-          <p:nvPr/>
-        </p:nvCxnSpPr>
-        <p:spPr>
-          <a:xfrm flipH="1">
-            <a:off x="6108170" y="91545"/>
-            <a:ext cx="6080655" cy="6080655"/>
-          </a:xfrm>
-          <a:prstGeom prst="line">
-            <a:avLst/>
-          </a:prstGeom>
-          <a:ln w="12700">
-            <a:solidFill>
-              <a:schemeClr val="tx1"/>
-            </a:solidFill>
-          </a:ln>
-        </p:spPr>
-        <p:style>
-          <a:lnRef idx="2">
-            <a:schemeClr val="accent1"/>
-          </a:lnRef>
-          <a:fillRef idx="0">
-            <a:schemeClr val="accent1"/>
-          </a:fillRef>
-          <a:effectRef idx="1">
-            <a:schemeClr val="accent1"/>
-          </a:effectRef>
-          <a:fontRef idx="minor">
-            <a:schemeClr val="tx1"/>
-          </a:fontRef>
-        </p:style>
-      </p:cxnSp>
-      <p:cxnSp>
-        <p:nvCxnSpPr>
-          <p:cNvPr id="19" name="Straight Connector 18"/>
-          <p:cNvCxnSpPr/>
-          <p:nvPr/>
-        </p:nvCxnSpPr>
-        <p:spPr>
-          <a:xfrm flipH="1">
-            <a:off x="7235825" y="228600"/>
-            <a:ext cx="4953000" cy="4953000"/>
-          </a:xfrm>
-          <a:prstGeom prst="line">
-            <a:avLst/>
-          </a:prstGeom>
-          <a:ln w="12700">
-            <a:solidFill>
-              <a:schemeClr val="tx1"/>
-            </a:solidFill>
-          </a:ln>
-        </p:spPr>
-        <p:style>
-          <a:lnRef idx="2">
-            <a:schemeClr val="accent1"/>
-          </a:lnRef>
-          <a:fillRef idx="0">
-            <a:schemeClr val="accent1"/>
-          </a:fillRef>
-          <a:effectRef idx="1">
-            <a:schemeClr val="accent1"/>
-          </a:effectRef>
-          <a:fontRef idx="minor">
-            <a:schemeClr val="tx1"/>
-          </a:fontRef>
-        </p:style>
-      </p:cxnSp>
-      <p:cxnSp>
-        <p:nvCxnSpPr>
-          <p:cNvPr id="21" name="Straight Connector 20"/>
-          <p:cNvCxnSpPr/>
-          <p:nvPr/>
-        </p:nvCxnSpPr>
-        <p:spPr>
-          <a:xfrm flipH="1">
-            <a:off x="7335837" y="32278"/>
-            <a:ext cx="4852989" cy="4852989"/>
-          </a:xfrm>
-          <a:prstGeom prst="line">
-            <a:avLst/>
-          </a:prstGeom>
-          <a:ln w="31750">
-            <a:solidFill>
-              <a:schemeClr val="tx1"/>
-            </a:solidFill>
-          </a:ln>
-        </p:spPr>
-        <p:style>
-          <a:lnRef idx="2">
-            <a:schemeClr val="accent1"/>
-          </a:lnRef>
-          <a:fillRef idx="0">
-            <a:schemeClr val="accent1"/>
-          </a:fillRef>
-          <a:effectRef idx="1">
-            <a:schemeClr val="accent1"/>
-          </a:effectRef>
-          <a:fontRef idx="minor">
-            <a:schemeClr val="tx1"/>
-          </a:fontRef>
-        </p:style>
-      </p:cxnSp>
-      <p:cxnSp>
-        <p:nvCxnSpPr>
-          <p:cNvPr id="23" name="Straight Connector 22"/>
-          <p:cNvCxnSpPr/>
-          <p:nvPr/>
-        </p:nvCxnSpPr>
-        <p:spPr>
-          <a:xfrm flipH="1">
-            <a:off x="7845426" y="609601"/>
-            <a:ext cx="4343399" cy="4343399"/>
-          </a:xfrm>
-          <a:prstGeom prst="line">
-            <a:avLst/>
-          </a:prstGeom>
-          <a:ln w="31750">
-            <a:solidFill>
-              <a:schemeClr val="tx1"/>
-            </a:solidFill>
-          </a:ln>
-        </p:spPr>
-        <p:style>
-          <a:lnRef idx="2">
-            <a:schemeClr val="accent1"/>
-          </a:lnRef>
-          <a:fillRef idx="0">
-            <a:schemeClr val="accent1"/>
-          </a:fillRef>
-          <a:effectRef idx="1">
-            <a:schemeClr val="accent1"/>
-          </a:effectRef>
-          <a:fontRef idx="minor">
-            <a:schemeClr val="tx1"/>
-          </a:fontRef>
-        </p:style>
-      </p:cxnSp>
+        <p:txBody>
+          <a:bodyPr rtlCol="0" anchor="ctr"/>
+          <a:lstStyle/>
+          <a:p>
+            <a:pPr algn="ctr"/>
+            <a:endParaRPr lang="en-US"/>
+          </a:p>
+        </p:txBody>
+      </p:sp>
     </p:spTree>
   </p:cSld>
   <p:clrMapOvr>
@@ -542,1794 +462,6 @@
 </file>
 
 <file path=ppt/slideLayouts/slideLayout10.xml><?xml version="1.0" encoding="utf-8"?>
-<p:sldLayout xmlns:a="http://schemas.openxmlformats.org/drawingml/2006/main" xmlns:r="http://schemas.openxmlformats.org/officeDocument/2006/relationships" xmlns:p="http://schemas.openxmlformats.org/presentationml/2006/main" preserve="1">
-  <p:cSld name="Imagen panorámica con descripción">
-    <p:spTree>
-      <p:nvGrpSpPr>
-        <p:cNvPr id="1" name=""/>
-        <p:cNvGrpSpPr/>
-        <p:nvPr/>
-      </p:nvGrpSpPr>
-      <p:grpSpPr>
-        <a:xfrm>
-          <a:off x="0" y="0"/>
-          <a:ext cx="0" cy="0"/>
-          <a:chOff x="0" y="0"/>
-          <a:chExt cx="0" cy="0"/>
-        </a:xfrm>
-      </p:grpSpPr>
-      <p:sp>
-        <p:nvSpPr>
-          <p:cNvPr id="2" name="Title 1"/>
-          <p:cNvSpPr>
-            <a:spLocks noGrp="1"/>
-          </p:cNvSpPr>
-          <p:nvPr>
-            <p:ph type="title"/>
-          </p:nvPr>
-        </p:nvSpPr>
-        <p:spPr/>
-        <p:txBody>
-          <a:bodyPr/>
-          <a:lstStyle/>
-          <a:p>
-            <a:r>
-              <a:rPr lang="es-ES" smtClean="0"/>
-              <a:t>Haga clic para modificar el estilo de título del patrón</a:t>
-            </a:r>
-            <a:endParaRPr lang="en-US" dirty="0"/>
-          </a:p>
-        </p:txBody>
-      </p:sp>
-      <p:sp>
-        <p:nvSpPr>
-          <p:cNvPr id="17" name="Picture Placeholder 2"/>
-          <p:cNvSpPr>
-            <a:spLocks noGrp="1" noChangeAspect="1"/>
-          </p:cNvSpPr>
-          <p:nvPr>
-            <p:ph type="pic" idx="13"/>
-          </p:nvPr>
-        </p:nvSpPr>
-        <p:spPr>
-          <a:xfrm>
-            <a:off x="685800" y="533400"/>
-            <a:ext cx="10818812" cy="3124200"/>
-          </a:xfrm>
-          <a:prstGeom prst="snip2DiagRect">
-            <a:avLst>
-              <a:gd name="adj1" fmla="val 10815"/>
-              <a:gd name="adj2" fmla="val 0"/>
-            </a:avLst>
-          </a:prstGeom>
-          <a:ln w="15875">
-            <a:solidFill>
-              <a:schemeClr val="tx1">
-                <a:alpha val="40000"/>
-              </a:schemeClr>
-            </a:solidFill>
-          </a:ln>
-          <a:effectLst>
-            <a:innerShdw blurRad="57150" dist="38100" dir="14460000">
-              <a:srgbClr val="000000">
-                <a:alpha val="70000"/>
-              </a:srgbClr>
-            </a:innerShdw>
-          </a:effectLst>
-        </p:spPr>
-        <p:txBody>
-          <a:bodyPr anchor="t">
-            <a:normAutofit/>
-          </a:bodyPr>
-          <a:lstStyle>
-            <a:lvl1pPr marL="0" indent="0" algn="ctr">
-              <a:buNone/>
-              <a:defRPr sz="1600"/>
-            </a:lvl1pPr>
-            <a:lvl2pPr marL="457200" indent="0">
-              <a:buNone/>
-              <a:defRPr sz="1600"/>
-            </a:lvl2pPr>
-            <a:lvl3pPr marL="914400" indent="0">
-              <a:buNone/>
-              <a:defRPr sz="1600"/>
-            </a:lvl3pPr>
-            <a:lvl4pPr marL="1371600" indent="0">
-              <a:buNone/>
-              <a:defRPr sz="1600"/>
-            </a:lvl4pPr>
-            <a:lvl5pPr marL="1828800" indent="0">
-              <a:buNone/>
-              <a:defRPr sz="1600"/>
-            </a:lvl5pPr>
-            <a:lvl6pPr marL="2286000" indent="0">
-              <a:buNone/>
-              <a:defRPr sz="1600"/>
-            </a:lvl6pPr>
-            <a:lvl7pPr marL="2743200" indent="0">
-              <a:buNone/>
-              <a:defRPr sz="1600"/>
-            </a:lvl7pPr>
-            <a:lvl8pPr marL="3200400" indent="0">
-              <a:buNone/>
-              <a:defRPr sz="1600"/>
-            </a:lvl8pPr>
-            <a:lvl9pPr marL="3657600" indent="0">
-              <a:buNone/>
-              <a:defRPr sz="1600"/>
-            </a:lvl9pPr>
-          </a:lstStyle>
-          <a:p>
-            <a:r>
-              <a:rPr lang="es-ES" dirty="0" smtClean="0"/>
-              <a:t>Haga clic en el icono para agregar una imagen</a:t>
-            </a:r>
-            <a:endParaRPr lang="en-US" dirty="0"/>
-          </a:p>
-        </p:txBody>
-      </p:sp>
-      <p:sp>
-        <p:nvSpPr>
-          <p:cNvPr id="16" name="Text Placeholder 9"/>
-          <p:cNvSpPr>
-            <a:spLocks noGrp="1"/>
-          </p:cNvSpPr>
-          <p:nvPr>
-            <p:ph type="body" sz="quarter" idx="14"/>
-          </p:nvPr>
-        </p:nvSpPr>
-        <p:spPr>
-          <a:xfrm>
-            <a:off x="914402" y="3843867"/>
-            <a:ext cx="8304210" cy="457200"/>
-          </a:xfrm>
-        </p:spPr>
-        <p:txBody>
-          <a:bodyPr anchor="t">
-            <a:normAutofit/>
-          </a:bodyPr>
-          <a:lstStyle>
-            <a:lvl1pPr marL="0" indent="0">
-              <a:buFontTx/>
-              <a:buNone/>
-              <a:defRPr sz="1600"/>
-            </a:lvl1pPr>
-            <a:lvl2pPr marL="457200" indent="0">
-              <a:buFontTx/>
-              <a:buNone/>
-              <a:defRPr/>
-            </a:lvl2pPr>
-            <a:lvl3pPr marL="914400" indent="0">
-              <a:buFontTx/>
-              <a:buNone/>
-              <a:defRPr/>
-            </a:lvl3pPr>
-            <a:lvl4pPr marL="1371600" indent="0">
-              <a:buFontTx/>
-              <a:buNone/>
-              <a:defRPr/>
-            </a:lvl4pPr>
-            <a:lvl5pPr marL="1828800" indent="0">
-              <a:buFontTx/>
-              <a:buNone/>
-              <a:defRPr/>
-            </a:lvl5pPr>
-          </a:lstStyle>
-          <a:p>
-            <a:pPr lvl="0"/>
-            <a:r>
-              <a:rPr lang="es-ES" smtClean="0"/>
-              <a:t>Haga clic para modificar el estilo de texto del patrón</a:t>
-            </a:r>
-          </a:p>
-        </p:txBody>
-      </p:sp>
-      <p:sp>
-        <p:nvSpPr>
-          <p:cNvPr id="3" name="Date Placeholder 2"/>
-          <p:cNvSpPr>
-            <a:spLocks noGrp="1"/>
-          </p:cNvSpPr>
-          <p:nvPr>
-            <p:ph type="dt" sz="half" idx="10"/>
-          </p:nvPr>
-        </p:nvSpPr>
-        <p:spPr/>
-        <p:txBody>
-          <a:bodyPr/>
-          <a:lstStyle/>
-          <a:p>
-            <a:fld id="{B61BEF0D-F0BB-DE4B-95CE-6DB70DBA9567}" type="datetimeFigureOut">
-              <a:rPr lang="en-US" dirty="0"/>
-              <a:pPr/>
-              <a:t>9/29/2015</a:t>
-            </a:fld>
-            <a:endParaRPr lang="en-US" dirty="0"/>
-          </a:p>
-        </p:txBody>
-      </p:sp>
-      <p:sp>
-        <p:nvSpPr>
-          <p:cNvPr id="4" name="Footer Placeholder 3"/>
-          <p:cNvSpPr>
-            <a:spLocks noGrp="1"/>
-          </p:cNvSpPr>
-          <p:nvPr>
-            <p:ph type="ftr" sz="quarter" idx="11"/>
-          </p:nvPr>
-        </p:nvSpPr>
-        <p:spPr/>
-        <p:txBody>
-          <a:bodyPr/>
-          <a:lstStyle/>
-          <a:p>
-            <a:endParaRPr lang="en-US" dirty="0"/>
-          </a:p>
-        </p:txBody>
-      </p:sp>
-      <p:sp>
-        <p:nvSpPr>
-          <p:cNvPr id="5" name="Slide Number Placeholder 4"/>
-          <p:cNvSpPr>
-            <a:spLocks noGrp="1"/>
-          </p:cNvSpPr>
-          <p:nvPr>
-            <p:ph type="sldNum" sz="quarter" idx="12"/>
-          </p:nvPr>
-        </p:nvSpPr>
-        <p:spPr/>
-        <p:txBody>
-          <a:bodyPr/>
-          <a:lstStyle/>
-          <a:p>
-            <a:fld id="{D57F1E4F-1CFF-5643-939E-217C01CDF565}" type="slidenum">
-              <a:rPr lang="en-US" dirty="0"/>
-              <a:pPr/>
-              <a:t>‹Nº›</a:t>
-            </a:fld>
-            <a:endParaRPr lang="en-US" dirty="0"/>
-          </a:p>
-        </p:txBody>
-      </p:sp>
-    </p:spTree>
-  </p:cSld>
-  <p:clrMapOvr>
-    <a:masterClrMapping/>
-  </p:clrMapOvr>
-</p:sldLayout>
-</file>
-
-<file path=ppt/slideLayouts/slideLayout11.xml><?xml version="1.0" encoding="utf-8"?>
-<p:sldLayout xmlns:a="http://schemas.openxmlformats.org/drawingml/2006/main" xmlns:r="http://schemas.openxmlformats.org/officeDocument/2006/relationships" xmlns:p="http://schemas.openxmlformats.org/presentationml/2006/main" preserve="1">
-  <p:cSld name="Título y descripción">
-    <p:spTree>
-      <p:nvGrpSpPr>
-        <p:cNvPr id="1" name=""/>
-        <p:cNvGrpSpPr/>
-        <p:nvPr/>
-      </p:nvGrpSpPr>
-      <p:grpSpPr>
-        <a:xfrm>
-          <a:off x="0" y="0"/>
-          <a:ext cx="0" cy="0"/>
-          <a:chOff x="0" y="0"/>
-          <a:chExt cx="0" cy="0"/>
-        </a:xfrm>
-      </p:grpSpPr>
-      <p:sp>
-        <p:nvSpPr>
-          <p:cNvPr id="2" name="Title 1"/>
-          <p:cNvSpPr>
-            <a:spLocks noGrp="1"/>
-          </p:cNvSpPr>
-          <p:nvPr>
-            <p:ph type="title"/>
-          </p:nvPr>
-        </p:nvSpPr>
-        <p:spPr>
-          <a:xfrm>
-            <a:off x="684213" y="685800"/>
-            <a:ext cx="10058400" cy="2743200"/>
-          </a:xfrm>
-        </p:spPr>
-        <p:txBody>
-          <a:bodyPr anchor="ctr">
-            <a:normAutofit/>
-          </a:bodyPr>
-          <a:lstStyle>
-            <a:lvl1pPr algn="l">
-              <a:defRPr sz="3200" b="0" cap="all"/>
-            </a:lvl1pPr>
-          </a:lstStyle>
-          <a:p>
-            <a:r>
-              <a:rPr lang="es-ES" smtClean="0"/>
-              <a:t>Haga clic para modificar el estilo de título del patrón</a:t>
-            </a:r>
-            <a:endParaRPr lang="en-US" dirty="0"/>
-          </a:p>
-        </p:txBody>
-      </p:sp>
-      <p:sp>
-        <p:nvSpPr>
-          <p:cNvPr id="3" name="Text Placeholder 2"/>
-          <p:cNvSpPr>
-            <a:spLocks noGrp="1"/>
-          </p:cNvSpPr>
-          <p:nvPr>
-            <p:ph type="body" idx="1"/>
-          </p:nvPr>
-        </p:nvSpPr>
-        <p:spPr>
-          <a:xfrm>
-            <a:off x="684212" y="4114800"/>
-            <a:ext cx="8535988" cy="1879600"/>
-          </a:xfrm>
-        </p:spPr>
-        <p:txBody>
-          <a:bodyPr anchor="ctr">
-            <a:normAutofit/>
-          </a:bodyPr>
-          <a:lstStyle>
-            <a:lvl1pPr marL="0" indent="0" algn="l">
-              <a:buNone/>
-              <a:defRPr sz="2000">
-                <a:solidFill>
-                  <a:schemeClr val="bg2">
-                    <a:lumMod val="75000"/>
-                  </a:schemeClr>
-                </a:solidFill>
-              </a:defRPr>
-            </a:lvl1pPr>
-            <a:lvl2pPr marL="457200" indent="0">
-              <a:buNone/>
-              <a:defRPr sz="1800">
-                <a:solidFill>
-                  <a:schemeClr val="tx1">
-                    <a:tint val="75000"/>
-                  </a:schemeClr>
-                </a:solidFill>
-              </a:defRPr>
-            </a:lvl2pPr>
-            <a:lvl3pPr marL="914400" indent="0">
-              <a:buNone/>
-              <a:defRPr sz="1600">
-                <a:solidFill>
-                  <a:schemeClr val="tx1">
-                    <a:tint val="75000"/>
-                  </a:schemeClr>
-                </a:solidFill>
-              </a:defRPr>
-            </a:lvl3pPr>
-            <a:lvl4pPr marL="1371600" indent="0">
-              <a:buNone/>
-              <a:defRPr sz="1400">
-                <a:solidFill>
-                  <a:schemeClr val="tx1">
-                    <a:tint val="75000"/>
-                  </a:schemeClr>
-                </a:solidFill>
-              </a:defRPr>
-            </a:lvl4pPr>
-            <a:lvl5pPr marL="1828800" indent="0">
-              <a:buNone/>
-              <a:defRPr sz="1400">
-                <a:solidFill>
-                  <a:schemeClr val="tx1">
-                    <a:tint val="75000"/>
-                  </a:schemeClr>
-                </a:solidFill>
-              </a:defRPr>
-            </a:lvl5pPr>
-            <a:lvl6pPr marL="2286000" indent="0">
-              <a:buNone/>
-              <a:defRPr sz="1400">
-                <a:solidFill>
-                  <a:schemeClr val="tx1">
-                    <a:tint val="75000"/>
-                  </a:schemeClr>
-                </a:solidFill>
-              </a:defRPr>
-            </a:lvl6pPr>
-            <a:lvl7pPr marL="2743200" indent="0">
-              <a:buNone/>
-              <a:defRPr sz="1400">
-                <a:solidFill>
-                  <a:schemeClr val="tx1">
-                    <a:tint val="75000"/>
-                  </a:schemeClr>
-                </a:solidFill>
-              </a:defRPr>
-            </a:lvl7pPr>
-            <a:lvl8pPr marL="3200400" indent="0">
-              <a:buNone/>
-              <a:defRPr sz="1400">
-                <a:solidFill>
-                  <a:schemeClr val="tx1">
-                    <a:tint val="75000"/>
-                  </a:schemeClr>
-                </a:solidFill>
-              </a:defRPr>
-            </a:lvl8pPr>
-            <a:lvl9pPr marL="3657600" indent="0">
-              <a:buNone/>
-              <a:defRPr sz="1400">
-                <a:solidFill>
-                  <a:schemeClr val="tx1">
-                    <a:tint val="75000"/>
-                  </a:schemeClr>
-                </a:solidFill>
-              </a:defRPr>
-            </a:lvl9pPr>
-          </a:lstStyle>
-          <a:p>
-            <a:pPr lvl="0"/>
-            <a:r>
-              <a:rPr lang="es-ES" smtClean="0"/>
-              <a:t>Haga clic para modificar el estilo de texto del patrón</a:t>
-            </a:r>
-          </a:p>
-        </p:txBody>
-      </p:sp>
-      <p:sp>
-        <p:nvSpPr>
-          <p:cNvPr id="4" name="Date Placeholder 3"/>
-          <p:cNvSpPr>
-            <a:spLocks noGrp="1"/>
-          </p:cNvSpPr>
-          <p:nvPr>
-            <p:ph type="dt" sz="half" idx="10"/>
-          </p:nvPr>
-        </p:nvSpPr>
-        <p:spPr/>
-        <p:txBody>
-          <a:bodyPr/>
-          <a:lstStyle/>
-          <a:p>
-            <a:fld id="{B61BEF0D-F0BB-DE4B-95CE-6DB70DBA9567}" type="datetimeFigureOut">
-              <a:rPr lang="en-US" dirty="0"/>
-              <a:pPr/>
-              <a:t>9/29/2015</a:t>
-            </a:fld>
-            <a:endParaRPr lang="en-US" dirty="0"/>
-          </a:p>
-        </p:txBody>
-      </p:sp>
-      <p:sp>
-        <p:nvSpPr>
-          <p:cNvPr id="5" name="Footer Placeholder 4"/>
-          <p:cNvSpPr>
-            <a:spLocks noGrp="1"/>
-          </p:cNvSpPr>
-          <p:nvPr>
-            <p:ph type="ftr" sz="quarter" idx="11"/>
-          </p:nvPr>
-        </p:nvSpPr>
-        <p:spPr/>
-        <p:txBody>
-          <a:bodyPr/>
-          <a:lstStyle/>
-          <a:p>
-            <a:endParaRPr lang="en-US" dirty="0"/>
-          </a:p>
-        </p:txBody>
-      </p:sp>
-      <p:sp>
-        <p:nvSpPr>
-          <p:cNvPr id="6" name="Slide Number Placeholder 5"/>
-          <p:cNvSpPr>
-            <a:spLocks noGrp="1"/>
-          </p:cNvSpPr>
-          <p:nvPr>
-            <p:ph type="sldNum" sz="quarter" idx="12"/>
-          </p:nvPr>
-        </p:nvSpPr>
-        <p:spPr/>
-        <p:txBody>
-          <a:bodyPr/>
-          <a:lstStyle/>
-          <a:p>
-            <a:fld id="{D57F1E4F-1CFF-5643-939E-217C01CDF565}" type="slidenum">
-              <a:rPr lang="en-US" dirty="0"/>
-              <a:pPr/>
-              <a:t>‹Nº›</a:t>
-            </a:fld>
-            <a:endParaRPr lang="en-US" dirty="0"/>
-          </a:p>
-        </p:txBody>
-      </p:sp>
-    </p:spTree>
-  </p:cSld>
-  <p:clrMapOvr>
-    <a:masterClrMapping/>
-  </p:clrMapOvr>
-</p:sldLayout>
-</file>
-
-<file path=ppt/slideLayouts/slideLayout12.xml><?xml version="1.0" encoding="utf-8"?>
-<p:sldLayout xmlns:a="http://schemas.openxmlformats.org/drawingml/2006/main" xmlns:r="http://schemas.openxmlformats.org/officeDocument/2006/relationships" xmlns:p="http://schemas.openxmlformats.org/presentationml/2006/main" preserve="1">
-  <p:cSld name="Cita con descripción">
-    <p:spTree>
-      <p:nvGrpSpPr>
-        <p:cNvPr id="1" name=""/>
-        <p:cNvGrpSpPr/>
-        <p:nvPr/>
-      </p:nvGrpSpPr>
-      <p:grpSpPr>
-        <a:xfrm>
-          <a:off x="0" y="0"/>
-          <a:ext cx="0" cy="0"/>
-          <a:chOff x="0" y="0"/>
-          <a:chExt cx="0" cy="0"/>
-        </a:xfrm>
-      </p:grpSpPr>
-      <p:sp>
-        <p:nvSpPr>
-          <p:cNvPr id="2" name="Title 1"/>
-          <p:cNvSpPr>
-            <a:spLocks noGrp="1"/>
-          </p:cNvSpPr>
-          <p:nvPr>
-            <p:ph type="title"/>
-          </p:nvPr>
-        </p:nvSpPr>
-        <p:spPr>
-          <a:xfrm>
-            <a:off x="1141411" y="685800"/>
-            <a:ext cx="9144001" cy="2743200"/>
-          </a:xfrm>
-        </p:spPr>
-        <p:txBody>
-          <a:bodyPr anchor="ctr">
-            <a:normAutofit/>
-          </a:bodyPr>
-          <a:lstStyle>
-            <a:lvl1pPr algn="l">
-              <a:defRPr sz="3200" b="0" cap="all">
-                <a:solidFill>
-                  <a:schemeClr val="tx1"/>
-                </a:solidFill>
-              </a:defRPr>
-            </a:lvl1pPr>
-          </a:lstStyle>
-          <a:p>
-            <a:r>
-              <a:rPr lang="es-ES" smtClean="0"/>
-              <a:t>Haga clic para modificar el estilo de título del patrón</a:t>
-            </a:r>
-            <a:endParaRPr lang="en-US" dirty="0"/>
-          </a:p>
-        </p:txBody>
-      </p:sp>
-      <p:sp>
-        <p:nvSpPr>
-          <p:cNvPr id="10" name="Text Placeholder 9"/>
-          <p:cNvSpPr>
-            <a:spLocks noGrp="1"/>
-          </p:cNvSpPr>
-          <p:nvPr>
-            <p:ph type="body" sz="quarter" idx="13"/>
-          </p:nvPr>
-        </p:nvSpPr>
-        <p:spPr>
-          <a:xfrm>
-            <a:off x="1446212" y="3429000"/>
-            <a:ext cx="8534400" cy="381000"/>
-          </a:xfrm>
-        </p:spPr>
-        <p:txBody>
-          <a:bodyPr anchor="ctr"/>
-          <a:lstStyle>
-            <a:lvl1pPr marL="0" indent="0">
-              <a:buFontTx/>
-              <a:buNone/>
-              <a:defRPr/>
-            </a:lvl1pPr>
-            <a:lvl2pPr marL="457200" indent="0">
-              <a:buFontTx/>
-              <a:buNone/>
-              <a:defRPr/>
-            </a:lvl2pPr>
-            <a:lvl3pPr marL="914400" indent="0">
-              <a:buFontTx/>
-              <a:buNone/>
-              <a:defRPr/>
-            </a:lvl3pPr>
-            <a:lvl4pPr marL="1371600" indent="0">
-              <a:buFontTx/>
-              <a:buNone/>
-              <a:defRPr/>
-            </a:lvl4pPr>
-            <a:lvl5pPr marL="1828800" indent="0">
-              <a:buFontTx/>
-              <a:buNone/>
-              <a:defRPr/>
-            </a:lvl5pPr>
-          </a:lstStyle>
-          <a:p>
-            <a:pPr lvl="0"/>
-            <a:r>
-              <a:rPr lang="es-ES" smtClean="0"/>
-              <a:t>Haga clic para modificar el estilo de texto del patrón</a:t>
-            </a:r>
-          </a:p>
-        </p:txBody>
-      </p:sp>
-      <p:sp>
-        <p:nvSpPr>
-          <p:cNvPr id="3" name="Text Placeholder 2"/>
-          <p:cNvSpPr>
-            <a:spLocks noGrp="1"/>
-          </p:cNvSpPr>
-          <p:nvPr>
-            <p:ph type="body" idx="1"/>
-          </p:nvPr>
-        </p:nvSpPr>
-        <p:spPr>
-          <a:xfrm>
-            <a:off x="684213" y="4301067"/>
-            <a:ext cx="8534400" cy="1684865"/>
-          </a:xfrm>
-        </p:spPr>
-        <p:txBody>
-          <a:bodyPr anchor="ctr">
-            <a:normAutofit/>
-          </a:bodyPr>
-          <a:lstStyle>
-            <a:lvl1pPr marL="0" indent="0" algn="l">
-              <a:buNone/>
-              <a:defRPr sz="2000">
-                <a:solidFill>
-                  <a:schemeClr val="bg2">
-                    <a:lumMod val="75000"/>
-                  </a:schemeClr>
-                </a:solidFill>
-              </a:defRPr>
-            </a:lvl1pPr>
-            <a:lvl2pPr marL="457200" indent="0">
-              <a:buNone/>
-              <a:defRPr sz="1800">
-                <a:solidFill>
-                  <a:schemeClr val="tx1">
-                    <a:tint val="75000"/>
-                  </a:schemeClr>
-                </a:solidFill>
-              </a:defRPr>
-            </a:lvl2pPr>
-            <a:lvl3pPr marL="914400" indent="0">
-              <a:buNone/>
-              <a:defRPr sz="1600">
-                <a:solidFill>
-                  <a:schemeClr val="tx1">
-                    <a:tint val="75000"/>
-                  </a:schemeClr>
-                </a:solidFill>
-              </a:defRPr>
-            </a:lvl3pPr>
-            <a:lvl4pPr marL="1371600" indent="0">
-              <a:buNone/>
-              <a:defRPr sz="1400">
-                <a:solidFill>
-                  <a:schemeClr val="tx1">
-                    <a:tint val="75000"/>
-                  </a:schemeClr>
-                </a:solidFill>
-              </a:defRPr>
-            </a:lvl4pPr>
-            <a:lvl5pPr marL="1828800" indent="0">
-              <a:buNone/>
-              <a:defRPr sz="1400">
-                <a:solidFill>
-                  <a:schemeClr val="tx1">
-                    <a:tint val="75000"/>
-                  </a:schemeClr>
-                </a:solidFill>
-              </a:defRPr>
-            </a:lvl5pPr>
-            <a:lvl6pPr marL="2286000" indent="0">
-              <a:buNone/>
-              <a:defRPr sz="1400">
-                <a:solidFill>
-                  <a:schemeClr val="tx1">
-                    <a:tint val="75000"/>
-                  </a:schemeClr>
-                </a:solidFill>
-              </a:defRPr>
-            </a:lvl6pPr>
-            <a:lvl7pPr marL="2743200" indent="0">
-              <a:buNone/>
-              <a:defRPr sz="1400">
-                <a:solidFill>
-                  <a:schemeClr val="tx1">
-                    <a:tint val="75000"/>
-                  </a:schemeClr>
-                </a:solidFill>
-              </a:defRPr>
-            </a:lvl7pPr>
-            <a:lvl8pPr marL="3200400" indent="0">
-              <a:buNone/>
-              <a:defRPr sz="1400">
-                <a:solidFill>
-                  <a:schemeClr val="tx1">
-                    <a:tint val="75000"/>
-                  </a:schemeClr>
-                </a:solidFill>
-              </a:defRPr>
-            </a:lvl8pPr>
-            <a:lvl9pPr marL="3657600" indent="0">
-              <a:buNone/>
-              <a:defRPr sz="1400">
-                <a:solidFill>
-                  <a:schemeClr val="tx1">
-                    <a:tint val="75000"/>
-                  </a:schemeClr>
-                </a:solidFill>
-              </a:defRPr>
-            </a:lvl9pPr>
-          </a:lstStyle>
-          <a:p>
-            <a:pPr lvl="0"/>
-            <a:r>
-              <a:rPr lang="es-ES" smtClean="0"/>
-              <a:t>Haga clic para modificar el estilo de texto del patrón</a:t>
-            </a:r>
-          </a:p>
-        </p:txBody>
-      </p:sp>
-      <p:sp>
-        <p:nvSpPr>
-          <p:cNvPr id="4" name="Date Placeholder 3"/>
-          <p:cNvSpPr>
-            <a:spLocks noGrp="1"/>
-          </p:cNvSpPr>
-          <p:nvPr>
-            <p:ph type="dt" sz="half" idx="10"/>
-          </p:nvPr>
-        </p:nvSpPr>
-        <p:spPr/>
-        <p:txBody>
-          <a:bodyPr/>
-          <a:lstStyle/>
-          <a:p>
-            <a:fld id="{B61BEF0D-F0BB-DE4B-95CE-6DB70DBA9567}" type="datetimeFigureOut">
-              <a:rPr lang="en-US" dirty="0"/>
-              <a:pPr/>
-              <a:t>9/29/2015</a:t>
-            </a:fld>
-            <a:endParaRPr lang="en-US" dirty="0"/>
-          </a:p>
-        </p:txBody>
-      </p:sp>
-      <p:sp>
-        <p:nvSpPr>
-          <p:cNvPr id="5" name="Footer Placeholder 4"/>
-          <p:cNvSpPr>
-            <a:spLocks noGrp="1"/>
-          </p:cNvSpPr>
-          <p:nvPr>
-            <p:ph type="ftr" sz="quarter" idx="11"/>
-          </p:nvPr>
-        </p:nvSpPr>
-        <p:spPr/>
-        <p:txBody>
-          <a:bodyPr/>
-          <a:lstStyle/>
-          <a:p>
-            <a:endParaRPr lang="en-US" dirty="0"/>
-          </a:p>
-        </p:txBody>
-      </p:sp>
-      <p:sp>
-        <p:nvSpPr>
-          <p:cNvPr id="6" name="Slide Number Placeholder 5"/>
-          <p:cNvSpPr>
-            <a:spLocks noGrp="1"/>
-          </p:cNvSpPr>
-          <p:nvPr>
-            <p:ph type="sldNum" sz="quarter" idx="12"/>
-          </p:nvPr>
-        </p:nvSpPr>
-        <p:spPr/>
-        <p:txBody>
-          <a:bodyPr/>
-          <a:lstStyle/>
-          <a:p>
-            <a:fld id="{D57F1E4F-1CFF-5643-939E-217C01CDF565}" type="slidenum">
-              <a:rPr lang="en-US" dirty="0"/>
-              <a:pPr/>
-              <a:t>‹Nº›</a:t>
-            </a:fld>
-            <a:endParaRPr lang="en-US" dirty="0"/>
-          </a:p>
-        </p:txBody>
-      </p:sp>
-      <p:sp>
-        <p:nvSpPr>
-          <p:cNvPr id="14" name="TextBox 13"/>
-          <p:cNvSpPr txBox="1"/>
-          <p:nvPr/>
-        </p:nvSpPr>
-        <p:spPr>
-          <a:xfrm>
-            <a:off x="531812" y="812222"/>
-            <a:ext cx="609600" cy="584776"/>
-          </a:xfrm>
-          <a:prstGeom prst="rect">
-            <a:avLst/>
-          </a:prstGeom>
-        </p:spPr>
-        <p:txBody>
-          <a:bodyPr vert="horz" lIns="91440" tIns="45720" rIns="91440" bIns="45720" rtlCol="0" anchor="ctr">
-            <a:noAutofit/>
-          </a:bodyPr>
-          <a:lstStyle/>
-          <a:p>
-            <a:pPr lvl="0"/>
-            <a:r>
-              <a:rPr lang="en-US" sz="8000" dirty="0">
-                <a:solidFill>
-                  <a:schemeClr val="tx1"/>
-                </a:solidFill>
-                <a:effectLst/>
-              </a:rPr>
-              <a:t>“</a:t>
-            </a:r>
-          </a:p>
-        </p:txBody>
-      </p:sp>
-      <p:sp>
-        <p:nvSpPr>
-          <p:cNvPr id="15" name="TextBox 14"/>
-          <p:cNvSpPr txBox="1"/>
-          <p:nvPr/>
-        </p:nvSpPr>
-        <p:spPr>
-          <a:xfrm>
-            <a:off x="10285412" y="2768601"/>
-            <a:ext cx="609600" cy="584776"/>
-          </a:xfrm>
-          <a:prstGeom prst="rect">
-            <a:avLst/>
-          </a:prstGeom>
-        </p:spPr>
-        <p:txBody>
-          <a:bodyPr vert="horz" lIns="91440" tIns="45720" rIns="91440" bIns="45720" rtlCol="0" anchor="ctr">
-            <a:noAutofit/>
-          </a:bodyPr>
-          <a:lstStyle/>
-          <a:p>
-            <a:pPr lvl="0" algn="r"/>
-            <a:r>
-              <a:rPr lang="en-US" sz="8000" dirty="0">
-                <a:solidFill>
-                  <a:schemeClr val="tx1"/>
-                </a:solidFill>
-                <a:effectLst/>
-              </a:rPr>
-              <a:t>”</a:t>
-            </a:r>
-          </a:p>
-        </p:txBody>
-      </p:sp>
-    </p:spTree>
-  </p:cSld>
-  <p:clrMapOvr>
-    <a:masterClrMapping/>
-  </p:clrMapOvr>
-</p:sldLayout>
-</file>
-
-<file path=ppt/slideLayouts/slideLayout13.xml><?xml version="1.0" encoding="utf-8"?>
-<p:sldLayout xmlns:a="http://schemas.openxmlformats.org/drawingml/2006/main" xmlns:r="http://schemas.openxmlformats.org/officeDocument/2006/relationships" xmlns:p="http://schemas.openxmlformats.org/presentationml/2006/main" preserve="1">
-  <p:cSld name="Tarjeta de nombre">
-    <p:spTree>
-      <p:nvGrpSpPr>
-        <p:cNvPr id="1" name=""/>
-        <p:cNvGrpSpPr/>
-        <p:nvPr/>
-      </p:nvGrpSpPr>
-      <p:grpSpPr>
-        <a:xfrm>
-          <a:off x="0" y="0"/>
-          <a:ext cx="0" cy="0"/>
-          <a:chOff x="0" y="0"/>
-          <a:chExt cx="0" cy="0"/>
-        </a:xfrm>
-      </p:grpSpPr>
-      <p:sp>
-        <p:nvSpPr>
-          <p:cNvPr id="2" name="Title 1"/>
-          <p:cNvSpPr>
-            <a:spLocks noGrp="1"/>
-          </p:cNvSpPr>
-          <p:nvPr>
-            <p:ph type="title"/>
-          </p:nvPr>
-        </p:nvSpPr>
-        <p:spPr>
-          <a:xfrm>
-            <a:off x="684212" y="3429000"/>
-            <a:ext cx="8534400" cy="1697400"/>
-          </a:xfrm>
-        </p:spPr>
-        <p:txBody>
-          <a:bodyPr anchor="b">
-            <a:normAutofit/>
-          </a:bodyPr>
-          <a:lstStyle>
-            <a:lvl1pPr algn="l">
-              <a:defRPr sz="3200" b="0" cap="all"/>
-            </a:lvl1pPr>
-          </a:lstStyle>
-          <a:p>
-            <a:r>
-              <a:rPr lang="es-ES" smtClean="0"/>
-              <a:t>Haga clic para modificar el estilo de título del patrón</a:t>
-            </a:r>
-            <a:endParaRPr lang="en-US" dirty="0"/>
-          </a:p>
-        </p:txBody>
-      </p:sp>
-      <p:sp>
-        <p:nvSpPr>
-          <p:cNvPr id="3" name="Text Placeholder 2"/>
-          <p:cNvSpPr>
-            <a:spLocks noGrp="1"/>
-          </p:cNvSpPr>
-          <p:nvPr>
-            <p:ph type="body" idx="1"/>
-          </p:nvPr>
-        </p:nvSpPr>
-        <p:spPr>
-          <a:xfrm>
-            <a:off x="684211" y="5132981"/>
-            <a:ext cx="8535990" cy="860400"/>
-          </a:xfrm>
-        </p:spPr>
-        <p:txBody>
-          <a:bodyPr anchor="t">
-            <a:normAutofit/>
-          </a:bodyPr>
-          <a:lstStyle>
-            <a:lvl1pPr marL="0" indent="0" algn="l">
-              <a:buNone/>
-              <a:defRPr sz="2000">
-                <a:solidFill>
-                  <a:schemeClr val="bg2">
-                    <a:lumMod val="75000"/>
-                  </a:schemeClr>
-                </a:solidFill>
-              </a:defRPr>
-            </a:lvl1pPr>
-            <a:lvl2pPr marL="457200" indent="0">
-              <a:buNone/>
-              <a:defRPr sz="1800">
-                <a:solidFill>
-                  <a:schemeClr val="tx1">
-                    <a:tint val="75000"/>
-                  </a:schemeClr>
-                </a:solidFill>
-              </a:defRPr>
-            </a:lvl2pPr>
-            <a:lvl3pPr marL="914400" indent="0">
-              <a:buNone/>
-              <a:defRPr sz="1600">
-                <a:solidFill>
-                  <a:schemeClr val="tx1">
-                    <a:tint val="75000"/>
-                  </a:schemeClr>
-                </a:solidFill>
-              </a:defRPr>
-            </a:lvl3pPr>
-            <a:lvl4pPr marL="1371600" indent="0">
-              <a:buNone/>
-              <a:defRPr sz="1400">
-                <a:solidFill>
-                  <a:schemeClr val="tx1">
-                    <a:tint val="75000"/>
-                  </a:schemeClr>
-                </a:solidFill>
-              </a:defRPr>
-            </a:lvl4pPr>
-            <a:lvl5pPr marL="1828800" indent="0">
-              <a:buNone/>
-              <a:defRPr sz="1400">
-                <a:solidFill>
-                  <a:schemeClr val="tx1">
-                    <a:tint val="75000"/>
-                  </a:schemeClr>
-                </a:solidFill>
-              </a:defRPr>
-            </a:lvl5pPr>
-            <a:lvl6pPr marL="2286000" indent="0">
-              <a:buNone/>
-              <a:defRPr sz="1400">
-                <a:solidFill>
-                  <a:schemeClr val="tx1">
-                    <a:tint val="75000"/>
-                  </a:schemeClr>
-                </a:solidFill>
-              </a:defRPr>
-            </a:lvl6pPr>
-            <a:lvl7pPr marL="2743200" indent="0">
-              <a:buNone/>
-              <a:defRPr sz="1400">
-                <a:solidFill>
-                  <a:schemeClr val="tx1">
-                    <a:tint val="75000"/>
-                  </a:schemeClr>
-                </a:solidFill>
-              </a:defRPr>
-            </a:lvl7pPr>
-            <a:lvl8pPr marL="3200400" indent="0">
-              <a:buNone/>
-              <a:defRPr sz="1400">
-                <a:solidFill>
-                  <a:schemeClr val="tx1">
-                    <a:tint val="75000"/>
-                  </a:schemeClr>
-                </a:solidFill>
-              </a:defRPr>
-            </a:lvl8pPr>
-            <a:lvl9pPr marL="3657600" indent="0">
-              <a:buNone/>
-              <a:defRPr sz="1400">
-                <a:solidFill>
-                  <a:schemeClr val="tx1">
-                    <a:tint val="75000"/>
-                  </a:schemeClr>
-                </a:solidFill>
-              </a:defRPr>
-            </a:lvl9pPr>
-          </a:lstStyle>
-          <a:p>
-            <a:pPr lvl="0"/>
-            <a:r>
-              <a:rPr lang="es-ES" smtClean="0"/>
-              <a:t>Haga clic para modificar el estilo de texto del patrón</a:t>
-            </a:r>
-          </a:p>
-        </p:txBody>
-      </p:sp>
-      <p:sp>
-        <p:nvSpPr>
-          <p:cNvPr id="4" name="Date Placeholder 3"/>
-          <p:cNvSpPr>
-            <a:spLocks noGrp="1"/>
-          </p:cNvSpPr>
-          <p:nvPr>
-            <p:ph type="dt" sz="half" idx="10"/>
-          </p:nvPr>
-        </p:nvSpPr>
-        <p:spPr/>
-        <p:txBody>
-          <a:bodyPr/>
-          <a:lstStyle/>
-          <a:p>
-            <a:fld id="{B61BEF0D-F0BB-DE4B-95CE-6DB70DBA9567}" type="datetimeFigureOut">
-              <a:rPr lang="en-US" dirty="0"/>
-              <a:pPr/>
-              <a:t>9/29/2015</a:t>
-            </a:fld>
-            <a:endParaRPr lang="en-US" dirty="0"/>
-          </a:p>
-        </p:txBody>
-      </p:sp>
-      <p:sp>
-        <p:nvSpPr>
-          <p:cNvPr id="5" name="Footer Placeholder 4"/>
-          <p:cNvSpPr>
-            <a:spLocks noGrp="1"/>
-          </p:cNvSpPr>
-          <p:nvPr>
-            <p:ph type="ftr" sz="quarter" idx="11"/>
-          </p:nvPr>
-        </p:nvSpPr>
-        <p:spPr/>
-        <p:txBody>
-          <a:bodyPr/>
-          <a:lstStyle/>
-          <a:p>
-            <a:endParaRPr lang="en-US" dirty="0"/>
-          </a:p>
-        </p:txBody>
-      </p:sp>
-      <p:sp>
-        <p:nvSpPr>
-          <p:cNvPr id="6" name="Slide Number Placeholder 5"/>
-          <p:cNvSpPr>
-            <a:spLocks noGrp="1"/>
-          </p:cNvSpPr>
-          <p:nvPr>
-            <p:ph type="sldNum" sz="quarter" idx="12"/>
-          </p:nvPr>
-        </p:nvSpPr>
-        <p:spPr/>
-        <p:txBody>
-          <a:bodyPr/>
-          <a:lstStyle/>
-          <a:p>
-            <a:fld id="{D57F1E4F-1CFF-5643-939E-217C01CDF565}" type="slidenum">
-              <a:rPr lang="en-US" dirty="0"/>
-              <a:pPr/>
-              <a:t>‹Nº›</a:t>
-            </a:fld>
-            <a:endParaRPr lang="en-US" dirty="0"/>
-          </a:p>
-        </p:txBody>
-      </p:sp>
-    </p:spTree>
-  </p:cSld>
-  <p:clrMapOvr>
-    <a:masterClrMapping/>
-  </p:clrMapOvr>
-</p:sldLayout>
-</file>
-
-<file path=ppt/slideLayouts/slideLayout14.xml><?xml version="1.0" encoding="utf-8"?>
-<p:sldLayout xmlns:a="http://schemas.openxmlformats.org/drawingml/2006/main" xmlns:r="http://schemas.openxmlformats.org/officeDocument/2006/relationships" xmlns:p="http://schemas.openxmlformats.org/presentationml/2006/main" preserve="1">
-  <p:cSld name="Citar la tarjeta de nombre">
-    <p:spTree>
-      <p:nvGrpSpPr>
-        <p:cNvPr id="1" name=""/>
-        <p:cNvGrpSpPr/>
-        <p:nvPr/>
-      </p:nvGrpSpPr>
-      <p:grpSpPr>
-        <a:xfrm>
-          <a:off x="0" y="0"/>
-          <a:ext cx="0" cy="0"/>
-          <a:chOff x="0" y="0"/>
-          <a:chExt cx="0" cy="0"/>
-        </a:xfrm>
-      </p:grpSpPr>
-      <p:sp>
-        <p:nvSpPr>
-          <p:cNvPr id="2" name="Title 1"/>
-          <p:cNvSpPr>
-            <a:spLocks noGrp="1"/>
-          </p:cNvSpPr>
-          <p:nvPr>
-            <p:ph type="title"/>
-          </p:nvPr>
-        </p:nvSpPr>
-        <p:spPr>
-          <a:xfrm>
-            <a:off x="1141413" y="685800"/>
-            <a:ext cx="9144000" cy="2743200"/>
-          </a:xfrm>
-        </p:spPr>
-        <p:txBody>
-          <a:bodyPr anchor="ctr">
-            <a:normAutofit/>
-          </a:bodyPr>
-          <a:lstStyle>
-            <a:lvl1pPr algn="l">
-              <a:defRPr sz="3200" b="0" cap="all">
-                <a:solidFill>
-                  <a:schemeClr val="tx1"/>
-                </a:solidFill>
-              </a:defRPr>
-            </a:lvl1pPr>
-          </a:lstStyle>
-          <a:p>
-            <a:r>
-              <a:rPr lang="es-ES" smtClean="0"/>
-              <a:t>Haga clic para modificar el estilo de título del patrón</a:t>
-            </a:r>
-            <a:endParaRPr lang="en-US" dirty="0"/>
-          </a:p>
-        </p:txBody>
-      </p:sp>
-      <p:sp>
-        <p:nvSpPr>
-          <p:cNvPr id="10" name="Text Placeholder 9"/>
-          <p:cNvSpPr>
-            <a:spLocks noGrp="1"/>
-          </p:cNvSpPr>
-          <p:nvPr>
-            <p:ph type="body" sz="quarter" idx="13"/>
-          </p:nvPr>
-        </p:nvSpPr>
-        <p:spPr>
-          <a:xfrm>
-            <a:off x="684212" y="3928534"/>
-            <a:ext cx="8534401" cy="1049866"/>
-          </a:xfrm>
-        </p:spPr>
-        <p:txBody>
-          <a:bodyPr vert="horz" lIns="91440" tIns="45720" rIns="91440" bIns="45720" rtlCol="0" anchor="b">
-            <a:normAutofit/>
-          </a:bodyPr>
-          <a:lstStyle>
-            <a:lvl1pPr>
-              <a:buNone/>
-              <a:defRPr lang="en-US" sz="2400" b="0" cap="all" dirty="0">
-                <a:ln w="3175" cmpd="sng">
-                  <a:noFill/>
-                </a:ln>
-                <a:solidFill>
-                  <a:schemeClr val="tx1"/>
-                </a:solidFill>
-                <a:effectLst/>
-              </a:defRPr>
-            </a:lvl1pPr>
-          </a:lstStyle>
-          <a:p>
-            <a:pPr marL="0" lvl="0">
-              <a:spcBef>
-                <a:spcPct val="0"/>
-              </a:spcBef>
-              <a:buNone/>
-            </a:pPr>
-            <a:r>
-              <a:rPr lang="es-ES" smtClean="0"/>
-              <a:t>Haga clic para modificar el estilo de texto del patrón</a:t>
-            </a:r>
-          </a:p>
-        </p:txBody>
-      </p:sp>
-      <p:sp>
-        <p:nvSpPr>
-          <p:cNvPr id="3" name="Text Placeholder 2"/>
-          <p:cNvSpPr>
-            <a:spLocks noGrp="1"/>
-          </p:cNvSpPr>
-          <p:nvPr>
-            <p:ph type="body" idx="1"/>
-          </p:nvPr>
-        </p:nvSpPr>
-        <p:spPr>
-          <a:xfrm>
-            <a:off x="684211" y="4978400"/>
-            <a:ext cx="8534401" cy="1016000"/>
-          </a:xfrm>
-        </p:spPr>
-        <p:txBody>
-          <a:bodyPr anchor="t">
-            <a:normAutofit/>
-          </a:bodyPr>
-          <a:lstStyle>
-            <a:lvl1pPr marL="0" indent="0" algn="l">
-              <a:buNone/>
-              <a:defRPr sz="1800">
-                <a:solidFill>
-                  <a:schemeClr val="bg2">
-                    <a:lumMod val="75000"/>
-                  </a:schemeClr>
-                </a:solidFill>
-              </a:defRPr>
-            </a:lvl1pPr>
-            <a:lvl2pPr marL="457200" indent="0">
-              <a:buNone/>
-              <a:defRPr sz="1800">
-                <a:solidFill>
-                  <a:schemeClr val="tx1">
-                    <a:tint val="75000"/>
-                  </a:schemeClr>
-                </a:solidFill>
-              </a:defRPr>
-            </a:lvl2pPr>
-            <a:lvl3pPr marL="914400" indent="0">
-              <a:buNone/>
-              <a:defRPr sz="1600">
-                <a:solidFill>
-                  <a:schemeClr val="tx1">
-                    <a:tint val="75000"/>
-                  </a:schemeClr>
-                </a:solidFill>
-              </a:defRPr>
-            </a:lvl3pPr>
-            <a:lvl4pPr marL="1371600" indent="0">
-              <a:buNone/>
-              <a:defRPr sz="1400">
-                <a:solidFill>
-                  <a:schemeClr val="tx1">
-                    <a:tint val="75000"/>
-                  </a:schemeClr>
-                </a:solidFill>
-              </a:defRPr>
-            </a:lvl4pPr>
-            <a:lvl5pPr marL="1828800" indent="0">
-              <a:buNone/>
-              <a:defRPr sz="1400">
-                <a:solidFill>
-                  <a:schemeClr val="tx1">
-                    <a:tint val="75000"/>
-                  </a:schemeClr>
-                </a:solidFill>
-              </a:defRPr>
-            </a:lvl5pPr>
-            <a:lvl6pPr marL="2286000" indent="0">
-              <a:buNone/>
-              <a:defRPr sz="1400">
-                <a:solidFill>
-                  <a:schemeClr val="tx1">
-                    <a:tint val="75000"/>
-                  </a:schemeClr>
-                </a:solidFill>
-              </a:defRPr>
-            </a:lvl6pPr>
-            <a:lvl7pPr marL="2743200" indent="0">
-              <a:buNone/>
-              <a:defRPr sz="1400">
-                <a:solidFill>
-                  <a:schemeClr val="tx1">
-                    <a:tint val="75000"/>
-                  </a:schemeClr>
-                </a:solidFill>
-              </a:defRPr>
-            </a:lvl7pPr>
-            <a:lvl8pPr marL="3200400" indent="0">
-              <a:buNone/>
-              <a:defRPr sz="1400">
-                <a:solidFill>
-                  <a:schemeClr val="tx1">
-                    <a:tint val="75000"/>
-                  </a:schemeClr>
-                </a:solidFill>
-              </a:defRPr>
-            </a:lvl8pPr>
-            <a:lvl9pPr marL="3657600" indent="0">
-              <a:buNone/>
-              <a:defRPr sz="1400">
-                <a:solidFill>
-                  <a:schemeClr val="tx1">
-                    <a:tint val="75000"/>
-                  </a:schemeClr>
-                </a:solidFill>
-              </a:defRPr>
-            </a:lvl9pPr>
-          </a:lstStyle>
-          <a:p>
-            <a:pPr lvl="0"/>
-            <a:r>
-              <a:rPr lang="es-ES" smtClean="0"/>
-              <a:t>Haga clic para modificar el estilo de texto del patrón</a:t>
-            </a:r>
-          </a:p>
-        </p:txBody>
-      </p:sp>
-      <p:sp>
-        <p:nvSpPr>
-          <p:cNvPr id="4" name="Date Placeholder 3"/>
-          <p:cNvSpPr>
-            <a:spLocks noGrp="1"/>
-          </p:cNvSpPr>
-          <p:nvPr>
-            <p:ph type="dt" sz="half" idx="10"/>
-          </p:nvPr>
-        </p:nvSpPr>
-        <p:spPr/>
-        <p:txBody>
-          <a:bodyPr/>
-          <a:lstStyle/>
-          <a:p>
-            <a:fld id="{B61BEF0D-F0BB-DE4B-95CE-6DB70DBA9567}" type="datetimeFigureOut">
-              <a:rPr lang="en-US" dirty="0"/>
-              <a:pPr/>
-              <a:t>9/29/2015</a:t>
-            </a:fld>
-            <a:endParaRPr lang="en-US" dirty="0"/>
-          </a:p>
-        </p:txBody>
-      </p:sp>
-      <p:sp>
-        <p:nvSpPr>
-          <p:cNvPr id="5" name="Footer Placeholder 4"/>
-          <p:cNvSpPr>
-            <a:spLocks noGrp="1"/>
-          </p:cNvSpPr>
-          <p:nvPr>
-            <p:ph type="ftr" sz="quarter" idx="11"/>
-          </p:nvPr>
-        </p:nvSpPr>
-        <p:spPr/>
-        <p:txBody>
-          <a:bodyPr/>
-          <a:lstStyle/>
-          <a:p>
-            <a:endParaRPr lang="en-US" dirty="0"/>
-          </a:p>
-        </p:txBody>
-      </p:sp>
-      <p:sp>
-        <p:nvSpPr>
-          <p:cNvPr id="6" name="Slide Number Placeholder 5"/>
-          <p:cNvSpPr>
-            <a:spLocks noGrp="1"/>
-          </p:cNvSpPr>
-          <p:nvPr>
-            <p:ph type="sldNum" sz="quarter" idx="12"/>
-          </p:nvPr>
-        </p:nvSpPr>
-        <p:spPr/>
-        <p:txBody>
-          <a:bodyPr/>
-          <a:lstStyle/>
-          <a:p>
-            <a:fld id="{D57F1E4F-1CFF-5643-939E-217C01CDF565}" type="slidenum">
-              <a:rPr lang="en-US" dirty="0"/>
-              <a:pPr/>
-              <a:t>‹Nº›</a:t>
-            </a:fld>
-            <a:endParaRPr lang="en-US" dirty="0"/>
-          </a:p>
-        </p:txBody>
-      </p:sp>
-      <p:sp>
-        <p:nvSpPr>
-          <p:cNvPr id="11" name="TextBox 10"/>
-          <p:cNvSpPr txBox="1"/>
-          <p:nvPr/>
-        </p:nvSpPr>
-        <p:spPr>
-          <a:xfrm>
-            <a:off x="531812" y="812222"/>
-            <a:ext cx="609600" cy="584776"/>
-          </a:xfrm>
-          <a:prstGeom prst="rect">
-            <a:avLst/>
-          </a:prstGeom>
-        </p:spPr>
-        <p:txBody>
-          <a:bodyPr vert="horz" lIns="91440" tIns="45720" rIns="91440" bIns="45720" rtlCol="0" anchor="ctr">
-            <a:noAutofit/>
-          </a:bodyPr>
-          <a:lstStyle/>
-          <a:p>
-            <a:pPr lvl="0"/>
-            <a:r>
-              <a:rPr lang="en-US" sz="8000" dirty="0">
-                <a:solidFill>
-                  <a:schemeClr val="tx1"/>
-                </a:solidFill>
-                <a:effectLst/>
-              </a:rPr>
-              <a:t>“</a:t>
-            </a:r>
-          </a:p>
-        </p:txBody>
-      </p:sp>
-      <p:sp>
-        <p:nvSpPr>
-          <p:cNvPr id="12" name="TextBox 11"/>
-          <p:cNvSpPr txBox="1"/>
-          <p:nvPr/>
-        </p:nvSpPr>
-        <p:spPr>
-          <a:xfrm>
-            <a:off x="10285412" y="2768601"/>
-            <a:ext cx="609600" cy="584776"/>
-          </a:xfrm>
-          <a:prstGeom prst="rect">
-            <a:avLst/>
-          </a:prstGeom>
-        </p:spPr>
-        <p:txBody>
-          <a:bodyPr vert="horz" lIns="91440" tIns="45720" rIns="91440" bIns="45720" rtlCol="0" anchor="ctr">
-            <a:noAutofit/>
-          </a:bodyPr>
-          <a:lstStyle/>
-          <a:p>
-            <a:pPr lvl="0" algn="r"/>
-            <a:r>
-              <a:rPr lang="en-US" sz="8000" dirty="0">
-                <a:solidFill>
-                  <a:schemeClr val="tx1"/>
-                </a:solidFill>
-                <a:effectLst/>
-              </a:rPr>
-              <a:t>”</a:t>
-            </a:r>
-          </a:p>
-        </p:txBody>
-      </p:sp>
-    </p:spTree>
-  </p:cSld>
-  <p:clrMapOvr>
-    <a:masterClrMapping/>
-  </p:clrMapOvr>
-</p:sldLayout>
-</file>
-
-<file path=ppt/slideLayouts/slideLayout15.xml><?xml version="1.0" encoding="utf-8"?>
-<p:sldLayout xmlns:a="http://schemas.openxmlformats.org/drawingml/2006/main" xmlns:r="http://schemas.openxmlformats.org/officeDocument/2006/relationships" xmlns:p="http://schemas.openxmlformats.org/presentationml/2006/main" preserve="1">
-  <p:cSld name="Verdadero o falso">
-    <p:spTree>
-      <p:nvGrpSpPr>
-        <p:cNvPr id="1" name=""/>
-        <p:cNvGrpSpPr/>
-        <p:nvPr/>
-      </p:nvGrpSpPr>
-      <p:grpSpPr>
-        <a:xfrm>
-          <a:off x="0" y="0"/>
-          <a:ext cx="0" cy="0"/>
-          <a:chOff x="0" y="0"/>
-          <a:chExt cx="0" cy="0"/>
-        </a:xfrm>
-      </p:grpSpPr>
-      <p:sp>
-        <p:nvSpPr>
-          <p:cNvPr id="2" name="Title 1"/>
-          <p:cNvSpPr>
-            <a:spLocks noGrp="1"/>
-          </p:cNvSpPr>
-          <p:nvPr>
-            <p:ph type="title"/>
-          </p:nvPr>
-        </p:nvSpPr>
-        <p:spPr>
-          <a:xfrm>
-            <a:off x="684213" y="685800"/>
-            <a:ext cx="10058400" cy="2743200"/>
-          </a:xfrm>
-        </p:spPr>
-        <p:txBody>
-          <a:bodyPr vert="horz" lIns="91440" tIns="45720" rIns="91440" bIns="45720" rtlCol="0" anchor="ctr">
-            <a:normAutofit/>
-          </a:bodyPr>
-          <a:lstStyle>
-            <a:lvl1pPr>
-              <a:defRPr lang="en-US" b="0" dirty="0"/>
-            </a:lvl1pPr>
-          </a:lstStyle>
-          <a:p>
-            <a:pPr marL="0" lvl="0"/>
-            <a:r>
-              <a:rPr lang="es-ES" smtClean="0"/>
-              <a:t>Haga clic para modificar el estilo de título del patrón</a:t>
-            </a:r>
-            <a:endParaRPr lang="en-US" dirty="0"/>
-          </a:p>
-        </p:txBody>
-      </p:sp>
-      <p:sp>
-        <p:nvSpPr>
-          <p:cNvPr id="10" name="Text Placeholder 9"/>
-          <p:cNvSpPr>
-            <a:spLocks noGrp="1"/>
-          </p:cNvSpPr>
-          <p:nvPr>
-            <p:ph type="body" sz="quarter" idx="13"/>
-          </p:nvPr>
-        </p:nvSpPr>
-        <p:spPr>
-          <a:xfrm>
-            <a:off x="684212" y="3928534"/>
-            <a:ext cx="8534400" cy="838200"/>
-          </a:xfrm>
-        </p:spPr>
-        <p:txBody>
-          <a:bodyPr vert="horz" lIns="91440" tIns="45720" rIns="91440" bIns="45720" rtlCol="0" anchor="b">
-            <a:normAutofit/>
-          </a:bodyPr>
-          <a:lstStyle>
-            <a:lvl1pPr>
-              <a:buNone/>
-              <a:defRPr lang="en-US" sz="2400" b="0" cap="all" dirty="0">
-                <a:ln w="3175" cmpd="sng">
-                  <a:noFill/>
-                </a:ln>
-                <a:solidFill>
-                  <a:schemeClr val="tx1"/>
-                </a:solidFill>
-                <a:effectLst/>
-              </a:defRPr>
-            </a:lvl1pPr>
-          </a:lstStyle>
-          <a:p>
-            <a:pPr marL="0" lvl="0">
-              <a:spcBef>
-                <a:spcPct val="0"/>
-              </a:spcBef>
-              <a:buNone/>
-            </a:pPr>
-            <a:r>
-              <a:rPr lang="es-ES" smtClean="0"/>
-              <a:t>Haga clic para modificar el estilo de texto del patrón</a:t>
-            </a:r>
-          </a:p>
-        </p:txBody>
-      </p:sp>
-      <p:sp>
-        <p:nvSpPr>
-          <p:cNvPr id="3" name="Text Placeholder 2"/>
-          <p:cNvSpPr>
-            <a:spLocks noGrp="1"/>
-          </p:cNvSpPr>
-          <p:nvPr>
-            <p:ph type="body" idx="1"/>
-          </p:nvPr>
-        </p:nvSpPr>
-        <p:spPr>
-          <a:xfrm>
-            <a:off x="684211" y="4766732"/>
-            <a:ext cx="8534401" cy="1227667"/>
-          </a:xfrm>
-        </p:spPr>
-        <p:txBody>
-          <a:bodyPr anchor="t">
-            <a:normAutofit/>
-          </a:bodyPr>
-          <a:lstStyle>
-            <a:lvl1pPr marL="0" indent="0" algn="l">
-              <a:buNone/>
-              <a:defRPr sz="1800">
-                <a:solidFill>
-                  <a:schemeClr val="bg2">
-                    <a:lumMod val="75000"/>
-                  </a:schemeClr>
-                </a:solidFill>
-              </a:defRPr>
-            </a:lvl1pPr>
-            <a:lvl2pPr marL="457200" indent="0">
-              <a:buNone/>
-              <a:defRPr sz="1800">
-                <a:solidFill>
-                  <a:schemeClr val="tx1">
-                    <a:tint val="75000"/>
-                  </a:schemeClr>
-                </a:solidFill>
-              </a:defRPr>
-            </a:lvl2pPr>
-            <a:lvl3pPr marL="914400" indent="0">
-              <a:buNone/>
-              <a:defRPr sz="1600">
-                <a:solidFill>
-                  <a:schemeClr val="tx1">
-                    <a:tint val="75000"/>
-                  </a:schemeClr>
-                </a:solidFill>
-              </a:defRPr>
-            </a:lvl3pPr>
-            <a:lvl4pPr marL="1371600" indent="0">
-              <a:buNone/>
-              <a:defRPr sz="1400">
-                <a:solidFill>
-                  <a:schemeClr val="tx1">
-                    <a:tint val="75000"/>
-                  </a:schemeClr>
-                </a:solidFill>
-              </a:defRPr>
-            </a:lvl4pPr>
-            <a:lvl5pPr marL="1828800" indent="0">
-              <a:buNone/>
-              <a:defRPr sz="1400">
-                <a:solidFill>
-                  <a:schemeClr val="tx1">
-                    <a:tint val="75000"/>
-                  </a:schemeClr>
-                </a:solidFill>
-              </a:defRPr>
-            </a:lvl5pPr>
-            <a:lvl6pPr marL="2286000" indent="0">
-              <a:buNone/>
-              <a:defRPr sz="1400">
-                <a:solidFill>
-                  <a:schemeClr val="tx1">
-                    <a:tint val="75000"/>
-                  </a:schemeClr>
-                </a:solidFill>
-              </a:defRPr>
-            </a:lvl6pPr>
-            <a:lvl7pPr marL="2743200" indent="0">
-              <a:buNone/>
-              <a:defRPr sz="1400">
-                <a:solidFill>
-                  <a:schemeClr val="tx1">
-                    <a:tint val="75000"/>
-                  </a:schemeClr>
-                </a:solidFill>
-              </a:defRPr>
-            </a:lvl7pPr>
-            <a:lvl8pPr marL="3200400" indent="0">
-              <a:buNone/>
-              <a:defRPr sz="1400">
-                <a:solidFill>
-                  <a:schemeClr val="tx1">
-                    <a:tint val="75000"/>
-                  </a:schemeClr>
-                </a:solidFill>
-              </a:defRPr>
-            </a:lvl8pPr>
-            <a:lvl9pPr marL="3657600" indent="0">
-              <a:buNone/>
-              <a:defRPr sz="1400">
-                <a:solidFill>
-                  <a:schemeClr val="tx1">
-                    <a:tint val="75000"/>
-                  </a:schemeClr>
-                </a:solidFill>
-              </a:defRPr>
-            </a:lvl9pPr>
-          </a:lstStyle>
-          <a:p>
-            <a:pPr lvl="0"/>
-            <a:r>
-              <a:rPr lang="es-ES" smtClean="0"/>
-              <a:t>Haga clic para modificar el estilo de texto del patrón</a:t>
-            </a:r>
-          </a:p>
-        </p:txBody>
-      </p:sp>
-      <p:sp>
-        <p:nvSpPr>
-          <p:cNvPr id="4" name="Date Placeholder 3"/>
-          <p:cNvSpPr>
-            <a:spLocks noGrp="1"/>
-          </p:cNvSpPr>
-          <p:nvPr>
-            <p:ph type="dt" sz="half" idx="10"/>
-          </p:nvPr>
-        </p:nvSpPr>
-        <p:spPr/>
-        <p:txBody>
-          <a:bodyPr/>
-          <a:lstStyle/>
-          <a:p>
-            <a:fld id="{B61BEF0D-F0BB-DE4B-95CE-6DB70DBA9567}" type="datetimeFigureOut">
-              <a:rPr lang="en-US" dirty="0"/>
-              <a:pPr/>
-              <a:t>9/29/2015</a:t>
-            </a:fld>
-            <a:endParaRPr lang="en-US" dirty="0"/>
-          </a:p>
-        </p:txBody>
-      </p:sp>
-      <p:sp>
-        <p:nvSpPr>
-          <p:cNvPr id="5" name="Footer Placeholder 4"/>
-          <p:cNvSpPr>
-            <a:spLocks noGrp="1"/>
-          </p:cNvSpPr>
-          <p:nvPr>
-            <p:ph type="ftr" sz="quarter" idx="11"/>
-          </p:nvPr>
-        </p:nvSpPr>
-        <p:spPr/>
-        <p:txBody>
-          <a:bodyPr/>
-          <a:lstStyle/>
-          <a:p>
-            <a:endParaRPr lang="en-US" dirty="0"/>
-          </a:p>
-        </p:txBody>
-      </p:sp>
-      <p:sp>
-        <p:nvSpPr>
-          <p:cNvPr id="6" name="Slide Number Placeholder 5"/>
-          <p:cNvSpPr>
-            <a:spLocks noGrp="1"/>
-          </p:cNvSpPr>
-          <p:nvPr>
-            <p:ph type="sldNum" sz="quarter" idx="12"/>
-          </p:nvPr>
-        </p:nvSpPr>
-        <p:spPr/>
-        <p:txBody>
-          <a:bodyPr/>
-          <a:lstStyle/>
-          <a:p>
-            <a:fld id="{D57F1E4F-1CFF-5643-939E-217C01CDF565}" type="slidenum">
-              <a:rPr lang="en-US" dirty="0"/>
-              <a:pPr/>
-              <a:t>‹Nº›</a:t>
-            </a:fld>
-            <a:endParaRPr lang="en-US" dirty="0"/>
-          </a:p>
-        </p:txBody>
-      </p:sp>
-    </p:spTree>
-  </p:cSld>
-  <p:clrMapOvr>
-    <a:masterClrMapping/>
-  </p:clrMapOvr>
-</p:sldLayout>
-</file>
-
-<file path=ppt/slideLayouts/slideLayout16.xml><?xml version="1.0" encoding="utf-8"?>
 <p:sldLayout xmlns:a="http://schemas.openxmlformats.org/drawingml/2006/main" xmlns:r="http://schemas.openxmlformats.org/officeDocument/2006/relationships" xmlns:p="http://schemas.openxmlformats.org/presentationml/2006/main" type="vertTx" preserve="1">
   <p:cSld name="Título y texto vertical">
     <p:spTree>
@@ -2359,11 +491,7 @@
         <p:spPr/>
         <p:txBody>
           <a:bodyPr/>
-          <a:lstStyle>
-            <a:lvl1pPr algn="l">
-              <a:defRPr/>
-            </a:lvl1pPr>
-          </a:lstStyle>
+          <a:lstStyle/>
           <a:p>
             <a:r>
               <a:rPr lang="es-ES" smtClean="0"/>
@@ -2383,9 +511,14 @@
             <p:ph type="body" orient="vert" idx="1"/>
           </p:nvPr>
         </p:nvSpPr>
-        <p:spPr/>
-        <p:txBody>
-          <a:bodyPr vert="eaVert" anchor="t"/>
+        <p:spPr>
+          <a:xfrm>
+            <a:off x="1219200" y="685800"/>
+            <a:ext cx="9652000" cy="3886200"/>
+          </a:xfrm>
+        </p:spPr>
+        <p:txBody>
+          <a:bodyPr vert="eaVert" anchor="t" anchorCtr="0"/>
           <a:lstStyle/>
           <a:p>
             <a:pPr lvl="0"/>
@@ -2421,7 +554,7 @@
               <a:rPr lang="es-ES" smtClean="0"/>
               <a:t>Quinto nivel</a:t>
             </a:r>
-            <a:endParaRPr lang="en-US" dirty="0"/>
+            <a:endParaRPr lang="en-US"/>
           </a:p>
         </p:txBody>
       </p:sp>
@@ -2441,9 +574,9 @@
           <a:lstStyle/>
           <a:p>
             <a:fld id="{B61BEF0D-F0BB-DE4B-95CE-6DB70DBA9567}" type="datetimeFigureOut">
-              <a:rPr lang="en-US" dirty="0"/>
+              <a:rPr lang="en-US" smtClean="0"/>
               <a:pPr/>
-              <a:t>9/29/2015</a:t>
+              <a:t>10/7/2015</a:t>
             </a:fld>
             <a:endParaRPr lang="en-US" dirty="0"/>
           </a:p>
@@ -2484,7 +617,7 @@
           <a:lstStyle/>
           <a:p>
             <a:fld id="{D57F1E4F-1CFF-5643-939E-217C01CDF565}" type="slidenum">
-              <a:rPr lang="en-US" dirty="0"/>
+              <a:rPr lang="en-US" smtClean="0"/>
               <a:pPr/>
               <a:t>‹Nº›</a:t>
             </a:fld>
@@ -2500,7 +633,7 @@
 </p:sldLayout>
 </file>
 
-<file path=ppt/slideLayouts/slideLayout17.xml><?xml version="1.0" encoding="utf-8"?>
+<file path=ppt/slideLayouts/slideLayout11.xml><?xml version="1.0" encoding="utf-8"?>
 <p:sldLayout xmlns:a="http://schemas.openxmlformats.org/drawingml/2006/main" xmlns:r="http://schemas.openxmlformats.org/officeDocument/2006/relationships" xmlns:p="http://schemas.openxmlformats.org/presentationml/2006/main" type="vertTitleAndTx" preserve="1">
   <p:cSld name="Título vertical y texto">
     <p:spTree>
@@ -2529,8 +662,8 @@
         </p:nvSpPr>
         <p:spPr>
           <a:xfrm>
-            <a:off x="8685212" y="685800"/>
-            <a:ext cx="2057400" cy="4572000"/>
+            <a:off x="1016000" y="685802"/>
+            <a:ext cx="2438400" cy="5410199"/>
           </a:xfrm>
         </p:spPr>
         <p:txBody>
@@ -2557,12 +690,12 @@
         </p:nvSpPr>
         <p:spPr>
           <a:xfrm>
-            <a:off x="685800" y="685800"/>
-            <a:ext cx="7823200" cy="5308600"/>
+            <a:off x="3454400" y="685801"/>
+            <a:ext cx="7620000" cy="4876800"/>
           </a:xfrm>
         </p:spPr>
         <p:txBody>
-          <a:bodyPr vert="eaVert" anchor="t"/>
+          <a:bodyPr vert="eaVert" anchor="t" anchorCtr="0"/>
           <a:lstStyle/>
           <a:p>
             <a:pPr lvl="0"/>
@@ -2598,7 +731,254 @@
               <a:rPr lang="es-ES" smtClean="0"/>
               <a:t>Quinto nivel</a:t>
             </a:r>
+            <a:endParaRPr lang="en-US"/>
+          </a:p>
+        </p:txBody>
+      </p:sp>
+      <p:sp>
+        <p:nvSpPr>
+          <p:cNvPr id="4" name="Date Placeholder 3"/>
+          <p:cNvSpPr>
+            <a:spLocks noGrp="1"/>
+          </p:cNvSpPr>
+          <p:nvPr>
+            <p:ph type="dt" sz="half" idx="10"/>
+          </p:nvPr>
+        </p:nvSpPr>
+        <p:spPr/>
+        <p:txBody>
+          <a:bodyPr/>
+          <a:lstStyle/>
+          <a:p>
+            <a:fld id="{B61BEF0D-F0BB-DE4B-95CE-6DB70DBA9567}" type="datetimeFigureOut">
+              <a:rPr lang="en-US" smtClean="0"/>
+              <a:pPr/>
+              <a:t>10/7/2015</a:t>
+            </a:fld>
             <a:endParaRPr lang="en-US" dirty="0"/>
+          </a:p>
+        </p:txBody>
+      </p:sp>
+      <p:sp>
+        <p:nvSpPr>
+          <p:cNvPr id="5" name="Footer Placeholder 4"/>
+          <p:cNvSpPr>
+            <a:spLocks noGrp="1"/>
+          </p:cNvSpPr>
+          <p:nvPr>
+            <p:ph type="ftr" sz="quarter" idx="11"/>
+          </p:nvPr>
+        </p:nvSpPr>
+        <p:spPr/>
+        <p:txBody>
+          <a:bodyPr/>
+          <a:lstStyle/>
+          <a:p>
+            <a:endParaRPr lang="en-US" dirty="0"/>
+          </a:p>
+        </p:txBody>
+      </p:sp>
+      <p:sp>
+        <p:nvSpPr>
+          <p:cNvPr id="6" name="Slide Number Placeholder 5"/>
+          <p:cNvSpPr>
+            <a:spLocks noGrp="1"/>
+          </p:cNvSpPr>
+          <p:nvPr>
+            <p:ph type="sldNum" sz="quarter" idx="12"/>
+          </p:nvPr>
+        </p:nvSpPr>
+        <p:spPr/>
+        <p:txBody>
+          <a:bodyPr/>
+          <a:lstStyle/>
+          <a:p>
+            <a:fld id="{D57F1E4F-1CFF-5643-939E-217C01CDF565}" type="slidenum">
+              <a:rPr lang="en-US" smtClean="0"/>
+              <a:pPr/>
+              <a:t>‹Nº›</a:t>
+            </a:fld>
+            <a:endParaRPr lang="en-US" dirty="0"/>
+          </a:p>
+        </p:txBody>
+      </p:sp>
+    </p:spTree>
+  </p:cSld>
+  <p:clrMapOvr>
+    <a:masterClrMapping/>
+  </p:clrMapOvr>
+</p:sldLayout>
+</file>
+
+<file path=ppt/slideLayouts/slideLayout12.xml><?xml version="1.0" encoding="utf-8"?>
+<p:sldLayout xmlns:a="http://schemas.openxmlformats.org/drawingml/2006/main" xmlns:r="http://schemas.openxmlformats.org/officeDocument/2006/relationships" xmlns:p="http://schemas.openxmlformats.org/presentationml/2006/main">
+  <p:cSld name="Título y descripción">
+    <p:spTree>
+      <p:nvGrpSpPr>
+        <p:cNvPr id="1" name=""/>
+        <p:cNvGrpSpPr/>
+        <p:nvPr/>
+      </p:nvGrpSpPr>
+      <p:grpSpPr>
+        <a:xfrm>
+          <a:off x="0" y="0"/>
+          <a:ext cx="0" cy="0"/>
+          <a:chOff x="0" y="0"/>
+          <a:chExt cx="0" cy="0"/>
+        </a:xfrm>
+      </p:grpSpPr>
+      <p:sp>
+        <p:nvSpPr>
+          <p:cNvPr id="2" name="Title 1"/>
+          <p:cNvSpPr>
+            <a:spLocks noGrp="1"/>
+          </p:cNvSpPr>
+          <p:nvPr>
+            <p:ph type="title"/>
+          </p:nvPr>
+        </p:nvSpPr>
+        <p:spPr>
+          <a:xfrm>
+            <a:off x="684213" y="685800"/>
+            <a:ext cx="10058400" cy="2743200"/>
+          </a:xfrm>
+        </p:spPr>
+        <p:txBody>
+          <a:bodyPr anchor="ctr">
+            <a:normAutofit/>
+          </a:bodyPr>
+          <a:lstStyle>
+            <a:lvl1pPr algn="l">
+              <a:defRPr sz="3200" b="0" cap="all"/>
+            </a:lvl1pPr>
+          </a:lstStyle>
+          <a:p>
+            <a:r>
+              <a:rPr lang="es-ES" smtClean="0"/>
+              <a:t>Haga clic para modificar el estilo de título del patrón</a:t>
+            </a:r>
+            <a:endParaRPr lang="en-US" dirty="0"/>
+          </a:p>
+        </p:txBody>
+      </p:sp>
+      <p:sp>
+        <p:nvSpPr>
+          <p:cNvPr id="3" name="Text Placeholder 2"/>
+          <p:cNvSpPr>
+            <a:spLocks noGrp="1"/>
+          </p:cNvSpPr>
+          <p:nvPr>
+            <p:ph type="body" idx="1"/>
+          </p:nvPr>
+        </p:nvSpPr>
+        <p:spPr>
+          <a:xfrm>
+            <a:off x="684212" y="4114800"/>
+            <a:ext cx="8535988" cy="1879600"/>
+          </a:xfrm>
+        </p:spPr>
+        <p:txBody>
+          <a:bodyPr anchor="ctr">
+            <a:normAutofit/>
+          </a:bodyPr>
+          <a:lstStyle>
+            <a:lvl1pPr marL="0" indent="0" algn="l">
+              <a:buNone/>
+              <a:defRPr sz="2000">
+                <a:solidFill>
+                  <a:schemeClr val="bg2">
+                    <a:lumMod val="75000"/>
+                  </a:schemeClr>
+                </a:solidFill>
+              </a:defRPr>
+            </a:lvl1pPr>
+            <a:lvl2pPr marL="457200" indent="0">
+              <a:buNone/>
+              <a:defRPr sz="1800">
+                <a:solidFill>
+                  <a:schemeClr val="tx1">
+                    <a:tint val="75000"/>
+                  </a:schemeClr>
+                </a:solidFill>
+              </a:defRPr>
+            </a:lvl2pPr>
+            <a:lvl3pPr marL="914400" indent="0">
+              <a:buNone/>
+              <a:defRPr sz="1600">
+                <a:solidFill>
+                  <a:schemeClr val="tx1">
+                    <a:tint val="75000"/>
+                  </a:schemeClr>
+                </a:solidFill>
+              </a:defRPr>
+            </a:lvl3pPr>
+            <a:lvl4pPr marL="1371600" indent="0">
+              <a:buNone/>
+              <a:defRPr sz="1400">
+                <a:solidFill>
+                  <a:schemeClr val="tx1">
+                    <a:tint val="75000"/>
+                  </a:schemeClr>
+                </a:solidFill>
+              </a:defRPr>
+            </a:lvl4pPr>
+            <a:lvl5pPr marL="1828800" indent="0">
+              <a:buNone/>
+              <a:defRPr sz="1400">
+                <a:solidFill>
+                  <a:schemeClr val="tx1">
+                    <a:tint val="75000"/>
+                  </a:schemeClr>
+                </a:solidFill>
+              </a:defRPr>
+            </a:lvl5pPr>
+            <a:lvl6pPr marL="2286000" indent="0">
+              <a:buNone/>
+              <a:defRPr sz="1400">
+                <a:solidFill>
+                  <a:schemeClr val="tx1">
+                    <a:tint val="75000"/>
+                  </a:schemeClr>
+                </a:solidFill>
+              </a:defRPr>
+            </a:lvl6pPr>
+            <a:lvl7pPr marL="2743200" indent="0">
+              <a:buNone/>
+              <a:defRPr sz="1400">
+                <a:solidFill>
+                  <a:schemeClr val="tx1">
+                    <a:tint val="75000"/>
+                  </a:schemeClr>
+                </a:solidFill>
+              </a:defRPr>
+            </a:lvl7pPr>
+            <a:lvl8pPr marL="3200400" indent="0">
+              <a:buNone/>
+              <a:defRPr sz="1400">
+                <a:solidFill>
+                  <a:schemeClr val="tx1">
+                    <a:tint val="75000"/>
+                  </a:schemeClr>
+                </a:solidFill>
+              </a:defRPr>
+            </a:lvl8pPr>
+            <a:lvl9pPr marL="3657600" indent="0">
+              <a:buNone/>
+              <a:defRPr sz="1400">
+                <a:solidFill>
+                  <a:schemeClr val="tx1">
+                    <a:tint val="75000"/>
+                  </a:schemeClr>
+                </a:solidFill>
+              </a:defRPr>
+            </a:lvl9pPr>
+          </a:lstStyle>
+          <a:p>
+            <a:pPr lvl="0"/>
+            <a:r>
+              <a:rPr lang="es-ES" smtClean="0"/>
+              <a:t>Haga clic para modificar el estilo de texto del patrón</a:t>
+            </a:r>
           </a:p>
         </p:txBody>
       </p:sp>
@@ -2620,7 +1000,7 @@
             <a:fld id="{B61BEF0D-F0BB-DE4B-95CE-6DB70DBA9567}" type="datetimeFigureOut">
               <a:rPr lang="en-US" dirty="0"/>
               <a:pPr/>
-              <a:t>9/29/2015</a:t>
+              <a:t>10/7/2015</a:t>
             </a:fld>
             <a:endParaRPr lang="en-US" dirty="0"/>
           </a:p>
@@ -2713,7 +1093,7 @@
               <a:rPr lang="es-ES" smtClean="0"/>
               <a:t>Haga clic para modificar el estilo de título del patrón</a:t>
             </a:r>
-            <a:endParaRPr lang="en-US" dirty="0"/>
+            <a:endParaRPr lang="en-US"/>
           </a:p>
         </p:txBody>
       </p:sp>
@@ -2729,7 +1109,7 @@
         </p:nvSpPr>
         <p:spPr/>
         <p:txBody>
-          <a:bodyPr anchor="ctr"/>
+          <a:bodyPr/>
           <a:lstStyle/>
           <a:p>
             <a:pPr lvl="0"/>
@@ -2765,7 +1145,7 @@
               <a:rPr lang="es-ES" smtClean="0"/>
               <a:t>Quinto nivel</a:t>
             </a:r>
-            <a:endParaRPr lang="en-US" dirty="0"/>
+            <a:endParaRPr lang="en-US"/>
           </a:p>
         </p:txBody>
       </p:sp>
@@ -2785,9 +1165,9 @@
           <a:lstStyle/>
           <a:p>
             <a:fld id="{B61BEF0D-F0BB-DE4B-95CE-6DB70DBA9567}" type="datetimeFigureOut">
-              <a:rPr lang="en-US" dirty="0"/>
+              <a:rPr lang="en-US" smtClean="0"/>
               <a:pPr/>
-              <a:t>9/29/2015</a:t>
+              <a:t>10/7/2015</a:t>
             </a:fld>
             <a:endParaRPr lang="en-US" dirty="0"/>
           </a:p>
@@ -2828,7 +1208,7 @@
           <a:lstStyle/>
           <a:p>
             <a:fld id="{D57F1E4F-1CFF-5643-939E-217C01CDF565}" type="slidenum">
-              <a:rPr lang="en-US" dirty="0"/>
+              <a:rPr lang="en-US" smtClean="0"/>
               <a:pPr/>
               <a:t>‹Nº›</a:t>
             </a:fld>
@@ -2845,7 +1225,7 @@
 </file>
 
 <file path=ppt/slideLayouts/slideLayout3.xml><?xml version="1.0" encoding="utf-8"?>
-<p:sldLayout xmlns:a="http://schemas.openxmlformats.org/drawingml/2006/main" xmlns:r="http://schemas.openxmlformats.org/officeDocument/2006/relationships" xmlns:p="http://schemas.openxmlformats.org/presentationml/2006/main" type="secHead" preserve="1">
+<p:sldLayout xmlns:a="http://schemas.openxmlformats.org/drawingml/2006/main" xmlns:r="http://schemas.openxmlformats.org/officeDocument/2006/relationships" xmlns:p="http://schemas.openxmlformats.org/presentationml/2006/main" showMasterSp="0" type="secHead" preserve="1">
   <p:cSld name="Encabezado de sección">
     <p:spTree>
       <p:nvGrpSpPr>
@@ -2863,66 +1243,105 @@
       </p:grpSpPr>
       <p:sp>
         <p:nvSpPr>
-          <p:cNvPr id="2" name="Title 1"/>
-          <p:cNvSpPr>
-            <a:spLocks noGrp="1"/>
-          </p:cNvSpPr>
-          <p:nvPr>
-            <p:ph type="title"/>
-          </p:nvPr>
+          <p:cNvPr id="7" name="Rectangle 6"/>
+          <p:cNvSpPr/>
+          <p:nvPr/>
         </p:nvSpPr>
         <p:spPr>
           <a:xfrm>
-            <a:off x="684211" y="2006600"/>
-            <a:ext cx="8534401" cy="2281600"/>
+            <a:off x="1036320" y="0"/>
+            <a:ext cx="10058400" cy="3048000"/>
+          </a:xfrm>
+          <a:prstGeom prst="rect">
+            <a:avLst/>
+          </a:prstGeom>
+          <a:ln>
+            <a:noFill/>
+          </a:ln>
+        </p:spPr>
+        <p:style>
+          <a:lnRef idx="2">
+            <a:schemeClr val="accent1">
+              <a:shade val="50000"/>
+            </a:schemeClr>
+          </a:lnRef>
+          <a:fillRef idx="1">
+            <a:schemeClr val="accent1"/>
+          </a:fillRef>
+          <a:effectRef idx="0">
+            <a:schemeClr val="accent1"/>
+          </a:effectRef>
+          <a:fontRef idx="minor">
+            <a:schemeClr val="lt1"/>
+          </a:fontRef>
+        </p:style>
+        <p:txBody>
+          <a:bodyPr rtlCol="0" anchor="ctr"/>
+          <a:lstStyle/>
+          <a:p>
+            <a:pPr algn="ctr"/>
+            <a:endParaRPr lang="en-US"/>
+          </a:p>
+        </p:txBody>
+      </p:sp>
+      <p:sp>
+        <p:nvSpPr>
+          <p:cNvPr id="2" name="Title 1"/>
+          <p:cNvSpPr>
+            <a:spLocks noGrp="1"/>
+          </p:cNvSpPr>
+          <p:nvPr>
+            <p:ph type="title"/>
+          </p:nvPr>
+        </p:nvSpPr>
+        <p:spPr>
+          <a:xfrm>
+            <a:off x="1016000" y="3276600"/>
+            <a:ext cx="10058400" cy="1676400"/>
           </a:xfrm>
         </p:spPr>
         <p:txBody>
-          <a:bodyPr anchor="b">
+          <a:bodyPr anchor="b" anchorCtr="0"/>
+          <a:lstStyle>
+            <a:lvl1pPr algn="l">
+              <a:defRPr sz="5400" b="0" cap="all"/>
+            </a:lvl1pPr>
+          </a:lstStyle>
+          <a:p>
+            <a:r>
+              <a:rPr lang="es-ES" smtClean="0"/>
+              <a:t>Haga clic para modificar el estilo de título del patrón</a:t>
+            </a:r>
+            <a:endParaRPr lang="en-US" dirty="0"/>
+          </a:p>
+        </p:txBody>
+      </p:sp>
+      <p:sp>
+        <p:nvSpPr>
+          <p:cNvPr id="3" name="Text Placeholder 2"/>
+          <p:cNvSpPr>
+            <a:spLocks noGrp="1"/>
+          </p:cNvSpPr>
+          <p:nvPr>
+            <p:ph type="body" idx="1"/>
+          </p:nvPr>
+        </p:nvSpPr>
+        <p:spPr>
+          <a:xfrm>
+            <a:off x="1016000" y="4953000"/>
+            <a:ext cx="9144000" cy="914400"/>
+          </a:xfrm>
+        </p:spPr>
+        <p:txBody>
+          <a:bodyPr anchor="t" anchorCtr="0">
             <a:normAutofit/>
           </a:bodyPr>
           <a:lstStyle>
-            <a:lvl1pPr algn="l">
-              <a:defRPr sz="3600" b="0" cap="all"/>
-            </a:lvl1pPr>
-          </a:lstStyle>
-          <a:p>
-            <a:r>
-              <a:rPr lang="es-ES" smtClean="0"/>
-              <a:t>Haga clic para modificar el estilo de título del patrón</a:t>
-            </a:r>
-            <a:endParaRPr lang="en-US" dirty="0"/>
-          </a:p>
-        </p:txBody>
-      </p:sp>
-      <p:sp>
-        <p:nvSpPr>
-          <p:cNvPr id="3" name="Text Placeholder 2"/>
-          <p:cNvSpPr>
-            <a:spLocks noGrp="1"/>
-          </p:cNvSpPr>
-          <p:nvPr>
-            <p:ph type="body" idx="1"/>
-          </p:nvPr>
-        </p:nvSpPr>
-        <p:spPr>
-          <a:xfrm>
-            <a:off x="684213" y="4495800"/>
-            <a:ext cx="8534400" cy="1498600"/>
-          </a:xfrm>
-        </p:spPr>
-        <p:txBody>
-          <a:bodyPr anchor="t">
-            <a:normAutofit/>
-          </a:bodyPr>
-          <a:lstStyle>
-            <a:lvl1pPr marL="0" indent="0" algn="l">
+            <a:lvl1pPr marL="0" indent="0">
               <a:buNone/>
-              <a:defRPr sz="1800">
-                <a:solidFill>
-                  <a:schemeClr val="bg2">
-                    <a:lumMod val="75000"/>
-                  </a:schemeClr>
+              <a:defRPr sz="2800">
+                <a:solidFill>
+                  <a:schemeClr val="tx2"/>
                 </a:solidFill>
               </a:defRPr>
             </a:lvl1pPr>
@@ -3032,9 +1451,9 @@
           <a:lstStyle/>
           <a:p>
             <a:fld id="{B61BEF0D-F0BB-DE4B-95CE-6DB70DBA9567}" type="datetimeFigureOut">
-              <a:rPr lang="en-US" dirty="0"/>
+              <a:rPr lang="en-US" smtClean="0"/>
               <a:pPr/>
-              <a:t>9/29/2015</a:t>
+              <a:t>10/7/2015</a:t>
             </a:fld>
             <a:endParaRPr lang="en-US" dirty="0"/>
           </a:p>
@@ -3075,11 +1494,54 @@
           <a:lstStyle/>
           <a:p>
             <a:fld id="{D57F1E4F-1CFF-5643-939E-217C01CDF565}" type="slidenum">
-              <a:rPr lang="en-US" dirty="0"/>
+              <a:rPr lang="en-US" smtClean="0"/>
               <a:pPr/>
               <a:t>‹Nº›</a:t>
             </a:fld>
             <a:endParaRPr lang="en-US" dirty="0"/>
+          </a:p>
+        </p:txBody>
+      </p:sp>
+      <p:sp>
+        <p:nvSpPr>
+          <p:cNvPr id="8" name="Rectangle 7"/>
+          <p:cNvSpPr/>
+          <p:nvPr/>
+        </p:nvSpPr>
+        <p:spPr>
+          <a:xfrm>
+            <a:off x="1036320" y="6172200"/>
+            <a:ext cx="10058400" cy="27432"/>
+          </a:xfrm>
+          <a:prstGeom prst="rect">
+            <a:avLst/>
+          </a:prstGeom>
+          <a:ln>
+            <a:noFill/>
+          </a:ln>
+        </p:spPr>
+        <p:style>
+          <a:lnRef idx="2">
+            <a:schemeClr val="accent1">
+              <a:shade val="50000"/>
+            </a:schemeClr>
+          </a:lnRef>
+          <a:fillRef idx="1">
+            <a:schemeClr val="accent1"/>
+          </a:fillRef>
+          <a:effectRef idx="0">
+            <a:schemeClr val="accent1"/>
+          </a:effectRef>
+          <a:fontRef idx="minor">
+            <a:schemeClr val="lt1"/>
+          </a:fontRef>
+        </p:style>
+        <p:txBody>
+          <a:bodyPr rtlCol="0" anchor="ctr"/>
+          <a:lstStyle/>
+          <a:p>
+            <a:pPr algn="ctr"/>
+            <a:endParaRPr lang="en-US"/>
           </a:p>
         </p:txBody>
       </p:sp>
@@ -3127,7 +1589,7 @@
               <a:rPr lang="es-ES" smtClean="0"/>
               <a:t>Haga clic para modificar el estilo de título del patrón</a:t>
             </a:r>
-            <a:endParaRPr lang="en-US" dirty="0"/>
+            <a:endParaRPr lang="en-US"/>
           </a:p>
         </p:txBody>
       </p:sp>
@@ -3143,15 +1605,41 @@
         </p:nvSpPr>
         <p:spPr>
           <a:xfrm>
-            <a:off x="684211" y="685800"/>
-            <a:ext cx="4937655" cy="3615267"/>
+            <a:off x="1016000" y="609601"/>
+            <a:ext cx="4876800" cy="3767328"/>
           </a:xfrm>
         </p:spPr>
         <p:txBody>
-          <a:bodyPr>
-            <a:normAutofit/>
-          </a:bodyPr>
-          <a:lstStyle/>
+          <a:bodyPr/>
+          <a:lstStyle>
+            <a:lvl1pPr>
+              <a:defRPr sz="2800"/>
+            </a:lvl1pPr>
+            <a:lvl2pPr>
+              <a:defRPr sz="2400"/>
+            </a:lvl2pPr>
+            <a:lvl3pPr>
+              <a:defRPr sz="2000"/>
+            </a:lvl3pPr>
+            <a:lvl4pPr>
+              <a:defRPr sz="1800"/>
+            </a:lvl4pPr>
+            <a:lvl5pPr>
+              <a:defRPr sz="1800"/>
+            </a:lvl5pPr>
+            <a:lvl6pPr>
+              <a:defRPr sz="1800"/>
+            </a:lvl6pPr>
+            <a:lvl7pPr>
+              <a:defRPr sz="1800"/>
+            </a:lvl7pPr>
+            <a:lvl8pPr>
+              <a:defRPr sz="1800"/>
+            </a:lvl8pPr>
+            <a:lvl9pPr>
+              <a:defRPr sz="1800"/>
+            </a:lvl9pPr>
+          </a:lstStyle>
           <a:p>
             <a:pPr lvl="0"/>
             <a:r>
@@ -3202,15 +1690,41 @@
         </p:nvSpPr>
         <p:spPr>
           <a:xfrm>
-            <a:off x="5808133" y="685801"/>
-            <a:ext cx="4934479" cy="3615266"/>
+            <a:off x="6197600" y="609601"/>
+            <a:ext cx="4876800" cy="3767328"/>
           </a:xfrm>
         </p:spPr>
         <p:txBody>
-          <a:bodyPr>
-            <a:normAutofit/>
-          </a:bodyPr>
-          <a:lstStyle/>
+          <a:bodyPr/>
+          <a:lstStyle>
+            <a:lvl1pPr>
+              <a:defRPr sz="2800"/>
+            </a:lvl1pPr>
+            <a:lvl2pPr>
+              <a:defRPr sz="2400"/>
+            </a:lvl2pPr>
+            <a:lvl3pPr>
+              <a:defRPr sz="2000"/>
+            </a:lvl3pPr>
+            <a:lvl4pPr>
+              <a:defRPr sz="1800"/>
+            </a:lvl4pPr>
+            <a:lvl5pPr>
+              <a:defRPr sz="1800"/>
+            </a:lvl5pPr>
+            <a:lvl6pPr>
+              <a:defRPr sz="1800"/>
+            </a:lvl6pPr>
+            <a:lvl7pPr>
+              <a:defRPr sz="1800"/>
+            </a:lvl7pPr>
+            <a:lvl8pPr>
+              <a:defRPr sz="1800"/>
+            </a:lvl8pPr>
+            <a:lvl9pPr>
+              <a:defRPr sz="1800"/>
+            </a:lvl9pPr>
+          </a:lstStyle>
           <a:p>
             <a:pPr lvl="0"/>
             <a:r>
@@ -3245,7 +1759,7 @@
               <a:rPr lang="es-ES" smtClean="0"/>
               <a:t>Quinto nivel</a:t>
             </a:r>
-            <a:endParaRPr lang="en-US" dirty="0"/>
+            <a:endParaRPr lang="en-US"/>
           </a:p>
         </p:txBody>
       </p:sp>
@@ -3265,9 +1779,9 @@
           <a:lstStyle/>
           <a:p>
             <a:fld id="{B61BEF0D-F0BB-DE4B-95CE-6DB70DBA9567}" type="datetimeFigureOut">
-              <a:rPr lang="en-US" dirty="0"/>
+              <a:rPr lang="en-US" smtClean="0"/>
               <a:pPr/>
-              <a:t>9/29/2015</a:t>
+              <a:t>10/7/2015</a:t>
             </a:fld>
             <a:endParaRPr lang="en-US" dirty="0"/>
           </a:p>
@@ -3308,7 +1822,7 @@
           <a:lstStyle/>
           <a:p>
             <a:fld id="{D57F1E4F-1CFF-5643-939E-217C01CDF565}" type="slidenum">
-              <a:rPr lang="en-US" dirty="0"/>
+              <a:rPr lang="en-US" smtClean="0"/>
               <a:pPr/>
               <a:t>‹Nº›</a:t>
             </a:fld>
@@ -3380,8 +1894,8 @@
         </p:nvSpPr>
         <p:spPr>
           <a:xfrm>
-            <a:off x="972080" y="685800"/>
-            <a:ext cx="4649787" cy="576262"/>
+            <a:off x="1011936" y="609600"/>
+            <a:ext cx="4876800" cy="639762"/>
           </a:xfrm>
         </p:spPr>
         <p:txBody>
@@ -3392,9 +1906,7 @@
             <a:lvl1pPr marL="0" indent="0">
               <a:buNone/>
               <a:defRPr sz="2800" b="0">
-                <a:solidFill>
-                  <a:schemeClr val="tx1"/>
-                </a:solidFill>
+                <a:latin typeface="+mj-lt"/>
               </a:defRPr>
             </a:lvl1pPr>
             <a:lvl2pPr marL="457200" indent="0">
@@ -3451,15 +1963,41 @@
         </p:nvSpPr>
         <p:spPr>
           <a:xfrm>
-            <a:off x="684211" y="1270529"/>
-            <a:ext cx="4937655" cy="3030538"/>
+            <a:off x="1011936" y="1329264"/>
+            <a:ext cx="4876800" cy="3048000"/>
           </a:xfrm>
         </p:spPr>
         <p:txBody>
-          <a:bodyPr anchor="t">
-            <a:normAutofit/>
-          </a:bodyPr>
-          <a:lstStyle/>
+          <a:bodyPr anchor="t" anchorCtr="0"/>
+          <a:lstStyle>
+            <a:lvl1pPr>
+              <a:defRPr sz="2400"/>
+            </a:lvl1pPr>
+            <a:lvl2pPr>
+              <a:defRPr sz="2000"/>
+            </a:lvl2pPr>
+            <a:lvl3pPr>
+              <a:defRPr sz="1800"/>
+            </a:lvl3pPr>
+            <a:lvl4pPr>
+              <a:defRPr sz="1600"/>
+            </a:lvl4pPr>
+            <a:lvl5pPr>
+              <a:defRPr sz="1600"/>
+            </a:lvl5pPr>
+            <a:lvl6pPr>
+              <a:defRPr sz="1600"/>
+            </a:lvl6pPr>
+            <a:lvl7pPr>
+              <a:defRPr sz="1600"/>
+            </a:lvl7pPr>
+            <a:lvl8pPr>
+              <a:defRPr sz="1600"/>
+            </a:lvl8pPr>
+            <a:lvl9pPr>
+              <a:defRPr sz="1600"/>
+            </a:lvl9pPr>
+          </a:lstStyle>
           <a:p>
             <a:pPr lvl="0"/>
             <a:r>
@@ -3510,8 +2048,8 @@
         </p:nvSpPr>
         <p:spPr>
           <a:xfrm>
-            <a:off x="6079066" y="685800"/>
-            <a:ext cx="4665134" cy="576262"/>
+            <a:off x="6193536" y="609600"/>
+            <a:ext cx="4876800" cy="639762"/>
           </a:xfrm>
         </p:spPr>
         <p:txBody>
@@ -3522,9 +2060,7 @@
             <a:lvl1pPr marL="0" indent="0">
               <a:buNone/>
               <a:defRPr sz="2800" b="0">
-                <a:solidFill>
-                  <a:schemeClr val="tx1"/>
-                </a:solidFill>
+                <a:latin typeface="+mj-lt"/>
               </a:defRPr>
             </a:lvl1pPr>
             <a:lvl2pPr marL="457200" indent="0">
@@ -3581,15 +2117,41 @@
         </p:nvSpPr>
         <p:spPr>
           <a:xfrm>
-            <a:off x="5806545" y="1262062"/>
-            <a:ext cx="4929188" cy="3030538"/>
+            <a:off x="6193536" y="1329264"/>
+            <a:ext cx="4876800" cy="3048000"/>
           </a:xfrm>
         </p:spPr>
         <p:txBody>
-          <a:bodyPr anchor="t">
-            <a:normAutofit/>
-          </a:bodyPr>
-          <a:lstStyle/>
+          <a:bodyPr anchor="t" anchorCtr="0"/>
+          <a:lstStyle>
+            <a:lvl1pPr>
+              <a:defRPr sz="2400"/>
+            </a:lvl1pPr>
+            <a:lvl2pPr>
+              <a:defRPr sz="2000"/>
+            </a:lvl2pPr>
+            <a:lvl3pPr>
+              <a:defRPr sz="1800"/>
+            </a:lvl3pPr>
+            <a:lvl4pPr>
+              <a:defRPr sz="1600"/>
+            </a:lvl4pPr>
+            <a:lvl5pPr>
+              <a:defRPr sz="1600"/>
+            </a:lvl5pPr>
+            <a:lvl6pPr>
+              <a:defRPr sz="1600"/>
+            </a:lvl6pPr>
+            <a:lvl7pPr>
+              <a:defRPr sz="1600"/>
+            </a:lvl7pPr>
+            <a:lvl8pPr>
+              <a:defRPr sz="1600"/>
+            </a:lvl8pPr>
+            <a:lvl9pPr>
+              <a:defRPr sz="1600"/>
+            </a:lvl9pPr>
+          </a:lstStyle>
           <a:p>
             <a:pPr lvl="0"/>
             <a:r>
@@ -3624,7 +2186,7 @@
               <a:rPr lang="es-ES" smtClean="0"/>
               <a:t>Quinto nivel</a:t>
             </a:r>
-            <a:endParaRPr lang="en-US" dirty="0"/>
+            <a:endParaRPr lang="en-US"/>
           </a:p>
         </p:txBody>
       </p:sp>
@@ -3644,9 +2206,9 @@
           <a:lstStyle/>
           <a:p>
             <a:fld id="{B61BEF0D-F0BB-DE4B-95CE-6DB70DBA9567}" type="datetimeFigureOut">
-              <a:rPr lang="en-US" dirty="0"/>
+              <a:rPr lang="en-US" smtClean="0"/>
               <a:pPr/>
-              <a:t>9/29/2015</a:t>
+              <a:t>10/7/2015</a:t>
             </a:fld>
             <a:endParaRPr lang="en-US" dirty="0"/>
           </a:p>
@@ -3687,7 +2249,7 @@
           <a:lstStyle/>
           <a:p>
             <a:fld id="{D57F1E4F-1CFF-5643-939E-217C01CDF565}" type="slidenum">
-              <a:rPr lang="en-US" dirty="0"/>
+              <a:rPr lang="en-US" smtClean="0"/>
               <a:pPr/>
               <a:t>‹Nº›</a:t>
             </a:fld>
@@ -3695,6 +2257,66 @@
           </a:p>
         </p:txBody>
       </p:sp>
+      <p:cxnSp>
+        <p:nvCxnSpPr>
+          <p:cNvPr id="11" name="Straight Connector 10"/>
+          <p:cNvCxnSpPr/>
+          <p:nvPr/>
+        </p:nvCxnSpPr>
+        <p:spPr>
+          <a:xfrm>
+            <a:off x="1011936" y="1249362"/>
+            <a:ext cx="4876800" cy="1588"/>
+          </a:xfrm>
+          <a:prstGeom prst="line">
+            <a:avLst/>
+          </a:prstGeom>
+        </p:spPr>
+        <p:style>
+          <a:lnRef idx="1">
+            <a:schemeClr val="accent1"/>
+          </a:lnRef>
+          <a:fillRef idx="0">
+            <a:schemeClr val="accent1"/>
+          </a:fillRef>
+          <a:effectRef idx="0">
+            <a:schemeClr val="accent1"/>
+          </a:effectRef>
+          <a:fontRef idx="minor">
+            <a:schemeClr val="tx1"/>
+          </a:fontRef>
+        </p:style>
+      </p:cxnSp>
+      <p:cxnSp>
+        <p:nvCxnSpPr>
+          <p:cNvPr id="13" name="Straight Connector 12"/>
+          <p:cNvCxnSpPr/>
+          <p:nvPr/>
+        </p:nvCxnSpPr>
+        <p:spPr>
+          <a:xfrm>
+            <a:off x="6193536" y="1249362"/>
+            <a:ext cx="4876800" cy="1588"/>
+          </a:xfrm>
+          <a:prstGeom prst="line">
+            <a:avLst/>
+          </a:prstGeom>
+        </p:spPr>
+        <p:style>
+          <a:lnRef idx="1">
+            <a:schemeClr val="accent1"/>
+          </a:lnRef>
+          <a:fillRef idx="0">
+            <a:schemeClr val="accent1"/>
+          </a:fillRef>
+          <a:effectRef idx="0">
+            <a:schemeClr val="accent1"/>
+          </a:effectRef>
+          <a:fontRef idx="minor">
+            <a:schemeClr val="tx1"/>
+          </a:fontRef>
+        </p:style>
+      </p:cxnSp>
     </p:spTree>
   </p:cSld>
   <p:clrMapOvr>
@@ -3705,7 +2327,7 @@
 
 <file path=ppt/slideLayouts/slideLayout6.xml><?xml version="1.0" encoding="utf-8"?>
 <p:sldLayout xmlns:a="http://schemas.openxmlformats.org/drawingml/2006/main" xmlns:r="http://schemas.openxmlformats.org/officeDocument/2006/relationships" xmlns:p="http://schemas.openxmlformats.org/presentationml/2006/main" type="titleOnly" preserve="1">
-  <p:cSld name="Solo el título">
+  <p:cSld name="Sólo el título">
     <p:spTree>
       <p:nvGrpSpPr>
         <p:cNvPr id="1" name=""/>
@@ -3759,9 +2381,9 @@
           <a:lstStyle/>
           <a:p>
             <a:fld id="{B61BEF0D-F0BB-DE4B-95CE-6DB70DBA9567}" type="datetimeFigureOut">
-              <a:rPr lang="en-US" dirty="0"/>
+              <a:rPr lang="en-US" smtClean="0"/>
               <a:pPr/>
-              <a:t>9/29/2015</a:t>
+              <a:t>10/7/2015</a:t>
             </a:fld>
             <a:endParaRPr lang="en-US" dirty="0"/>
           </a:p>
@@ -3802,7 +2424,7 @@
           <a:lstStyle/>
           <a:p>
             <a:fld id="{D57F1E4F-1CFF-5643-939E-217C01CDF565}" type="slidenum">
-              <a:rPr lang="en-US" dirty="0"/>
+              <a:rPr lang="en-US" smtClean="0"/>
               <a:pPr/>
               <a:t>‹Nº›</a:t>
             </a:fld>
@@ -3851,9 +2473,9 @@
           <a:lstStyle/>
           <a:p>
             <a:fld id="{B61BEF0D-F0BB-DE4B-95CE-6DB70DBA9567}" type="datetimeFigureOut">
-              <a:rPr lang="en-US" dirty="0"/>
+              <a:rPr lang="en-US" smtClean="0"/>
               <a:pPr/>
-              <a:t>9/29/2015</a:t>
+              <a:t>10/7/2015</a:t>
             </a:fld>
             <a:endParaRPr lang="en-US" dirty="0"/>
           </a:p>
@@ -3894,7 +2516,7 @@
           <a:lstStyle/>
           <a:p>
             <a:fld id="{D57F1E4F-1CFF-5643-939E-217C01CDF565}" type="slidenum">
-              <a:rPr lang="en-US" dirty="0"/>
+              <a:rPr lang="en-US" smtClean="0"/>
               <a:pPr/>
               <a:t>‹Nº›</a:t>
             </a:fld>
@@ -3939,8 +2561,8 @@
         </p:nvSpPr>
         <p:spPr>
           <a:xfrm>
-            <a:off x="7085012" y="685800"/>
-            <a:ext cx="3657600" cy="1371600"/>
+            <a:off x="1016000" y="4572000"/>
+            <a:ext cx="9046464" cy="1600200"/>
           </a:xfrm>
         </p:spPr>
         <p:txBody>
@@ -3949,7 +2571,7 @@
           </a:bodyPr>
           <a:lstStyle>
             <a:lvl1pPr algn="l">
-              <a:defRPr sz="2400" b="0"/>
+              <a:defRPr sz="5400" b="0"/>
             </a:lvl1pPr>
           </a:lstStyle>
           <a:p>
@@ -3957,7 +2579,7 @@
               <a:rPr lang="es-ES" smtClean="0"/>
               <a:t>Haga clic para modificar el estilo de título del patrón</a:t>
             </a:r>
-            <a:endParaRPr lang="en-US" dirty="0"/>
+            <a:endParaRPr lang="en-US"/>
           </a:p>
         </p:txBody>
       </p:sp>
@@ -3973,15 +2595,41 @@
         </p:nvSpPr>
         <p:spPr>
           <a:xfrm>
-            <a:off x="684212" y="685800"/>
-            <a:ext cx="5943601" cy="5308600"/>
+            <a:off x="4947821" y="457201"/>
+            <a:ext cx="6126579" cy="4114799"/>
           </a:xfrm>
         </p:spPr>
         <p:txBody>
-          <a:bodyPr anchor="ctr">
-            <a:normAutofit/>
-          </a:bodyPr>
-          <a:lstStyle/>
+          <a:bodyPr/>
+          <a:lstStyle>
+            <a:lvl1pPr>
+              <a:defRPr sz="2400"/>
+            </a:lvl1pPr>
+            <a:lvl2pPr>
+              <a:defRPr sz="2200"/>
+            </a:lvl2pPr>
+            <a:lvl3pPr>
+              <a:defRPr sz="2000"/>
+            </a:lvl3pPr>
+            <a:lvl4pPr>
+              <a:defRPr sz="1800"/>
+            </a:lvl4pPr>
+            <a:lvl5pPr>
+              <a:defRPr sz="1800"/>
+            </a:lvl5pPr>
+            <a:lvl6pPr>
+              <a:defRPr sz="2000"/>
+            </a:lvl6pPr>
+            <a:lvl7pPr>
+              <a:defRPr sz="2000"/>
+            </a:lvl7pPr>
+            <a:lvl8pPr>
+              <a:defRPr sz="2000"/>
+            </a:lvl8pPr>
+            <a:lvl9pPr>
+              <a:defRPr sz="2000"/>
+            </a:lvl9pPr>
+          </a:lstStyle>
           <a:p>
             <a:pPr lvl="0"/>
             <a:r>
@@ -4032,18 +2680,22 @@
         </p:nvSpPr>
         <p:spPr>
           <a:xfrm>
-            <a:off x="7085012" y="2209799"/>
-            <a:ext cx="3657600" cy="2091267"/>
+            <a:off x="1016002" y="457200"/>
+            <a:ext cx="3564876" cy="4114800"/>
           </a:xfrm>
         </p:spPr>
         <p:txBody>
-          <a:bodyPr anchor="t">
+          <a:bodyPr>
             <a:normAutofit/>
           </a:bodyPr>
           <a:lstStyle>
             <a:lvl1pPr marL="0" indent="0">
               <a:buNone/>
-              <a:defRPr sz="1600"/>
+              <a:defRPr sz="2100">
+                <a:solidFill>
+                  <a:schemeClr val="tx2"/>
+                </a:solidFill>
+              </a:defRPr>
             </a:lvl1pPr>
             <a:lvl2pPr marL="457200" indent="0">
               <a:buNone/>
@@ -4103,9 +2755,9 @@
           <a:lstStyle/>
           <a:p>
             <a:fld id="{B61BEF0D-F0BB-DE4B-95CE-6DB70DBA9567}" type="datetimeFigureOut">
-              <a:rPr lang="en-US" dirty="0"/>
+              <a:rPr lang="en-US" smtClean="0"/>
               <a:pPr/>
-              <a:t>9/29/2015</a:t>
+              <a:t>10/7/2015</a:t>
             </a:fld>
             <a:endParaRPr lang="en-US" dirty="0"/>
           </a:p>
@@ -4146,7 +2798,7 @@
           <a:lstStyle/>
           <a:p>
             <a:fld id="{D57F1E4F-1CFF-5643-939E-217C01CDF565}" type="slidenum">
-              <a:rPr lang="en-US" dirty="0"/>
+              <a:rPr lang="en-US" smtClean="0"/>
               <a:pPr/>
               <a:t>‹Nº›</a:t>
             </a:fld>
@@ -4154,6 +2806,44 @@
           </a:p>
         </p:txBody>
       </p:sp>
+      <p:cxnSp>
+        <p:nvCxnSpPr>
+          <p:cNvPr id="10" name="Straight Connector 9"/>
+          <p:cNvCxnSpPr/>
+          <p:nvPr/>
+        </p:nvCxnSpPr>
+        <p:spPr>
+          <a:xfrm rot="5400000">
+            <a:off x="2871259" y="2514336"/>
+            <a:ext cx="3810000" cy="2117"/>
+          </a:xfrm>
+          <a:prstGeom prst="line">
+            <a:avLst/>
+          </a:prstGeom>
+          <a:ln>
+            <a:solidFill>
+              <a:schemeClr val="tx2">
+                <a:lumMod val="50000"/>
+                <a:lumOff val="50000"/>
+              </a:schemeClr>
+            </a:solidFill>
+          </a:ln>
+        </p:spPr>
+        <p:style>
+          <a:lnRef idx="1">
+            <a:schemeClr val="accent1"/>
+          </a:lnRef>
+          <a:fillRef idx="0">
+            <a:schemeClr val="accent1"/>
+          </a:fillRef>
+          <a:effectRef idx="0">
+            <a:schemeClr val="accent1"/>
+          </a:effectRef>
+          <a:fontRef idx="minor">
+            <a:schemeClr val="tx1"/>
+          </a:fontRef>
+        </p:style>
+      </p:cxnSp>
     </p:spTree>
   </p:cSld>
   <p:clrMapOvr>
@@ -4191,8 +2881,8 @@
         </p:nvSpPr>
         <p:spPr>
           <a:xfrm>
-            <a:off x="4722812" y="1447800"/>
-            <a:ext cx="6019800" cy="1143000"/>
+            <a:off x="1011936" y="4572000"/>
+            <a:ext cx="9046464" cy="1600200"/>
           </a:xfrm>
         </p:spPr>
         <p:txBody>
@@ -4201,7 +2891,7 @@
           </a:bodyPr>
           <a:lstStyle>
             <a:lvl1pPr algn="l">
-              <a:defRPr sz="2800" b="0"/>
+              <a:defRPr sz="5400" b="0"/>
             </a:lvl1pPr>
           </a:lstStyle>
           <a:p>
@@ -4215,9 +2905,9 @@
       </p:sp>
       <p:sp>
         <p:nvSpPr>
-          <p:cNvPr id="14" name="Picture Placeholder 2"/>
-          <p:cNvSpPr>
-            <a:spLocks noGrp="1" noChangeAspect="1"/>
+          <p:cNvPr id="3" name="Picture Placeholder 2"/>
+          <p:cNvSpPr>
+            <a:spLocks noGrp="1"/>
           </p:cNvSpPr>
           <p:nvPr>
             <p:ph type="pic" idx="1"/>
@@ -4225,78 +2915,61 @@
         </p:nvSpPr>
         <p:spPr>
           <a:xfrm>
-            <a:off x="989012" y="914400"/>
-            <a:ext cx="3280974" cy="4572000"/>
+            <a:off x="1036320" y="457200"/>
+            <a:ext cx="10058400" cy="2895600"/>
           </a:xfrm>
-          <a:prstGeom prst="snip2DiagRect">
-            <a:avLst>
-              <a:gd name="adj1" fmla="val 10815"/>
-              <a:gd name="adj2" fmla="val 0"/>
-            </a:avLst>
-          </a:prstGeom>
-          <a:ln w="15875">
+          <a:ln w="6350">
             <a:solidFill>
-              <a:schemeClr val="tx1">
-                <a:alpha val="40000"/>
-              </a:schemeClr>
+              <a:schemeClr val="tx2"/>
             </a:solidFill>
           </a:ln>
-          <a:effectLst>
-            <a:innerShdw blurRad="57150" dist="38100" dir="14460000">
-              <a:srgbClr val="000000">
-                <a:alpha val="70000"/>
-              </a:srgbClr>
-            </a:innerShdw>
-          </a:effectLst>
         </p:spPr>
         <p:txBody>
-          <a:bodyPr anchor="t">
-            <a:normAutofit/>
-          </a:bodyPr>
+          <a:bodyPr/>
           <a:lstStyle>
-            <a:lvl1pPr marL="0" indent="0" algn="ctr">
+            <a:lvl1pPr marL="0" indent="0">
               <a:buNone/>
-              <a:defRPr sz="1600"/>
+              <a:defRPr sz="3200"/>
             </a:lvl1pPr>
             <a:lvl2pPr marL="457200" indent="0">
               <a:buNone/>
-              <a:defRPr sz="1600"/>
+              <a:defRPr sz="2800"/>
             </a:lvl2pPr>
             <a:lvl3pPr marL="914400" indent="0">
               <a:buNone/>
-              <a:defRPr sz="1600"/>
+              <a:defRPr sz="2400"/>
             </a:lvl3pPr>
             <a:lvl4pPr marL="1371600" indent="0">
               <a:buNone/>
-              <a:defRPr sz="1600"/>
+              <a:defRPr sz="2000"/>
             </a:lvl4pPr>
             <a:lvl5pPr marL="1828800" indent="0">
               <a:buNone/>
-              <a:defRPr sz="1600"/>
+              <a:defRPr sz="2000"/>
             </a:lvl5pPr>
             <a:lvl6pPr marL="2286000" indent="0">
               <a:buNone/>
-              <a:defRPr sz="1600"/>
+              <a:defRPr sz="2000"/>
             </a:lvl6pPr>
             <a:lvl7pPr marL="2743200" indent="0">
               <a:buNone/>
-              <a:defRPr sz="1600"/>
+              <a:defRPr sz="2000"/>
             </a:lvl7pPr>
             <a:lvl8pPr marL="3200400" indent="0">
               <a:buNone/>
-              <a:defRPr sz="1600"/>
+              <a:defRPr sz="2000"/>
             </a:lvl8pPr>
             <a:lvl9pPr marL="3657600" indent="0">
               <a:buNone/>
-              <a:defRPr sz="1600"/>
+              <a:defRPr sz="2000"/>
             </a:lvl9pPr>
           </a:lstStyle>
           <a:p>
             <a:r>
-              <a:rPr lang="es-ES" dirty="0" smtClean="0"/>
+              <a:rPr lang="es-ES" smtClean="0"/>
               <a:t>Haga clic en el icono para agregar una imagen</a:t>
             </a:r>
-            <a:endParaRPr lang="en-US" dirty="0"/>
+            <a:endParaRPr lang="en-US"/>
           </a:p>
         </p:txBody>
       </p:sp>
@@ -4312,12 +2985,12 @@
         </p:nvSpPr>
         <p:spPr>
           <a:xfrm>
-            <a:off x="4722812" y="2777066"/>
-            <a:ext cx="6021388" cy="2048933"/>
+            <a:off x="1133856" y="3505200"/>
+            <a:ext cx="9855200" cy="804862"/>
           </a:xfrm>
         </p:spPr>
         <p:txBody>
-          <a:bodyPr anchor="t">
+          <a:bodyPr anchor="t" anchorCtr="0">
             <a:normAutofit/>
           </a:bodyPr>
           <a:lstStyle>
@@ -4383,9 +3056,9 @@
           <a:lstStyle/>
           <a:p>
             <a:fld id="{B61BEF0D-F0BB-DE4B-95CE-6DB70DBA9567}" type="datetimeFigureOut">
-              <a:rPr lang="en-US" dirty="0"/>
+              <a:rPr lang="en-US" smtClean="0"/>
               <a:pPr/>
-              <a:t>9/29/2015</a:t>
+              <a:t>10/7/2015</a:t>
             </a:fld>
             <a:endParaRPr lang="en-US" dirty="0"/>
           </a:p>
@@ -4426,7 +3099,7 @@
           <a:lstStyle/>
           <a:p>
             <a:fld id="{D57F1E4F-1CFF-5643-939E-217C01CDF565}" type="slidenum">
-              <a:rPr lang="en-US" dirty="0"/>
+              <a:rPr lang="en-US" smtClean="0"/>
               <a:pPr/>
               <a:t>‹Nº›</a:t>
             </a:fld>
@@ -4446,8 +3119,8 @@
 <p:sldMaster xmlns:a="http://schemas.openxmlformats.org/drawingml/2006/main" xmlns:r="http://schemas.openxmlformats.org/officeDocument/2006/relationships" xmlns:p="http://schemas.openxmlformats.org/presentationml/2006/main">
   <p:cSld>
     <p:bg>
-      <p:bgRef idx="1002">
-        <a:schemeClr val="bg2"/>
+      <p:bgRef idx="1003">
+        <a:schemeClr val="bg1"/>
       </p:bgRef>
     </p:bg>
     <p:spTree>
@@ -4464,196 +3137,6 @@
           <a:chExt cx="0" cy="0"/>
         </a:xfrm>
       </p:grpSpPr>
-      <p:grpSp>
-        <p:nvGrpSpPr>
-          <p:cNvPr id="7" name="Group 6"/>
-          <p:cNvGrpSpPr/>
-          <p:nvPr/>
-        </p:nvGrpSpPr>
-        <p:grpSpPr>
-          <a:xfrm>
-            <a:off x="9206969" y="2963333"/>
-            <a:ext cx="2981858" cy="3208867"/>
-            <a:chOff x="9206969" y="2963333"/>
-            <a:chExt cx="2981858" cy="3208867"/>
-          </a:xfrm>
-        </p:grpSpPr>
-        <p:cxnSp>
-          <p:nvCxnSpPr>
-            <p:cNvPr id="8" name="Straight Connector 7"/>
-            <p:cNvCxnSpPr/>
-            <p:nvPr/>
-          </p:nvCxnSpPr>
-          <p:spPr>
-            <a:xfrm flipH="1">
-              <a:off x="11276012" y="2963333"/>
-              <a:ext cx="912814" cy="912812"/>
-            </a:xfrm>
-            <a:prstGeom prst="line">
-              <a:avLst/>
-            </a:prstGeom>
-            <a:ln w="9525">
-              <a:solidFill>
-                <a:schemeClr val="tx1"/>
-              </a:solidFill>
-            </a:ln>
-          </p:spPr>
-          <p:style>
-            <a:lnRef idx="2">
-              <a:schemeClr val="accent1"/>
-            </a:lnRef>
-            <a:fillRef idx="0">
-              <a:schemeClr val="accent1"/>
-            </a:fillRef>
-            <a:effectRef idx="1">
-              <a:schemeClr val="accent1"/>
-            </a:effectRef>
-            <a:fontRef idx="minor">
-              <a:schemeClr val="tx1"/>
-            </a:fontRef>
-          </p:style>
-        </p:cxnSp>
-        <p:cxnSp>
-          <p:nvCxnSpPr>
-            <p:cNvPr id="9" name="Straight Connector 8"/>
-            <p:cNvCxnSpPr/>
-            <p:nvPr/>
-          </p:nvCxnSpPr>
-          <p:spPr>
-            <a:xfrm flipH="1">
-              <a:off x="9206969" y="3190344"/>
-              <a:ext cx="2981857" cy="2981856"/>
-            </a:xfrm>
-            <a:prstGeom prst="line">
-              <a:avLst/>
-            </a:prstGeom>
-            <a:ln w="9525">
-              <a:solidFill>
-                <a:schemeClr val="tx1"/>
-              </a:solidFill>
-            </a:ln>
-          </p:spPr>
-          <p:style>
-            <a:lnRef idx="2">
-              <a:schemeClr val="accent1"/>
-            </a:lnRef>
-            <a:fillRef idx="0">
-              <a:schemeClr val="accent1"/>
-            </a:fillRef>
-            <a:effectRef idx="1">
-              <a:schemeClr val="accent1"/>
-            </a:effectRef>
-            <a:fontRef idx="minor">
-              <a:schemeClr val="tx1"/>
-            </a:fontRef>
-          </p:style>
-        </p:cxnSp>
-        <p:cxnSp>
-          <p:nvCxnSpPr>
-            <p:cNvPr id="10" name="Straight Connector 9"/>
-            <p:cNvCxnSpPr/>
-            <p:nvPr/>
-          </p:nvCxnSpPr>
-          <p:spPr>
-            <a:xfrm flipH="1">
-              <a:off x="10292292" y="3285067"/>
-              <a:ext cx="1896534" cy="1896533"/>
-            </a:xfrm>
-            <a:prstGeom prst="line">
-              <a:avLst/>
-            </a:prstGeom>
-            <a:ln w="9525">
-              <a:solidFill>
-                <a:schemeClr val="tx1"/>
-              </a:solidFill>
-            </a:ln>
-          </p:spPr>
-          <p:style>
-            <a:lnRef idx="2">
-              <a:schemeClr val="accent1"/>
-            </a:lnRef>
-            <a:fillRef idx="0">
-              <a:schemeClr val="accent1"/>
-            </a:fillRef>
-            <a:effectRef idx="1">
-              <a:schemeClr val="accent1"/>
-            </a:effectRef>
-            <a:fontRef idx="minor">
-              <a:schemeClr val="tx1"/>
-            </a:fontRef>
-          </p:style>
-        </p:cxnSp>
-        <p:cxnSp>
-          <p:nvCxnSpPr>
-            <p:cNvPr id="11" name="Straight Connector 10"/>
-            <p:cNvCxnSpPr/>
-            <p:nvPr/>
-          </p:nvCxnSpPr>
-          <p:spPr>
-            <a:xfrm flipH="1">
-              <a:off x="10443103" y="3131080"/>
-              <a:ext cx="1745722" cy="1745720"/>
-            </a:xfrm>
-            <a:prstGeom prst="line">
-              <a:avLst/>
-            </a:prstGeom>
-            <a:ln w="28575">
-              <a:solidFill>
-                <a:schemeClr val="tx1"/>
-              </a:solidFill>
-            </a:ln>
-          </p:spPr>
-          <p:style>
-            <a:lnRef idx="2">
-              <a:schemeClr val="accent1"/>
-            </a:lnRef>
-            <a:fillRef idx="0">
-              <a:schemeClr val="accent1"/>
-            </a:fillRef>
-            <a:effectRef idx="1">
-              <a:schemeClr val="accent1"/>
-            </a:effectRef>
-            <a:fontRef idx="minor">
-              <a:schemeClr val="tx1"/>
-            </a:fontRef>
-          </p:style>
-        </p:cxnSp>
-        <p:cxnSp>
-          <p:nvCxnSpPr>
-            <p:cNvPr id="12" name="Straight Connector 11"/>
-            <p:cNvCxnSpPr/>
-            <p:nvPr/>
-          </p:nvCxnSpPr>
-          <p:spPr>
-            <a:xfrm flipH="1">
-              <a:off x="10918826" y="3683001"/>
-              <a:ext cx="1270001" cy="1269999"/>
-            </a:xfrm>
-            <a:prstGeom prst="line">
-              <a:avLst/>
-            </a:prstGeom>
-            <a:ln w="28575">
-              <a:solidFill>
-                <a:schemeClr val="tx1"/>
-              </a:solidFill>
-            </a:ln>
-          </p:spPr>
-          <p:style>
-            <a:lnRef idx="2">
-              <a:schemeClr val="accent1"/>
-            </a:lnRef>
-            <a:fillRef idx="0">
-              <a:schemeClr val="accent1"/>
-            </a:fillRef>
-            <a:effectRef idx="1">
-              <a:schemeClr val="accent1"/>
-            </a:effectRef>
-            <a:fontRef idx="minor">
-              <a:schemeClr val="tx1"/>
-            </a:fontRef>
-          </p:style>
-        </p:cxnSp>
-      </p:grpSp>
       <p:sp>
         <p:nvSpPr>
           <p:cNvPr id="2" name="Title Placeholder 1"/>
@@ -4666,85 +3149,22 @@
         </p:nvSpPr>
         <p:spPr>
           <a:xfrm>
-            <a:off x="684212" y="4487332"/>
-            <a:ext cx="8534400" cy="1507067"/>
-          </a:xfrm>
-          <a:prstGeom prst="rect">
-            <a:avLst/>
-          </a:prstGeom>
-          <a:effectLst/>
-        </p:spPr>
-        <p:txBody>
-          <a:bodyPr vert="horz" lIns="91440" tIns="45720" rIns="91440" bIns="45720" rtlCol="0" anchor="ctr">
-            <a:normAutofit/>
-          </a:bodyPr>
-          <a:lstStyle/>
-          <a:p>
-            <a:r>
-              <a:rPr lang="es-ES" smtClean="0"/>
-              <a:t>Haga clic para modificar el estilo de título del patrón</a:t>
-            </a:r>
-            <a:endParaRPr lang="en-US" dirty="0"/>
-          </a:p>
-        </p:txBody>
-      </p:sp>
-      <p:sp>
-        <p:nvSpPr>
-          <p:cNvPr id="3" name="Text Placeholder 2"/>
-          <p:cNvSpPr>
-            <a:spLocks noGrp="1"/>
-          </p:cNvSpPr>
-          <p:nvPr>
-            <p:ph type="body" idx="1"/>
-          </p:nvPr>
-        </p:nvSpPr>
-        <p:spPr>
-          <a:xfrm>
-            <a:off x="684212" y="685800"/>
-            <a:ext cx="8534400" cy="3615267"/>
+            <a:off x="1016000" y="4572000"/>
+            <a:ext cx="9042400" cy="1600200"/>
           </a:xfrm>
           <a:prstGeom prst="rect">
             <a:avLst/>
           </a:prstGeom>
         </p:spPr>
         <p:txBody>
-          <a:bodyPr vert="horz" lIns="91440" tIns="45720" rIns="91440" bIns="45720" rtlCol="0" anchor="ctr">
+          <a:bodyPr vert="horz" lIns="91440" tIns="45720" rIns="91440" bIns="45720" rtlCol="0" anchor="b" anchorCtr="0">
             <a:normAutofit/>
           </a:bodyPr>
           <a:lstStyle/>
           <a:p>
-            <a:pPr lvl="0"/>
             <a:r>
               <a:rPr lang="es-ES" smtClean="0"/>
-              <a:t>Haga clic para modificar el estilo de texto del patrón</a:t>
-            </a:r>
-          </a:p>
-          <a:p>
-            <a:pPr lvl="1"/>
-            <a:r>
-              <a:rPr lang="es-ES" smtClean="0"/>
-              <a:t>Segundo nivel</a:t>
-            </a:r>
-          </a:p>
-          <a:p>
-            <a:pPr lvl="2"/>
-            <a:r>
-              <a:rPr lang="es-ES" smtClean="0"/>
-              <a:t>Tercer nivel</a:t>
-            </a:r>
-          </a:p>
-          <a:p>
-            <a:pPr lvl="3"/>
-            <a:r>
-              <a:rPr lang="es-ES" smtClean="0"/>
-              <a:t>Cuarto nivel</a:t>
-            </a:r>
-          </a:p>
-          <a:p>
-            <a:pPr lvl="4"/>
-            <a:r>
-              <a:rPr lang="es-ES" smtClean="0"/>
-              <a:t>Quinto nivel</a:t>
+              <a:t>Haga clic para modificar el estilo de título del patrón</a:t>
             </a:r>
             <a:endParaRPr lang="en-US" dirty="0"/>
           </a:p>
@@ -4752,124 +3172,185 @@
       </p:sp>
       <p:sp>
         <p:nvSpPr>
-          <p:cNvPr id="4" name="Date Placeholder 3"/>
-          <p:cNvSpPr>
-            <a:spLocks noGrp="1"/>
-          </p:cNvSpPr>
-          <p:nvPr>
-            <p:ph type="dt" sz="half" idx="2"/>
+          <p:cNvPr id="3" name="Text Placeholder 2"/>
+          <p:cNvSpPr>
+            <a:spLocks noGrp="1"/>
+          </p:cNvSpPr>
+          <p:nvPr>
+            <p:ph type="body" idx="1"/>
           </p:nvPr>
         </p:nvSpPr>
         <p:spPr>
           <a:xfrm>
-            <a:off x="9904412" y="6172200"/>
-            <a:ext cx="1600200" cy="365125"/>
+            <a:off x="1016000" y="685800"/>
+            <a:ext cx="10058400" cy="3886200"/>
           </a:xfrm>
           <a:prstGeom prst="rect">
             <a:avLst/>
           </a:prstGeom>
         </p:spPr>
         <p:txBody>
-          <a:bodyPr vert="horz" lIns="91440" tIns="45720" rIns="91440" bIns="45720" rtlCol="0" anchor="t"/>
-          <a:lstStyle>
-            <a:lvl1pPr algn="r">
-              <a:defRPr sz="1000" b="0" i="0">
-                <a:solidFill>
-                  <a:schemeClr val="bg2">
-                    <a:lumMod val="50000"/>
-                  </a:schemeClr>
-                </a:solidFill>
-                <a:effectLst/>
-                <a:latin typeface="+mn-lt"/>
-              </a:defRPr>
-            </a:lvl1pPr>
-          </a:lstStyle>
-          <a:p>
-            <a:fld id="{B61BEF0D-F0BB-DE4B-95CE-6DB70DBA9567}" type="datetimeFigureOut">
-              <a:rPr lang="en-US" dirty="0"/>
-              <a:pPr/>
-              <a:t>9/29/2015</a:t>
-            </a:fld>
+          <a:bodyPr vert="horz" lIns="91440" tIns="45720" rIns="91440" bIns="45720" rtlCol="0" anchor="ctr" anchorCtr="0">
+            <a:normAutofit/>
+          </a:bodyPr>
+          <a:lstStyle/>
+          <a:p>
+            <a:pPr lvl="0"/>
+            <a:r>
+              <a:rPr lang="es-ES" smtClean="0"/>
+              <a:t>Haga clic para modificar el estilo de texto del patrón</a:t>
+            </a:r>
+          </a:p>
+          <a:p>
+            <a:pPr lvl="1"/>
+            <a:r>
+              <a:rPr lang="es-ES" smtClean="0"/>
+              <a:t>Segundo nivel</a:t>
+            </a:r>
+          </a:p>
+          <a:p>
+            <a:pPr lvl="2"/>
+            <a:r>
+              <a:rPr lang="es-ES" smtClean="0"/>
+              <a:t>Tercer nivel</a:t>
+            </a:r>
+          </a:p>
+          <a:p>
+            <a:pPr lvl="3"/>
+            <a:r>
+              <a:rPr lang="es-ES" smtClean="0"/>
+              <a:t>Cuarto nivel</a:t>
+            </a:r>
+          </a:p>
+          <a:p>
+            <a:pPr lvl="4"/>
+            <a:r>
+              <a:rPr lang="es-ES" smtClean="0"/>
+              <a:t>Quinto nivel</a:t>
+            </a:r>
             <a:endParaRPr lang="en-US" dirty="0"/>
           </a:p>
         </p:txBody>
       </p:sp>
       <p:sp>
         <p:nvSpPr>
-          <p:cNvPr id="5" name="Footer Placeholder 4"/>
-          <p:cNvSpPr>
-            <a:spLocks noGrp="1"/>
-          </p:cNvSpPr>
-          <p:nvPr>
-            <p:ph type="ftr" sz="quarter" idx="3"/>
+          <p:cNvPr id="4" name="Date Placeholder 3"/>
+          <p:cNvSpPr>
+            <a:spLocks noGrp="1"/>
+          </p:cNvSpPr>
+          <p:nvPr>
+            <p:ph type="dt" sz="half" idx="2"/>
           </p:nvPr>
         </p:nvSpPr>
         <p:spPr>
           <a:xfrm>
-            <a:off x="684212" y="6172200"/>
-            <a:ext cx="7543800" cy="365125"/>
+            <a:off x="8331200" y="6208777"/>
+            <a:ext cx="2844800" cy="365125"/>
           </a:xfrm>
           <a:prstGeom prst="rect">
             <a:avLst/>
           </a:prstGeom>
         </p:spPr>
         <p:txBody>
-          <a:bodyPr vert="horz" lIns="91440" tIns="45720" rIns="91440" bIns="45720" rtlCol="0" anchor="t"/>
+          <a:bodyPr vert="horz" lIns="91440" tIns="45720" rIns="91440" bIns="45720" rtlCol="0" anchor="ctr"/>
           <a:lstStyle>
-            <a:lvl1pPr algn="l">
-              <a:defRPr sz="1000" b="0" i="0">
-                <a:solidFill>
-                  <a:schemeClr val="bg2">
-                    <a:lumMod val="50000"/>
+            <a:lvl1pPr algn="r">
+              <a:defRPr sz="1200" b="1">
+                <a:solidFill>
+                  <a:schemeClr val="tx2">
+                    <a:lumMod val="90000"/>
+                    <a:lumOff val="10000"/>
                   </a:schemeClr>
                 </a:solidFill>
-                <a:effectLst/>
                 <a:latin typeface="+mn-lt"/>
               </a:defRPr>
             </a:lvl1pPr>
           </a:lstStyle>
           <a:p>
+            <a:fld id="{B61BEF0D-F0BB-DE4B-95CE-6DB70DBA9567}" type="datetimeFigureOut">
+              <a:rPr lang="en-US" smtClean="0"/>
+              <a:pPr/>
+              <a:t>10/7/2015</a:t>
+            </a:fld>
             <a:endParaRPr lang="en-US" dirty="0"/>
           </a:p>
         </p:txBody>
       </p:sp>
       <p:sp>
         <p:nvSpPr>
-          <p:cNvPr id="6" name="Slide Number Placeholder 5"/>
-          <p:cNvSpPr>
-            <a:spLocks noGrp="1"/>
-          </p:cNvSpPr>
-          <p:nvPr>
-            <p:ph type="sldNum" sz="quarter" idx="4"/>
+          <p:cNvPr id="5" name="Footer Placeholder 4"/>
+          <p:cNvSpPr>
+            <a:spLocks noGrp="1"/>
+          </p:cNvSpPr>
+          <p:nvPr>
+            <p:ph type="ftr" sz="quarter" idx="3"/>
           </p:nvPr>
         </p:nvSpPr>
         <p:spPr>
           <a:xfrm>
-            <a:off x="10363200" y="5578475"/>
-            <a:ext cx="1142245" cy="669925"/>
+            <a:off x="1015999" y="6208777"/>
+            <a:ext cx="6498492" cy="365125"/>
           </a:xfrm>
           <a:prstGeom prst="rect">
             <a:avLst/>
           </a:prstGeom>
         </p:spPr>
         <p:txBody>
-          <a:bodyPr vert="horz" lIns="91440" tIns="45720" rIns="91440" bIns="45720" rtlCol="0" anchor="b"/>
+          <a:bodyPr vert="horz" lIns="91440" tIns="45720" rIns="91440" bIns="45720" rtlCol="0" anchor="ctr"/>
           <a:lstStyle>
-            <a:lvl1pPr algn="r">
-              <a:defRPr sz="3200" b="0" i="0">
-                <a:solidFill>
-                  <a:schemeClr val="bg2">
-                    <a:lumMod val="50000"/>
+            <a:lvl1pPr algn="l">
+              <a:defRPr sz="1200" b="1">
+                <a:solidFill>
+                  <a:schemeClr val="tx2">
+                    <a:lumMod val="90000"/>
+                    <a:lumOff val="10000"/>
                   </a:schemeClr>
                 </a:solidFill>
-                <a:effectLst/>
-                <a:latin typeface="+mn-lt"/>
               </a:defRPr>
             </a:lvl1pPr>
           </a:lstStyle>
           <a:p>
+            <a:endParaRPr lang="en-US" dirty="0"/>
+          </a:p>
+        </p:txBody>
+      </p:sp>
+      <p:sp>
+        <p:nvSpPr>
+          <p:cNvPr id="6" name="Slide Number Placeholder 5"/>
+          <p:cNvSpPr>
+            <a:spLocks noGrp="1"/>
+          </p:cNvSpPr>
+          <p:nvPr>
+            <p:ph type="sldNum" sz="quarter" idx="4"/>
+          </p:nvPr>
+        </p:nvSpPr>
+        <p:spPr>
+          <a:xfrm>
+            <a:off x="10160000" y="5687569"/>
+            <a:ext cx="1016000" cy="365125"/>
+          </a:xfrm>
+          <a:prstGeom prst="rect">
+            <a:avLst/>
+          </a:prstGeom>
+        </p:spPr>
+        <p:txBody>
+          <a:bodyPr vert="horz" lIns="91440" tIns="45720" rIns="91440" bIns="45720" rtlCol="0" anchor="ctr"/>
+          <a:lstStyle>
+            <a:lvl1pPr algn="r">
+              <a:defRPr sz="2400">
+                <a:solidFill>
+                  <a:schemeClr val="tx1">
+                    <a:lumMod val="85000"/>
+                    <a:lumOff val="15000"/>
+                  </a:schemeClr>
+                </a:solidFill>
+                <a:latin typeface="+mj-lt"/>
+              </a:defRPr>
+            </a:lvl1pPr>
+          </a:lstStyle>
+          <a:p>
             <a:fld id="{D57F1E4F-1CFF-5643-939E-217C01CDF565}" type="slidenum">
-              <a:rPr lang="en-US" dirty="0"/>
+              <a:rPr lang="en-US" smtClean="0"/>
               <a:pPr/>
               <a:t>‹Nº›</a:t>
             </a:fld>
@@ -4877,43 +3358,123 @@
           </a:p>
         </p:txBody>
       </p:sp>
+      <p:sp>
+        <p:nvSpPr>
+          <p:cNvPr id="8" name="Rectangle 7"/>
+          <p:cNvSpPr/>
+          <p:nvPr/>
+        </p:nvSpPr>
+        <p:spPr>
+          <a:xfrm>
+            <a:off x="1036320" y="0"/>
+            <a:ext cx="10058400" cy="381000"/>
+          </a:xfrm>
+          <a:prstGeom prst="rect">
+            <a:avLst/>
+          </a:prstGeom>
+          <a:ln>
+            <a:noFill/>
+          </a:ln>
+        </p:spPr>
+        <p:style>
+          <a:lnRef idx="2">
+            <a:schemeClr val="accent1">
+              <a:shade val="50000"/>
+            </a:schemeClr>
+          </a:lnRef>
+          <a:fillRef idx="1">
+            <a:schemeClr val="accent1"/>
+          </a:fillRef>
+          <a:effectRef idx="0">
+            <a:schemeClr val="accent1"/>
+          </a:effectRef>
+          <a:fontRef idx="minor">
+            <a:schemeClr val="lt1"/>
+          </a:fontRef>
+        </p:style>
+        <p:txBody>
+          <a:bodyPr rtlCol="0" anchor="ctr"/>
+          <a:lstStyle/>
+          <a:p>
+            <a:pPr algn="ctr"/>
+            <a:endParaRPr lang="en-US"/>
+          </a:p>
+        </p:txBody>
+      </p:sp>
+      <p:sp>
+        <p:nvSpPr>
+          <p:cNvPr id="9" name="Rectangle 8"/>
+          <p:cNvSpPr/>
+          <p:nvPr/>
+        </p:nvSpPr>
+        <p:spPr>
+          <a:xfrm>
+            <a:off x="1036320" y="6172200"/>
+            <a:ext cx="10058400" cy="27432"/>
+          </a:xfrm>
+          <a:prstGeom prst="rect">
+            <a:avLst/>
+          </a:prstGeom>
+          <a:ln>
+            <a:noFill/>
+          </a:ln>
+        </p:spPr>
+        <p:style>
+          <a:lnRef idx="2">
+            <a:schemeClr val="accent1">
+              <a:shade val="50000"/>
+            </a:schemeClr>
+          </a:lnRef>
+          <a:fillRef idx="1">
+            <a:schemeClr val="accent1"/>
+          </a:fillRef>
+          <a:effectRef idx="0">
+            <a:schemeClr val="accent1"/>
+          </a:effectRef>
+          <a:fontRef idx="minor">
+            <a:schemeClr val="lt1"/>
+          </a:fontRef>
+        </p:style>
+        <p:txBody>
+          <a:bodyPr rtlCol="0" anchor="ctr"/>
+          <a:lstStyle/>
+          <a:p>
+            <a:pPr algn="ctr"/>
+            <a:endParaRPr lang="en-US"/>
+          </a:p>
+        </p:txBody>
+      </p:sp>
     </p:spTree>
   </p:cSld>
-  <p:clrMap bg1="dk1" tx1="lt1" bg2="dk2" tx2="lt2" accent1="accent1" accent2="accent2" accent3="accent3" accent4="accent4" accent5="accent5" accent6="accent6" hlink="hlink" folHlink="folHlink"/>
+  <p:clrMap bg1="lt1" tx1="dk1" bg2="lt2" tx2="dk2" accent1="accent1" accent2="accent2" accent3="accent3" accent4="accent4" accent5="accent5" accent6="accent6" hlink="hlink" folHlink="folHlink"/>
   <p:sldLayoutIdLst>
-    <p:sldLayoutId id="2147483649" r:id="rId1"/>
-    <p:sldLayoutId id="2147483650" r:id="rId2"/>
-    <p:sldLayoutId id="2147483651" r:id="rId3"/>
-    <p:sldLayoutId id="2147483652" r:id="rId4"/>
-    <p:sldLayoutId id="2147483653" r:id="rId5"/>
-    <p:sldLayoutId id="2147483654" r:id="rId6"/>
-    <p:sldLayoutId id="2147483655" r:id="rId7"/>
-    <p:sldLayoutId id="2147483656" r:id="rId8"/>
-    <p:sldLayoutId id="2147483660" r:id="rId9"/>
-    <p:sldLayoutId id="2147483668" r:id="rId10"/>
-    <p:sldLayoutId id="2147483663" r:id="rId11"/>
-    <p:sldLayoutId id="2147483664" r:id="rId12"/>
-    <p:sldLayoutId id="2147483665" r:id="rId13"/>
-    <p:sldLayoutId id="2147483666" r:id="rId14"/>
-    <p:sldLayoutId id="2147483667" r:id="rId15"/>
-    <p:sldLayoutId id="2147483658" r:id="rId16"/>
-    <p:sldLayoutId id="2147483659" r:id="rId17"/>
+    <p:sldLayoutId id="2147483683" r:id="rId1"/>
+    <p:sldLayoutId id="2147483684" r:id="rId2"/>
+    <p:sldLayoutId id="2147483685" r:id="rId3"/>
+    <p:sldLayoutId id="2147483686" r:id="rId4"/>
+    <p:sldLayoutId id="2147483687" r:id="rId5"/>
+    <p:sldLayoutId id="2147483688" r:id="rId6"/>
+    <p:sldLayoutId id="2147483689" r:id="rId7"/>
+    <p:sldLayoutId id="2147483690" r:id="rId8"/>
+    <p:sldLayoutId id="2147483691" r:id="rId9"/>
+    <p:sldLayoutId id="2147483692" r:id="rId10"/>
+    <p:sldLayoutId id="2147483693" r:id="rId11"/>
+    <p:sldLayoutId id="2147483694" r:id="rId12"/>
   </p:sldLayoutIdLst>
   <p:txStyles>
     <p:titleStyle>
-      <a:lvl1pPr algn="l" defTabSz="457200" rtl="0" eaLnBrk="1" latinLnBrk="0" hangingPunct="1">
+      <a:lvl1pPr algn="l" defTabSz="914400" rtl="0" eaLnBrk="1" latinLnBrk="0" hangingPunct="1">
         <a:spcBef>
           <a:spcPct val="0"/>
         </a:spcBef>
         <a:buNone/>
-        <a:defRPr sz="3600" kern="1200" cap="all">
-          <a:ln w="3175" cmpd="sng">
-            <a:noFill/>
-          </a:ln>
+        <a:defRPr sz="5400" kern="1200">
           <a:solidFill>
-            <a:schemeClr val="tx1"/>
+            <a:schemeClr val="tx1">
+              <a:lumMod val="85000"/>
+              <a:lumOff val="15000"/>
+            </a:schemeClr>
           </a:solidFill>
-          <a:effectLst/>
           <a:latin typeface="+mj-lt"/>
           <a:ea typeface="+mj-ea"/>
           <a:cs typeface="+mj-cs"/>
@@ -4977,226 +3538,163 @@
       </a:lvl9pPr>
     </p:titleStyle>
     <p:bodyStyle>
-      <a:lvl1pPr marL="285750" indent="-285750" algn="l" defTabSz="457200" rtl="0" eaLnBrk="1" latinLnBrk="0" hangingPunct="1">
+      <a:lvl1pPr marL="274320" indent="-274320" algn="l" defTabSz="914400" rtl="0" eaLnBrk="1" latinLnBrk="0" hangingPunct="1">
         <a:spcBef>
           <a:spcPct val="20000"/>
         </a:spcBef>
-        <a:spcAft>
-          <a:spcPts val="600"/>
-        </a:spcAft>
         <a:buClr>
-          <a:schemeClr val="tx1"/>
+          <a:schemeClr val="accent1"/>
         </a:buClr>
-        <a:buSzPct val="80000"/>
-        <a:buFont typeface="Wingdings 3" panose="05040102010807070707" pitchFamily="18" charset="2"/>
-        <a:buChar char=""/>
-        <a:defRPr sz="2000" kern="1200" cap="none">
+        <a:buFont typeface="Arial" pitchFamily="34" charset="0"/>
+        <a:buChar char="•"/>
+        <a:defRPr sz="2400" kern="1200">
           <a:solidFill>
-            <a:schemeClr val="bg2">
-              <a:lumMod val="75000"/>
-            </a:schemeClr>
+            <a:schemeClr val="tx2"/>
           </a:solidFill>
-          <a:effectLst/>
           <a:latin typeface="+mn-lt"/>
           <a:ea typeface="+mn-ea"/>
           <a:cs typeface="+mn-cs"/>
         </a:defRPr>
       </a:lvl1pPr>
-      <a:lvl2pPr marL="742950" indent="-285750" algn="l" defTabSz="457200" rtl="0" eaLnBrk="1" latinLnBrk="0" hangingPunct="1">
+      <a:lvl2pPr marL="594360" indent="-274320" algn="l" defTabSz="914400" rtl="0" eaLnBrk="1" latinLnBrk="0" hangingPunct="1">
         <a:spcBef>
           <a:spcPct val="20000"/>
         </a:spcBef>
-        <a:spcAft>
-          <a:spcPts val="600"/>
-        </a:spcAft>
         <a:buClr>
-          <a:schemeClr val="tx1"/>
+          <a:schemeClr val="accent1"/>
         </a:buClr>
-        <a:buSzPct val="80000"/>
-        <a:buFont typeface="Wingdings 3" panose="05040102010807070707" pitchFamily="18" charset="2"/>
-        <a:buChar char=""/>
-        <a:defRPr sz="1800" kern="1200" cap="none">
+        <a:buFont typeface="Arial" pitchFamily="34" charset="0"/>
+        <a:buChar char="•"/>
+        <a:defRPr sz="2200" kern="1200">
           <a:solidFill>
-            <a:schemeClr val="bg2">
-              <a:lumMod val="75000"/>
-            </a:schemeClr>
+            <a:schemeClr val="tx2"/>
           </a:solidFill>
-          <a:effectLst/>
           <a:latin typeface="+mn-lt"/>
           <a:ea typeface="+mn-ea"/>
           <a:cs typeface="+mn-cs"/>
         </a:defRPr>
       </a:lvl2pPr>
-      <a:lvl3pPr marL="1200150" indent="-285750" algn="l" defTabSz="457200" rtl="0" eaLnBrk="1" latinLnBrk="0" hangingPunct="1">
+      <a:lvl3pPr marL="868680" indent="-228600" algn="l" defTabSz="914400" rtl="0" eaLnBrk="1" latinLnBrk="0" hangingPunct="1">
         <a:spcBef>
           <a:spcPct val="20000"/>
         </a:spcBef>
-        <a:spcAft>
-          <a:spcPts val="600"/>
-        </a:spcAft>
         <a:buClr>
-          <a:schemeClr val="tx1"/>
+          <a:schemeClr val="accent1"/>
         </a:buClr>
-        <a:buSzPct val="80000"/>
-        <a:buFont typeface="Wingdings 3" panose="05040102010807070707" pitchFamily="18" charset="2"/>
-        <a:buChar char=""/>
-        <a:defRPr sz="1600" kern="1200" cap="none">
+        <a:buFont typeface="Arial" pitchFamily="34" charset="0"/>
+        <a:buChar char="•"/>
+        <a:defRPr sz="2000" kern="1200">
           <a:solidFill>
-            <a:schemeClr val="bg2">
-              <a:lumMod val="75000"/>
-            </a:schemeClr>
+            <a:schemeClr val="tx2"/>
           </a:solidFill>
-          <a:effectLst/>
           <a:latin typeface="+mn-lt"/>
           <a:ea typeface="+mn-ea"/>
           <a:cs typeface="+mn-cs"/>
         </a:defRPr>
       </a:lvl3pPr>
-      <a:lvl4pPr marL="1543050" indent="-171450" algn="l" defTabSz="457200" rtl="0" eaLnBrk="1" latinLnBrk="0" hangingPunct="1">
+      <a:lvl4pPr marL="1143000" indent="-228600" algn="l" defTabSz="914400" rtl="0" eaLnBrk="1" latinLnBrk="0" hangingPunct="1">
         <a:spcBef>
           <a:spcPct val="20000"/>
         </a:spcBef>
-        <a:spcAft>
-          <a:spcPts val="600"/>
-        </a:spcAft>
         <a:buClr>
-          <a:schemeClr val="tx1"/>
+          <a:schemeClr val="accent1"/>
         </a:buClr>
-        <a:buSzPct val="80000"/>
-        <a:buFont typeface="Wingdings 3" panose="05040102010807070707" pitchFamily="18" charset="2"/>
-        <a:buChar char=""/>
-        <a:defRPr sz="1400" kern="1200" cap="none">
+        <a:buFont typeface="Arial" pitchFamily="34" charset="0"/>
+        <a:buChar char="•"/>
+        <a:defRPr sz="1800" kern="1200">
           <a:solidFill>
-            <a:schemeClr val="bg2">
-              <a:lumMod val="75000"/>
-            </a:schemeClr>
+            <a:schemeClr val="tx2"/>
           </a:solidFill>
-          <a:effectLst/>
           <a:latin typeface="+mn-lt"/>
           <a:ea typeface="+mn-ea"/>
           <a:cs typeface="+mn-cs"/>
         </a:defRPr>
       </a:lvl4pPr>
-      <a:lvl5pPr marL="2000250" indent="-171450" algn="l" defTabSz="457200" rtl="0" eaLnBrk="1" latinLnBrk="0" hangingPunct="1">
+      <a:lvl5pPr marL="1371600" indent="-228600" algn="l" defTabSz="914400" rtl="0" eaLnBrk="1" latinLnBrk="0" hangingPunct="1">
         <a:spcBef>
           <a:spcPct val="20000"/>
         </a:spcBef>
-        <a:spcAft>
-          <a:spcPts val="600"/>
-        </a:spcAft>
         <a:buClr>
-          <a:schemeClr val="tx1"/>
+          <a:schemeClr val="accent1"/>
         </a:buClr>
-        <a:buSzPct val="80000"/>
-        <a:buFont typeface="Wingdings 3" panose="05040102010807070707" pitchFamily="18" charset="2"/>
-        <a:buChar char=""/>
-        <a:defRPr sz="1400" kern="1200" cap="none">
+        <a:buFont typeface="Arial" pitchFamily="34" charset="0"/>
+        <a:buChar char="•"/>
+        <a:defRPr sz="1800" kern="1200" baseline="0">
           <a:solidFill>
-            <a:schemeClr val="bg2">
-              <a:lumMod val="75000"/>
-            </a:schemeClr>
+            <a:schemeClr val="tx2"/>
           </a:solidFill>
-          <a:effectLst/>
           <a:latin typeface="+mn-lt"/>
           <a:ea typeface="+mn-ea"/>
           <a:cs typeface="+mn-cs"/>
         </a:defRPr>
       </a:lvl5pPr>
-      <a:lvl6pPr marL="2514600" indent="-228600" algn="l" defTabSz="457200" rtl="0" eaLnBrk="1" latinLnBrk="0" hangingPunct="1">
+      <a:lvl6pPr marL="1645920" indent="-228600" algn="l" defTabSz="914400" rtl="0" eaLnBrk="1" latinLnBrk="0" hangingPunct="1">
         <a:spcBef>
           <a:spcPct val="20000"/>
         </a:spcBef>
-        <a:spcAft>
-          <a:spcPts val="600"/>
-        </a:spcAft>
         <a:buClr>
-          <a:schemeClr val="tx1"/>
+          <a:schemeClr val="accent1"/>
         </a:buClr>
-        <a:buSzPct val="80000"/>
-        <a:buFont typeface="Wingdings 3" panose="05040102010807070707" pitchFamily="18" charset="2"/>
-        <a:buChar char=""/>
-        <a:defRPr sz="1400" kern="1200" cap="none">
+        <a:buFont typeface="Arial" pitchFamily="34" charset="0"/>
+        <a:buChar char="•"/>
+        <a:defRPr sz="1600" kern="1200">
           <a:solidFill>
-            <a:schemeClr val="bg2">
-              <a:lumMod val="75000"/>
-            </a:schemeClr>
+            <a:schemeClr val="tx2"/>
           </a:solidFill>
-          <a:effectLst/>
           <a:latin typeface="+mn-lt"/>
           <a:ea typeface="+mn-ea"/>
           <a:cs typeface="+mn-cs"/>
         </a:defRPr>
       </a:lvl6pPr>
-      <a:lvl7pPr marL="2971800" indent="-228600" algn="l" defTabSz="457200" rtl="0" eaLnBrk="1" latinLnBrk="0" hangingPunct="1">
+      <a:lvl7pPr marL="1901952" indent="-228600" algn="l" defTabSz="914400" rtl="0" eaLnBrk="1" latinLnBrk="0" hangingPunct="1">
         <a:spcBef>
           <a:spcPct val="20000"/>
         </a:spcBef>
-        <a:spcAft>
-          <a:spcPts val="600"/>
-        </a:spcAft>
         <a:buClr>
-          <a:schemeClr val="tx1"/>
+          <a:schemeClr val="accent1"/>
         </a:buClr>
-        <a:buSzPct val="80000"/>
-        <a:buFont typeface="Wingdings 3" panose="05040102010807070707" pitchFamily="18" charset="2"/>
-        <a:buChar char=""/>
-        <a:defRPr sz="1400" kern="1200" cap="none">
+        <a:buFont typeface="Arial" pitchFamily="34" charset="0"/>
+        <a:buChar char="•"/>
+        <a:defRPr sz="1600" kern="1200">
           <a:solidFill>
-            <a:schemeClr val="bg2">
-              <a:lumMod val="75000"/>
-            </a:schemeClr>
+            <a:schemeClr val="tx2"/>
           </a:solidFill>
-          <a:effectLst/>
           <a:latin typeface="+mn-lt"/>
           <a:ea typeface="+mn-ea"/>
           <a:cs typeface="+mn-cs"/>
         </a:defRPr>
       </a:lvl7pPr>
-      <a:lvl8pPr marL="3429000" indent="-228600" algn="l" defTabSz="457200" rtl="0" eaLnBrk="1" latinLnBrk="0" hangingPunct="1">
+      <a:lvl8pPr marL="2194560" indent="-228600" algn="l" defTabSz="914400" rtl="0" eaLnBrk="1" latinLnBrk="0" hangingPunct="1">
         <a:spcBef>
           <a:spcPct val="20000"/>
         </a:spcBef>
-        <a:spcAft>
-          <a:spcPts val="600"/>
-        </a:spcAft>
         <a:buClr>
-          <a:schemeClr val="tx1"/>
+          <a:schemeClr val="accent1"/>
         </a:buClr>
-        <a:buSzPct val="80000"/>
-        <a:buFont typeface="Wingdings 3" panose="05040102010807070707" pitchFamily="18" charset="2"/>
-        <a:buChar char=""/>
-        <a:defRPr sz="1400" kern="1200" cap="none">
+        <a:buFont typeface="Arial" pitchFamily="34" charset="0"/>
+        <a:buChar char="•"/>
+        <a:defRPr sz="1600" kern="1200">
           <a:solidFill>
-            <a:schemeClr val="bg2">
-              <a:lumMod val="75000"/>
-            </a:schemeClr>
+            <a:schemeClr val="tx2"/>
           </a:solidFill>
-          <a:effectLst/>
           <a:latin typeface="+mn-lt"/>
           <a:ea typeface="+mn-ea"/>
           <a:cs typeface="+mn-cs"/>
         </a:defRPr>
       </a:lvl8pPr>
-      <a:lvl9pPr marL="3886200" indent="-228600" algn="l" defTabSz="457200" rtl="0" eaLnBrk="1" latinLnBrk="0" hangingPunct="1">
+      <a:lvl9pPr marL="2468880" indent="-228600" algn="l" defTabSz="914400" rtl="0" eaLnBrk="1" latinLnBrk="0" hangingPunct="1">
         <a:spcBef>
           <a:spcPct val="20000"/>
         </a:spcBef>
-        <a:spcAft>
-          <a:spcPts val="600"/>
-        </a:spcAft>
         <a:buClr>
-          <a:schemeClr val="tx1"/>
+          <a:schemeClr val="accent1"/>
         </a:buClr>
-        <a:buSzPct val="80000"/>
-        <a:buFont typeface="Wingdings 3" panose="05040102010807070707" pitchFamily="18" charset="2"/>
-        <a:buChar char=""/>
-        <a:defRPr sz="1400" kern="1200" cap="none">
+        <a:buFont typeface="Arial" pitchFamily="34" charset="0"/>
+        <a:buChar char="•"/>
+        <a:defRPr sz="1600" kern="1200">
           <a:solidFill>
-            <a:schemeClr val="bg2">
-              <a:lumMod val="75000"/>
-            </a:schemeClr>
+            <a:schemeClr val="tx2"/>
           </a:solidFill>
-          <a:effectLst/>
           <a:latin typeface="+mn-lt"/>
           <a:ea typeface="+mn-ea"/>
           <a:cs typeface="+mn-cs"/>
@@ -5207,7 +3705,7 @@
       <a:defPPr>
         <a:defRPr lang="en-US"/>
       </a:defPPr>
-      <a:lvl1pPr marL="0" algn="l" defTabSz="457200" rtl="0" eaLnBrk="1" latinLnBrk="0" hangingPunct="1">
+      <a:lvl1pPr marL="0" algn="l" defTabSz="914400" rtl="0" eaLnBrk="1" latinLnBrk="0" hangingPunct="1">
         <a:defRPr sz="1800" kern="1200">
           <a:solidFill>
             <a:schemeClr val="tx1"/>
@@ -5217,7 +3715,7 @@
           <a:cs typeface="+mn-cs"/>
         </a:defRPr>
       </a:lvl1pPr>
-      <a:lvl2pPr marL="457200" algn="l" defTabSz="457200" rtl="0" eaLnBrk="1" latinLnBrk="0" hangingPunct="1">
+      <a:lvl2pPr marL="457200" algn="l" defTabSz="914400" rtl="0" eaLnBrk="1" latinLnBrk="0" hangingPunct="1">
         <a:defRPr sz="1800" kern="1200">
           <a:solidFill>
             <a:schemeClr val="tx1"/>
@@ -5227,7 +3725,7 @@
           <a:cs typeface="+mn-cs"/>
         </a:defRPr>
       </a:lvl2pPr>
-      <a:lvl3pPr marL="914400" algn="l" defTabSz="457200" rtl="0" eaLnBrk="1" latinLnBrk="0" hangingPunct="1">
+      <a:lvl3pPr marL="914400" algn="l" defTabSz="914400" rtl="0" eaLnBrk="1" latinLnBrk="0" hangingPunct="1">
         <a:defRPr sz="1800" kern="1200">
           <a:solidFill>
             <a:schemeClr val="tx1"/>
@@ -5237,7 +3735,7 @@
           <a:cs typeface="+mn-cs"/>
         </a:defRPr>
       </a:lvl3pPr>
-      <a:lvl4pPr marL="1371600" algn="l" defTabSz="457200" rtl="0" eaLnBrk="1" latinLnBrk="0" hangingPunct="1">
+      <a:lvl4pPr marL="1371600" algn="l" defTabSz="914400" rtl="0" eaLnBrk="1" latinLnBrk="0" hangingPunct="1">
         <a:defRPr sz="1800" kern="1200">
           <a:solidFill>
             <a:schemeClr val="tx1"/>
@@ -5247,7 +3745,7 @@
           <a:cs typeface="+mn-cs"/>
         </a:defRPr>
       </a:lvl4pPr>
-      <a:lvl5pPr marL="1828800" algn="l" defTabSz="457200" rtl="0" eaLnBrk="1" latinLnBrk="0" hangingPunct="1">
+      <a:lvl5pPr marL="1828800" algn="l" defTabSz="914400" rtl="0" eaLnBrk="1" latinLnBrk="0" hangingPunct="1">
         <a:defRPr sz="1800" kern="1200">
           <a:solidFill>
             <a:schemeClr val="tx1"/>
@@ -5257,7 +3755,7 @@
           <a:cs typeface="+mn-cs"/>
         </a:defRPr>
       </a:lvl5pPr>
-      <a:lvl6pPr marL="2286000" algn="l" defTabSz="457200" rtl="0" eaLnBrk="1" latinLnBrk="0" hangingPunct="1">
+      <a:lvl6pPr marL="2286000" algn="l" defTabSz="914400" rtl="0" eaLnBrk="1" latinLnBrk="0" hangingPunct="1">
         <a:defRPr sz="1800" kern="1200">
           <a:solidFill>
             <a:schemeClr val="tx1"/>
@@ -5267,7 +3765,7 @@
           <a:cs typeface="+mn-cs"/>
         </a:defRPr>
       </a:lvl6pPr>
-      <a:lvl7pPr marL="2743200" algn="l" defTabSz="457200" rtl="0" eaLnBrk="1" latinLnBrk="0" hangingPunct="1">
+      <a:lvl7pPr marL="2743200" algn="l" defTabSz="914400" rtl="0" eaLnBrk="1" latinLnBrk="0" hangingPunct="1">
         <a:defRPr sz="1800" kern="1200">
           <a:solidFill>
             <a:schemeClr val="tx1"/>
@@ -5277,7 +3775,7 @@
           <a:cs typeface="+mn-cs"/>
         </a:defRPr>
       </a:lvl7pPr>
-      <a:lvl8pPr marL="3200400" algn="l" defTabSz="457200" rtl="0" eaLnBrk="1" latinLnBrk="0" hangingPunct="1">
+      <a:lvl8pPr marL="3200400" algn="l" defTabSz="914400" rtl="0" eaLnBrk="1" latinLnBrk="0" hangingPunct="1">
         <a:defRPr sz="1800" kern="1200">
           <a:solidFill>
             <a:schemeClr val="tx1"/>
@@ -5287,7 +3785,7 @@
           <a:cs typeface="+mn-cs"/>
         </a:defRPr>
       </a:lvl8pPr>
-      <a:lvl9pPr marL="3657600" algn="l" defTabSz="457200" rtl="0" eaLnBrk="1" latinLnBrk="0" hangingPunct="1">
+      <a:lvl9pPr marL="3657600" algn="l" defTabSz="914400" rtl="0" eaLnBrk="1" latinLnBrk="0" hangingPunct="1">
         <a:defRPr sz="1800" kern="1200">
           <a:solidFill>
             <a:schemeClr val="tx1"/>
@@ -5321,6 +3819,834 @@
       </p:grpSpPr>
       <p:sp>
         <p:nvSpPr>
+          <p:cNvPr id="5" name="4 Título"/>
+          <p:cNvSpPr>
+            <a:spLocks noGrp="1"/>
+          </p:cNvSpPr>
+          <p:nvPr>
+            <p:ph type="title"/>
+          </p:nvPr>
+        </p:nvSpPr>
+        <p:spPr>
+          <a:xfrm>
+            <a:off x="568303" y="1368380"/>
+            <a:ext cx="10058400" cy="2743200"/>
+          </a:xfrm>
+        </p:spPr>
+        <p:txBody>
+          <a:bodyPr/>
+          <a:lstStyle/>
+          <a:p>
+            <a:r>
+              <a:rPr lang="es-MX" dirty="0" smtClean="0"/>
+              <a:t>Capacitación de procesos SOS Software</a:t>
+            </a:r>
+            <a:endParaRPr lang="es-MX" dirty="0"/>
+          </a:p>
+        </p:txBody>
+      </p:sp>
+      <p:pic>
+        <p:nvPicPr>
+          <p:cNvPr id="1026" name="Picture 2" descr="C:\Users\Zepeda\Downloads\SOS Software Logotipo.png"/>
+          <p:cNvPicPr>
+            <a:picLocks noChangeAspect="1" noChangeArrowheads="1"/>
+          </p:cNvPicPr>
+          <p:nvPr/>
+        </p:nvPicPr>
+        <p:blipFill>
+          <a:blip r:embed="rId2">
+            <a:extLst>
+              <a:ext uri="{28A0092B-C50C-407E-A947-70E740481C1C}">
+                <a14:useLocalDpi xmlns:a14="http://schemas.microsoft.com/office/drawing/2010/main" val="0"/>
+              </a:ext>
+            </a:extLst>
+          </a:blip>
+          <a:srcRect/>
+          <a:stretch>
+            <a:fillRect/>
+          </a:stretch>
+        </p:blipFill>
+        <p:spPr bwMode="auto">
+          <a:xfrm>
+            <a:off x="8554523" y="3247175"/>
+            <a:ext cx="2552700" cy="2527300"/>
+          </a:xfrm>
+          <a:prstGeom prst="rect">
+            <a:avLst/>
+          </a:prstGeom>
+          <a:noFill/>
+          <a:extLst>
+            <a:ext uri="{909E8E84-426E-40DD-AFC4-6F175D3DCCD1}">
+              <a14:hiddenFill xmlns:a14="http://schemas.microsoft.com/office/drawing/2010/main">
+                <a:solidFill>
+                  <a:srgbClr val="FFFFFF"/>
+                </a:solidFill>
+              </a14:hiddenFill>
+            </a:ext>
+          </a:extLst>
+        </p:spPr>
+      </p:pic>
+    </p:spTree>
+    <p:extLst>
+      <p:ext uri="{BB962C8B-B14F-4D97-AF65-F5344CB8AC3E}">
+        <p14:creationId xmlns:p14="http://schemas.microsoft.com/office/powerpoint/2010/main" val="2479436577"/>
+      </p:ext>
+    </p:extLst>
+  </p:cSld>
+  <p:clrMapOvr>
+    <a:masterClrMapping/>
+  </p:clrMapOvr>
+  <p:timing>
+    <p:tnLst>
+      <p:par>
+        <p:cTn id="1" dur="indefinite" restart="never" nodeType="tmRoot"/>
+      </p:par>
+    </p:tnLst>
+  </p:timing>
+</p:sld>
+</file>
+
+<file path=ppt/slides/slide10.xml><?xml version="1.0" encoding="utf-8"?>
+<p:sld xmlns:a="http://schemas.openxmlformats.org/drawingml/2006/main" xmlns:r="http://schemas.openxmlformats.org/officeDocument/2006/relationships" xmlns:p="http://schemas.openxmlformats.org/presentationml/2006/main">
+  <p:cSld>
+    <p:spTree>
+      <p:nvGrpSpPr>
+        <p:cNvPr id="1" name=""/>
+        <p:cNvGrpSpPr/>
+        <p:nvPr/>
+      </p:nvGrpSpPr>
+      <p:grpSpPr>
+        <a:xfrm>
+          <a:off x="0" y="0"/>
+          <a:ext cx="0" cy="0"/>
+          <a:chOff x="0" y="0"/>
+          <a:chExt cx="0" cy="0"/>
+        </a:xfrm>
+      </p:grpSpPr>
+      <p:pic>
+        <p:nvPicPr>
+          <p:cNvPr id="3" name="2 Marcador de contenido"/>
+          <p:cNvPicPr>
+            <a:picLocks noGrp="1" noChangeAspect="1"/>
+          </p:cNvPicPr>
+          <p:nvPr>
+            <p:ph idx="1"/>
+          </p:nvPr>
+        </p:nvPicPr>
+        <p:blipFill rotWithShape="1">
+          <a:blip r:embed="rId2">
+            <a:extLst>
+              <a:ext uri="{28A0092B-C50C-407E-A947-70E740481C1C}">
+                <a14:useLocalDpi xmlns:a14="http://schemas.microsoft.com/office/drawing/2010/main" val="0"/>
+              </a:ext>
+            </a:extLst>
+          </a:blip>
+          <a:srcRect l="1342" t="2237" r="1159" b="10604"/>
+          <a:stretch/>
+        </p:blipFill>
+        <p:spPr>
+          <a:xfrm>
+            <a:off x="-23607" y="772731"/>
+            <a:ext cx="12185082" cy="4945489"/>
+          </a:xfrm>
+        </p:spPr>
+      </p:pic>
+    </p:spTree>
+    <p:extLst>
+      <p:ext uri="{BB962C8B-B14F-4D97-AF65-F5344CB8AC3E}">
+        <p14:creationId xmlns:p14="http://schemas.microsoft.com/office/powerpoint/2010/main" val="3762010254"/>
+      </p:ext>
+    </p:extLst>
+  </p:cSld>
+  <p:clrMapOvr>
+    <a:masterClrMapping/>
+  </p:clrMapOvr>
+  <p:timing>
+    <p:tnLst>
+      <p:par>
+        <p:cTn id="1" dur="indefinite" restart="never" nodeType="tmRoot"/>
+      </p:par>
+    </p:tnLst>
+  </p:timing>
+</p:sld>
+</file>
+
+<file path=ppt/slides/slide11.xml><?xml version="1.0" encoding="utf-8"?>
+<p:sld xmlns:a="http://schemas.openxmlformats.org/drawingml/2006/main" xmlns:r="http://schemas.openxmlformats.org/officeDocument/2006/relationships" xmlns:p="http://schemas.openxmlformats.org/presentationml/2006/main">
+  <p:cSld>
+    <p:spTree>
+      <p:nvGrpSpPr>
+        <p:cNvPr id="1" name=""/>
+        <p:cNvGrpSpPr/>
+        <p:nvPr/>
+      </p:nvGrpSpPr>
+      <p:grpSpPr>
+        <a:xfrm>
+          <a:off x="0" y="0"/>
+          <a:ext cx="0" cy="0"/>
+          <a:chOff x="0" y="0"/>
+          <a:chExt cx="0" cy="0"/>
+        </a:xfrm>
+      </p:grpSpPr>
+      <p:sp>
+        <p:nvSpPr>
+          <p:cNvPr id="6" name="5 Título"/>
+          <p:cNvSpPr>
+            <a:spLocks noGrp="1"/>
+          </p:cNvSpPr>
+          <p:nvPr>
+            <p:ph type="title"/>
+          </p:nvPr>
+        </p:nvSpPr>
+        <p:spPr>
+          <a:xfrm>
+            <a:off x="684213" y="685800"/>
+            <a:ext cx="10058400" cy="1786944"/>
+          </a:xfrm>
+        </p:spPr>
+        <p:txBody>
+          <a:bodyPr/>
+          <a:lstStyle/>
+          <a:p>
+            <a:pPr algn="ctr"/>
+            <a:r>
+              <a:rPr lang="es-MX" dirty="0" smtClean="0"/>
+              <a:t>Planeación</a:t>
+            </a:r>
+            <a:endParaRPr lang="es-MX" dirty="0"/>
+          </a:p>
+        </p:txBody>
+      </p:sp>
+      <p:sp>
+        <p:nvSpPr>
+          <p:cNvPr id="7" name="6 Marcador de texto"/>
+          <p:cNvSpPr>
+            <a:spLocks noGrp="1"/>
+          </p:cNvSpPr>
+          <p:nvPr>
+            <p:ph type="body" idx="1"/>
+          </p:nvPr>
+        </p:nvSpPr>
+        <p:spPr/>
+        <p:txBody>
+          <a:bodyPr>
+            <a:normAutofit/>
+          </a:bodyPr>
+          <a:lstStyle/>
+          <a:p>
+            <a:r>
+              <a:rPr lang="es-MX" dirty="0" smtClean="0">
+                <a:solidFill>
+                  <a:schemeClr val="tx1"/>
+                </a:solidFill>
+              </a:rPr>
+              <a:t>Antes de implementar el proyecto se ejecuta este proceso en el cual ventas determina los recursos necesarios para la correcta realización y a su vez se obtiene el compromiso de dichos elementos en la participación del proyecto.</a:t>
+            </a:r>
+          </a:p>
+          <a:p>
+            <a:endParaRPr lang="es-MX" dirty="0" smtClean="0">
+              <a:solidFill>
+                <a:schemeClr val="tx1"/>
+              </a:solidFill>
+            </a:endParaRPr>
+          </a:p>
+        </p:txBody>
+      </p:sp>
+    </p:spTree>
+    <p:extLst>
+      <p:ext uri="{BB962C8B-B14F-4D97-AF65-F5344CB8AC3E}">
+        <p14:creationId xmlns:p14="http://schemas.microsoft.com/office/powerpoint/2010/main" val="3854889416"/>
+      </p:ext>
+    </p:extLst>
+  </p:cSld>
+  <p:clrMapOvr>
+    <a:masterClrMapping/>
+  </p:clrMapOvr>
+  <p:timing>
+    <p:tnLst>
+      <p:par>
+        <p:cTn id="1" dur="indefinite" restart="never" nodeType="tmRoot"/>
+      </p:par>
+    </p:tnLst>
+  </p:timing>
+</p:sld>
+</file>
+
+<file path=ppt/slides/slide12.xml><?xml version="1.0" encoding="utf-8"?>
+<p:sld xmlns:a="http://schemas.openxmlformats.org/drawingml/2006/main" xmlns:r="http://schemas.openxmlformats.org/officeDocument/2006/relationships" xmlns:p="http://schemas.openxmlformats.org/presentationml/2006/main">
+  <p:cSld>
+    <p:spTree>
+      <p:nvGrpSpPr>
+        <p:cNvPr id="1" name=""/>
+        <p:cNvGrpSpPr/>
+        <p:nvPr/>
+      </p:nvGrpSpPr>
+      <p:grpSpPr>
+        <a:xfrm>
+          <a:off x="0" y="0"/>
+          <a:ext cx="0" cy="0"/>
+          <a:chOff x="0" y="0"/>
+          <a:chExt cx="0" cy="0"/>
+        </a:xfrm>
+      </p:grpSpPr>
+      <p:sp>
+        <p:nvSpPr>
+          <p:cNvPr id="2" name="1 Título"/>
+          <p:cNvSpPr>
+            <a:spLocks noGrp="1"/>
+          </p:cNvSpPr>
+          <p:nvPr>
+            <p:ph type="title"/>
+          </p:nvPr>
+        </p:nvSpPr>
+        <p:spPr>
+          <a:xfrm>
+            <a:off x="684213" y="685800"/>
+            <a:ext cx="10058400" cy="782392"/>
+          </a:xfrm>
+        </p:spPr>
+        <p:txBody>
+          <a:bodyPr/>
+          <a:lstStyle/>
+          <a:p>
+            <a:pPr algn="ctr"/>
+            <a:r>
+              <a:rPr lang="es-MX" dirty="0" smtClean="0"/>
+              <a:t>Actividades a Realizar</a:t>
+            </a:r>
+            <a:endParaRPr lang="es-MX" dirty="0"/>
+          </a:p>
+        </p:txBody>
+      </p:sp>
+      <p:graphicFrame>
+        <p:nvGraphicFramePr>
+          <p:cNvPr id="4" name="3 Tabla"/>
+          <p:cNvGraphicFramePr>
+            <a:graphicFrameLocks noGrp="1"/>
+          </p:cNvGraphicFramePr>
+          <p:nvPr>
+            <p:extLst>
+              <p:ext uri="{D42A27DB-BD31-4B8C-83A1-F6EECF244321}">
+                <p14:modId xmlns:p14="http://schemas.microsoft.com/office/powerpoint/2010/main" val="680596415"/>
+              </p:ext>
+            </p:extLst>
+          </p:nvPr>
+        </p:nvGraphicFramePr>
+        <p:xfrm>
+          <a:off x="0" y="1531035"/>
+          <a:ext cx="12192001" cy="3571240"/>
+        </p:xfrm>
+        <a:graphic>
+          <a:graphicData uri="http://schemas.openxmlformats.org/drawingml/2006/table">
+            <a:tbl>
+              <a:tblPr firstRow="1" bandRow="1">
+                <a:tableStyleId>{5C22544A-7EE6-4342-B048-85BDC9FD1C3A}</a:tableStyleId>
+              </a:tblPr>
+              <a:tblGrid>
+                <a:gridCol w="2305318"/>
+                <a:gridCol w="1803043"/>
+                <a:gridCol w="2086377"/>
+                <a:gridCol w="5997263"/>
+              </a:tblGrid>
+              <a:tr h="370840">
+                <a:tc>
+                  <a:txBody>
+                    <a:bodyPr/>
+                    <a:lstStyle/>
+                    <a:p>
+                      <a:r>
+                        <a:rPr lang="es-MX" dirty="0" smtClean="0"/>
+                        <a:t>Actividad</a:t>
+                      </a:r>
+                      <a:endParaRPr lang="es-MX" dirty="0"/>
+                    </a:p>
+                  </a:txBody>
+                  <a:tcPr/>
+                </a:tc>
+                <a:tc>
+                  <a:txBody>
+                    <a:bodyPr/>
+                    <a:lstStyle/>
+                    <a:p>
+                      <a:r>
+                        <a:rPr lang="es-MX" dirty="0" smtClean="0"/>
+                        <a:t>Responsable</a:t>
+                      </a:r>
+                      <a:endParaRPr lang="es-MX" dirty="0"/>
+                    </a:p>
+                  </a:txBody>
+                  <a:tcPr/>
+                </a:tc>
+                <a:tc>
+                  <a:txBody>
+                    <a:bodyPr/>
+                    <a:lstStyle/>
+                    <a:p>
+                      <a:r>
+                        <a:rPr lang="es-MX" dirty="0" smtClean="0"/>
+                        <a:t>Producto</a:t>
+                      </a:r>
+                      <a:r>
+                        <a:rPr lang="es-MX" baseline="0" dirty="0" smtClean="0"/>
+                        <a:t> </a:t>
+                      </a:r>
+                      <a:r>
+                        <a:rPr lang="es-MX" dirty="0" smtClean="0"/>
+                        <a:t>Salida</a:t>
+                      </a:r>
+                      <a:endParaRPr lang="es-MX" dirty="0"/>
+                    </a:p>
+                  </a:txBody>
+                  <a:tcPr/>
+                </a:tc>
+                <a:tc>
+                  <a:txBody>
+                    <a:bodyPr/>
+                    <a:lstStyle/>
+                    <a:p>
+                      <a:r>
+                        <a:rPr lang="es-MX" dirty="0" smtClean="0"/>
+                        <a:t>Descripción</a:t>
+                      </a:r>
+                      <a:endParaRPr lang="es-MX" dirty="0"/>
+                    </a:p>
+                  </a:txBody>
+                  <a:tcPr/>
+                </a:tc>
+              </a:tr>
+              <a:tr h="370840">
+                <a:tc>
+                  <a:txBody>
+                    <a:bodyPr/>
+                    <a:lstStyle/>
+                    <a:p>
+                      <a:r>
+                        <a:rPr lang="es-MX" dirty="0" smtClean="0"/>
+                        <a:t>Identificar</a:t>
+                      </a:r>
+                      <a:r>
+                        <a:rPr lang="es-MX" baseline="0" dirty="0" smtClean="0"/>
+                        <a:t> Recursos</a:t>
+                      </a:r>
+                      <a:endParaRPr lang="es-MX" dirty="0"/>
+                    </a:p>
+                  </a:txBody>
+                  <a:tcPr/>
+                </a:tc>
+                <a:tc>
+                  <a:txBody>
+                    <a:bodyPr/>
+                    <a:lstStyle/>
+                    <a:p>
+                      <a:r>
+                        <a:rPr lang="es-MX" dirty="0" smtClean="0"/>
+                        <a:t>Vendedor</a:t>
+                      </a:r>
+                      <a:endParaRPr lang="es-MX" dirty="0"/>
+                    </a:p>
+                  </a:txBody>
+                  <a:tcPr/>
+                </a:tc>
+                <a:tc>
+                  <a:txBody>
+                    <a:bodyPr/>
+                    <a:lstStyle/>
+                    <a:p>
+                      <a:endParaRPr lang="es-MX" dirty="0"/>
+                    </a:p>
+                  </a:txBody>
+                  <a:tcPr/>
+                </a:tc>
+                <a:tc>
+                  <a:txBody>
+                    <a:bodyPr/>
+                    <a:lstStyle/>
+                    <a:p>
+                      <a:r>
+                        <a:rPr lang="es-MX" dirty="0" smtClean="0"/>
+                        <a:t>Identificar</a:t>
+                      </a:r>
+                      <a:r>
+                        <a:rPr lang="es-MX" baseline="0" dirty="0" smtClean="0"/>
+                        <a:t> recursos materiales/humanos para realizar el proyecto.</a:t>
+                      </a:r>
+                      <a:endParaRPr lang="es-MX" dirty="0"/>
+                    </a:p>
+                  </a:txBody>
+                  <a:tcPr/>
+                </a:tc>
+              </a:tr>
+              <a:tr h="370840">
+                <a:tc>
+                  <a:txBody>
+                    <a:bodyPr/>
+                    <a:lstStyle/>
+                    <a:p>
+                      <a:r>
+                        <a:rPr lang="es-MX" dirty="0" smtClean="0"/>
+                        <a:t>Identificar</a:t>
+                      </a:r>
+                      <a:r>
+                        <a:rPr lang="es-MX" baseline="0" dirty="0" smtClean="0"/>
+                        <a:t> Capacitaciones</a:t>
+                      </a:r>
+                      <a:endParaRPr lang="es-MX" dirty="0"/>
+                    </a:p>
+                  </a:txBody>
+                  <a:tcPr/>
+                </a:tc>
+                <a:tc>
+                  <a:txBody>
+                    <a:bodyPr/>
+                    <a:lstStyle/>
+                    <a:p>
+                      <a:r>
+                        <a:rPr lang="es-MX" dirty="0" smtClean="0"/>
+                        <a:t>Vendedor</a:t>
+                      </a:r>
+                      <a:endParaRPr lang="es-MX" dirty="0"/>
+                    </a:p>
+                  </a:txBody>
+                  <a:tcPr/>
+                </a:tc>
+                <a:tc>
+                  <a:txBody>
+                    <a:bodyPr/>
+                    <a:lstStyle/>
+                    <a:p>
+                      <a:r>
+                        <a:rPr lang="es-MX" dirty="0" smtClean="0"/>
+                        <a:t>Plan</a:t>
+                      </a:r>
+                      <a:r>
+                        <a:rPr lang="es-MX" baseline="0" dirty="0" smtClean="0"/>
+                        <a:t> de proyecto</a:t>
+                      </a:r>
+                    </a:p>
+                  </a:txBody>
+                  <a:tcPr/>
+                </a:tc>
+                <a:tc>
+                  <a:txBody>
+                    <a:bodyPr/>
+                    <a:lstStyle/>
+                    <a:p>
+                      <a:r>
+                        <a:rPr lang="es-MX" dirty="0" smtClean="0"/>
+                        <a:t>Identificar</a:t>
+                      </a:r>
+                      <a:r>
+                        <a:rPr lang="es-MX" baseline="0" dirty="0" smtClean="0"/>
+                        <a:t> si es necesario realizar capacitaciones para la implementación.</a:t>
+                      </a:r>
+                      <a:endParaRPr lang="es-MX" dirty="0"/>
+                    </a:p>
+                  </a:txBody>
+                  <a:tcPr/>
+                </a:tc>
+              </a:tr>
+              <a:tr h="370840">
+                <a:tc>
+                  <a:txBody>
+                    <a:bodyPr/>
+                    <a:lstStyle/>
+                    <a:p>
+                      <a:r>
+                        <a:rPr lang="es-MX" dirty="0" smtClean="0"/>
+                        <a:t>Identificar</a:t>
+                      </a:r>
+                      <a:r>
+                        <a:rPr lang="es-MX" baseline="0" dirty="0" smtClean="0"/>
+                        <a:t> Riesgos</a:t>
+                      </a:r>
+                      <a:endParaRPr lang="es-MX" dirty="0"/>
+                    </a:p>
+                  </a:txBody>
+                  <a:tcPr/>
+                </a:tc>
+                <a:tc>
+                  <a:txBody>
+                    <a:bodyPr/>
+                    <a:lstStyle/>
+                    <a:p>
+                      <a:r>
+                        <a:rPr lang="es-MX" dirty="0" smtClean="0"/>
+                        <a:t>Vendedor</a:t>
+                      </a:r>
+                      <a:endParaRPr lang="es-MX" dirty="0"/>
+                    </a:p>
+                  </a:txBody>
+                  <a:tcPr/>
+                </a:tc>
+                <a:tc>
+                  <a:txBody>
+                    <a:bodyPr/>
+                    <a:lstStyle/>
+                    <a:p>
+                      <a:endParaRPr lang="es-MX" dirty="0"/>
+                    </a:p>
+                  </a:txBody>
+                  <a:tcPr/>
+                </a:tc>
+                <a:tc>
+                  <a:txBody>
+                    <a:bodyPr/>
+                    <a:lstStyle/>
+                    <a:p>
+                      <a:r>
+                        <a:rPr lang="es-MX" dirty="0" smtClean="0"/>
+                        <a:t>Identificar</a:t>
+                      </a:r>
+                      <a:r>
+                        <a:rPr lang="es-MX" baseline="0" dirty="0" smtClean="0"/>
+                        <a:t> que variables podrían afectar los resultados del proyecto.</a:t>
+                      </a:r>
+                      <a:endParaRPr lang="es-MX" dirty="0"/>
+                    </a:p>
+                  </a:txBody>
+                  <a:tcPr/>
+                </a:tc>
+              </a:tr>
+              <a:tr h="370840">
+                <a:tc>
+                  <a:txBody>
+                    <a:bodyPr/>
+                    <a:lstStyle/>
+                    <a:p>
+                      <a:r>
+                        <a:rPr lang="es-MX" dirty="0" smtClean="0"/>
+                        <a:t>Generar</a:t>
+                      </a:r>
+                      <a:r>
+                        <a:rPr lang="es-MX" baseline="0" dirty="0" smtClean="0"/>
+                        <a:t> Calendario</a:t>
+                      </a:r>
+                      <a:endParaRPr lang="es-MX" dirty="0"/>
+                    </a:p>
+                  </a:txBody>
+                  <a:tcPr/>
+                </a:tc>
+                <a:tc>
+                  <a:txBody>
+                    <a:bodyPr/>
+                    <a:lstStyle/>
+                    <a:p>
+                      <a:r>
+                        <a:rPr lang="es-MX" dirty="0" smtClean="0"/>
+                        <a:t>Vendedor</a:t>
+                      </a:r>
+                      <a:endParaRPr lang="es-MX" dirty="0"/>
+                    </a:p>
+                  </a:txBody>
+                  <a:tcPr/>
+                </a:tc>
+                <a:tc>
+                  <a:txBody>
+                    <a:bodyPr/>
+                    <a:lstStyle/>
+                    <a:p>
+                      <a:r>
+                        <a:rPr lang="es-MX" dirty="0" smtClean="0"/>
+                        <a:t>Gantt</a:t>
+                      </a:r>
+                      <a:endParaRPr lang="es-MX" dirty="0"/>
+                    </a:p>
+                  </a:txBody>
+                  <a:tcPr/>
+                </a:tc>
+                <a:tc>
+                  <a:txBody>
+                    <a:bodyPr/>
+                    <a:lstStyle/>
+                    <a:p>
+                      <a:r>
+                        <a:rPr lang="es-MX" dirty="0" smtClean="0"/>
+                        <a:t>Generar</a:t>
+                      </a:r>
+                      <a:r>
+                        <a:rPr lang="es-MX" baseline="0" dirty="0" smtClean="0"/>
+                        <a:t> un calendario en el cual se plasman las actividades a realizar por parte de los involucrados.</a:t>
+                      </a:r>
+                      <a:endParaRPr lang="es-MX" dirty="0"/>
+                    </a:p>
+                  </a:txBody>
+                  <a:tcPr/>
+                </a:tc>
+              </a:tr>
+              <a:tr h="370840">
+                <a:tc>
+                  <a:txBody>
+                    <a:bodyPr/>
+                    <a:lstStyle/>
+                    <a:p>
+                      <a:r>
+                        <a:rPr lang="es-MX" dirty="0" smtClean="0"/>
+                        <a:t>Obtener</a:t>
+                      </a:r>
+                      <a:r>
+                        <a:rPr lang="es-MX" baseline="0" dirty="0" smtClean="0"/>
+                        <a:t> compromiso</a:t>
+                      </a:r>
+                      <a:endParaRPr lang="es-MX" dirty="0"/>
+                    </a:p>
+                  </a:txBody>
+                  <a:tcPr/>
+                </a:tc>
+                <a:tc>
+                  <a:txBody>
+                    <a:bodyPr/>
+                    <a:lstStyle/>
+                    <a:p>
+                      <a:r>
+                        <a:rPr lang="es-MX" dirty="0" smtClean="0"/>
+                        <a:t>Vendedor</a:t>
+                      </a:r>
+                      <a:endParaRPr lang="es-MX" dirty="0"/>
+                    </a:p>
+                  </a:txBody>
+                  <a:tcPr/>
+                </a:tc>
+                <a:tc>
+                  <a:txBody>
+                    <a:bodyPr/>
+                    <a:lstStyle/>
+                    <a:p>
+                      <a:r>
+                        <a:rPr lang="es-MX" dirty="0" smtClean="0"/>
+                        <a:t>Minuta</a:t>
+                      </a:r>
+                      <a:endParaRPr lang="es-MX" dirty="0"/>
+                    </a:p>
+                  </a:txBody>
+                  <a:tcPr/>
+                </a:tc>
+                <a:tc>
+                  <a:txBody>
+                    <a:bodyPr/>
+                    <a:lstStyle/>
+                    <a:p>
+                      <a:r>
+                        <a:rPr lang="es-MX" dirty="0" smtClean="0"/>
+                        <a:t>Reunión</a:t>
+                      </a:r>
+                      <a:r>
+                        <a:rPr lang="es-MX" baseline="0" dirty="0" smtClean="0"/>
+                        <a:t> en la cual los involucrados se comprometen con la partición dentro del proyecto.</a:t>
+                      </a:r>
+                      <a:endParaRPr lang="es-MX" dirty="0"/>
+                    </a:p>
+                  </a:txBody>
+                  <a:tcPr/>
+                </a:tc>
+              </a:tr>
+            </a:tbl>
+          </a:graphicData>
+        </a:graphic>
+      </p:graphicFrame>
+    </p:spTree>
+    <p:extLst>
+      <p:ext uri="{BB962C8B-B14F-4D97-AF65-F5344CB8AC3E}">
+        <p14:creationId xmlns:p14="http://schemas.microsoft.com/office/powerpoint/2010/main" val="806652525"/>
+      </p:ext>
+    </p:extLst>
+  </p:cSld>
+  <p:clrMapOvr>
+    <a:masterClrMapping/>
+  </p:clrMapOvr>
+  <p:timing>
+    <p:tnLst>
+      <p:par>
+        <p:cTn id="1" dur="indefinite" restart="never" nodeType="tmRoot"/>
+      </p:par>
+    </p:tnLst>
+  </p:timing>
+</p:sld>
+</file>
+
+<file path=ppt/slides/slide13.xml><?xml version="1.0" encoding="utf-8"?>
+<p:sld xmlns:a="http://schemas.openxmlformats.org/drawingml/2006/main" xmlns:r="http://schemas.openxmlformats.org/officeDocument/2006/relationships" xmlns:p="http://schemas.openxmlformats.org/presentationml/2006/main">
+  <p:cSld>
+    <p:spTree>
+      <p:nvGrpSpPr>
+        <p:cNvPr id="1" name=""/>
+        <p:cNvGrpSpPr/>
+        <p:nvPr/>
+      </p:nvGrpSpPr>
+      <p:grpSpPr>
+        <a:xfrm>
+          <a:off x="0" y="0"/>
+          <a:ext cx="0" cy="0"/>
+          <a:chOff x="0" y="0"/>
+          <a:chExt cx="0" cy="0"/>
+        </a:xfrm>
+      </p:grpSpPr>
+      <p:pic>
+        <p:nvPicPr>
+          <p:cNvPr id="4" name="3 Marcador de contenido"/>
+          <p:cNvPicPr>
+            <a:picLocks noGrp="1" noChangeAspect="1"/>
+          </p:cNvPicPr>
+          <p:nvPr>
+            <p:ph idx="1"/>
+          </p:nvPr>
+        </p:nvPicPr>
+        <p:blipFill rotWithShape="1">
+          <a:blip r:embed="rId2">
+            <a:extLst>
+              <a:ext uri="{28A0092B-C50C-407E-A947-70E740481C1C}">
+                <a14:useLocalDpi xmlns:a14="http://schemas.microsoft.com/office/drawing/2010/main" val="0"/>
+              </a:ext>
+            </a:extLst>
+          </a:blip>
+          <a:srcRect l="1622" t="30737" r="1740" b="38774"/>
+          <a:stretch/>
+        </p:blipFill>
+        <p:spPr>
+          <a:xfrm>
+            <a:off x="108626" y="1880314"/>
+            <a:ext cx="11953003" cy="1712892"/>
+          </a:xfrm>
+        </p:spPr>
+      </p:pic>
+    </p:spTree>
+    <p:extLst>
+      <p:ext uri="{BB962C8B-B14F-4D97-AF65-F5344CB8AC3E}">
+        <p14:creationId xmlns:p14="http://schemas.microsoft.com/office/powerpoint/2010/main" val="1639675540"/>
+      </p:ext>
+    </p:extLst>
+  </p:cSld>
+  <p:clrMapOvr>
+    <a:masterClrMapping/>
+  </p:clrMapOvr>
+  <p:timing>
+    <p:tnLst>
+      <p:par>
+        <p:cTn id="1" dur="indefinite" restart="never" nodeType="tmRoot"/>
+      </p:par>
+    </p:tnLst>
+  </p:timing>
+</p:sld>
+</file>
+
+<file path=ppt/slides/slide14.xml><?xml version="1.0" encoding="utf-8"?>
+<p:sld xmlns:a="http://schemas.openxmlformats.org/drawingml/2006/main" xmlns:r="http://schemas.openxmlformats.org/officeDocument/2006/relationships" xmlns:p="http://schemas.openxmlformats.org/presentationml/2006/main">
+  <p:cSld>
+    <p:spTree>
+      <p:nvGrpSpPr>
+        <p:cNvPr id="1" name=""/>
+        <p:cNvGrpSpPr/>
+        <p:nvPr/>
+      </p:nvGrpSpPr>
+      <p:grpSpPr>
+        <a:xfrm>
+          <a:off x="0" y="0"/>
+          <a:ext cx="0" cy="0"/>
+          <a:chOff x="0" y="0"/>
+          <a:chExt cx="0" cy="0"/>
+        </a:xfrm>
+      </p:grpSpPr>
+      <p:sp>
+        <p:nvSpPr>
           <p:cNvPr id="4" name="Título 3"/>
           <p:cNvSpPr>
             <a:spLocks noGrp="1"/>
@@ -5385,8 +4711,8 @@
         </p:blipFill>
         <p:spPr>
           <a:xfrm>
-            <a:off x="1001713" y="685800"/>
-            <a:ext cx="5308600" cy="5308600"/>
+            <a:off x="660702" y="676141"/>
+            <a:ext cx="4114800" cy="4114800"/>
           </a:xfrm>
         </p:spPr>
       </p:pic>
@@ -5400,10 +4726,17 @@
   <p:clrMapOvr>
     <a:masterClrMapping/>
   </p:clrMapOvr>
+  <p:timing>
+    <p:tnLst>
+      <p:par>
+        <p:cTn id="1" dur="indefinite" restart="never" nodeType="tmRoot"/>
+      </p:par>
+    </p:tnLst>
+  </p:timing>
 </p:sld>
 </file>
 
-<file path=ppt/slides/slide2.xml><?xml version="1.0" encoding="utf-8"?>
+<file path=ppt/slides/slide15.xml><?xml version="1.0" encoding="utf-8"?>
 <p:sld xmlns:a="http://schemas.openxmlformats.org/drawingml/2006/main" xmlns:r="http://schemas.openxmlformats.org/officeDocument/2006/relationships" xmlns:p="http://schemas.openxmlformats.org/presentationml/2006/main">
   <p:cSld>
     <p:spTree>
@@ -5484,10 +4817,17 @@
   <p:clrMapOvr>
     <a:masterClrMapping/>
   </p:clrMapOvr>
+  <p:timing>
+    <p:tnLst>
+      <p:par>
+        <p:cTn id="1" dur="indefinite" restart="never" nodeType="tmRoot"/>
+      </p:par>
+    </p:tnLst>
+  </p:timing>
 </p:sld>
 </file>
 
-<file path=ppt/slides/slide3.xml><?xml version="1.0" encoding="utf-8"?>
+<file path=ppt/slides/slide16.xml><?xml version="1.0" encoding="utf-8"?>
 <p:sld xmlns:a="http://schemas.openxmlformats.org/drawingml/2006/main" xmlns:r="http://schemas.openxmlformats.org/officeDocument/2006/relationships" xmlns:p="http://schemas.openxmlformats.org/presentationml/2006/main">
   <p:cSld>
     <p:spTree>
@@ -5618,10 +4958,17 @@
   <p:clrMapOvr>
     <a:masterClrMapping/>
   </p:clrMapOvr>
+  <p:timing>
+    <p:tnLst>
+      <p:par>
+        <p:cTn id="1" dur="indefinite" restart="never" nodeType="tmRoot"/>
+      </p:par>
+    </p:tnLst>
+  </p:timing>
 </p:sld>
 </file>
 
-<file path=ppt/slides/slide4.xml><?xml version="1.0" encoding="utf-8"?>
+<file path=ppt/slides/slide17.xml><?xml version="1.0" encoding="utf-8"?>
 <p:sld xmlns:a="http://schemas.openxmlformats.org/drawingml/2006/main" xmlns:r="http://schemas.openxmlformats.org/officeDocument/2006/relationships" xmlns:p="http://schemas.openxmlformats.org/presentationml/2006/main">
   <p:cSld>
     <p:spTree>
@@ -5768,10 +5115,17 @@
   <p:clrMapOvr>
     <a:masterClrMapping/>
   </p:clrMapOvr>
+  <p:timing>
+    <p:tnLst>
+      <p:par>
+        <p:cTn id="1" dur="indefinite" restart="never" nodeType="tmRoot"/>
+      </p:par>
+    </p:tnLst>
+  </p:timing>
 </p:sld>
 </file>
 
-<file path=ppt/slides/slide5.xml><?xml version="1.0" encoding="utf-8"?>
+<file path=ppt/slides/slide18.xml><?xml version="1.0" encoding="utf-8"?>
 <p:sld xmlns:a="http://schemas.openxmlformats.org/drawingml/2006/main" xmlns:r="http://schemas.openxmlformats.org/officeDocument/2006/relationships" xmlns:p="http://schemas.openxmlformats.org/presentationml/2006/main">
   <p:cSld>
     <p:spTree>
@@ -5975,6 +5329,1156 @@
   <p:clrMapOvr>
     <a:masterClrMapping/>
   </p:clrMapOvr>
+  <p:timing>
+    <p:tnLst>
+      <p:par>
+        <p:cTn id="1" dur="indefinite" restart="never" nodeType="tmRoot"/>
+      </p:par>
+    </p:tnLst>
+  </p:timing>
+</p:sld>
+</file>
+
+<file path=ppt/slides/slide19.xml><?xml version="1.0" encoding="utf-8"?>
+<p:sld xmlns:a="http://schemas.openxmlformats.org/drawingml/2006/main" xmlns:r="http://schemas.openxmlformats.org/officeDocument/2006/relationships" xmlns:p="http://schemas.openxmlformats.org/presentationml/2006/main">
+  <p:cSld>
+    <p:spTree>
+      <p:nvGrpSpPr>
+        <p:cNvPr id="1" name=""/>
+        <p:cNvGrpSpPr/>
+        <p:nvPr/>
+      </p:nvGrpSpPr>
+      <p:grpSpPr>
+        <a:xfrm>
+          <a:off x="0" y="0"/>
+          <a:ext cx="0" cy="0"/>
+          <a:chOff x="0" y="0"/>
+          <a:chExt cx="0" cy="0"/>
+        </a:xfrm>
+      </p:grpSpPr>
+      <p:sp>
+        <p:nvSpPr>
+          <p:cNvPr id="2" name="1 Título"/>
+          <p:cNvSpPr>
+            <a:spLocks noGrp="1"/>
+          </p:cNvSpPr>
+          <p:nvPr>
+            <p:ph type="title"/>
+          </p:nvPr>
+        </p:nvSpPr>
+        <p:spPr/>
+        <p:txBody>
+          <a:bodyPr/>
+          <a:lstStyle/>
+          <a:p>
+            <a:r>
+              <a:rPr lang="es-MX" smtClean="0"/>
+              <a:t>Eliminación </a:t>
+            </a:r>
+            <a:r>
+              <a:rPr lang="es-MX" dirty="0" smtClean="0"/>
+              <a:t>de datos	</a:t>
+            </a:r>
+            <a:endParaRPr lang="es-MX" dirty="0"/>
+          </a:p>
+        </p:txBody>
+      </p:sp>
+      <p:sp>
+        <p:nvSpPr>
+          <p:cNvPr id="3" name="2 Marcador de texto"/>
+          <p:cNvSpPr>
+            <a:spLocks noGrp="1"/>
+          </p:cNvSpPr>
+          <p:nvPr>
+            <p:ph type="body" idx="1"/>
+          </p:nvPr>
+        </p:nvSpPr>
+        <p:spPr/>
+        <p:txBody>
+          <a:bodyPr/>
+          <a:lstStyle/>
+          <a:p>
+            <a:r>
+              <a:rPr lang="es-MX" dirty="0" smtClean="0">
+                <a:solidFill>
+                  <a:schemeClr val="tx1"/>
+                </a:solidFill>
+              </a:rPr>
+              <a:t>En caso de tener una tarea que no cuente con cambios deseados o eliminar un archivo se deberá ir a la pestaña </a:t>
+            </a:r>
+            <a:r>
+              <a:rPr lang="es-MX" dirty="0" err="1" smtClean="0">
+                <a:solidFill>
+                  <a:schemeClr val="tx1"/>
+                </a:solidFill>
+              </a:rPr>
+              <a:t>commit</a:t>
+            </a:r>
+            <a:r>
+              <a:rPr lang="es-MX" dirty="0" smtClean="0">
+                <a:solidFill>
+                  <a:schemeClr val="tx1"/>
+                </a:solidFill>
+              </a:rPr>
+              <a:t> y sobre el archivo </a:t>
+            </a:r>
+            <a:r>
+              <a:rPr lang="es-MX" dirty="0" err="1" smtClean="0">
+                <a:solidFill>
+                  <a:schemeClr val="tx1"/>
+                </a:solidFill>
+              </a:rPr>
+              <a:t>click</a:t>
+            </a:r>
+            <a:r>
+              <a:rPr lang="es-MX" dirty="0" smtClean="0">
+                <a:solidFill>
+                  <a:schemeClr val="tx1"/>
+                </a:solidFill>
+              </a:rPr>
+              <a:t> derecho </a:t>
+            </a:r>
+            <a:r>
+              <a:rPr lang="es-MX" dirty="0" err="1" smtClean="0">
+                <a:solidFill>
+                  <a:schemeClr val="tx1"/>
+                </a:solidFill>
+              </a:rPr>
+              <a:t>discard</a:t>
+            </a:r>
+            <a:r>
+              <a:rPr lang="es-MX" dirty="0" smtClean="0">
+                <a:solidFill>
+                  <a:schemeClr val="tx1"/>
+                </a:solidFill>
+              </a:rPr>
+              <a:t> para descartar cambios y </a:t>
+            </a:r>
+            <a:r>
+              <a:rPr lang="es-MX" dirty="0" err="1" smtClean="0">
+                <a:solidFill>
+                  <a:schemeClr val="tx1"/>
+                </a:solidFill>
+              </a:rPr>
+              <a:t>delete</a:t>
+            </a:r>
+            <a:r>
+              <a:rPr lang="es-MX" dirty="0" smtClean="0">
+                <a:solidFill>
+                  <a:schemeClr val="tx1"/>
+                </a:solidFill>
+              </a:rPr>
+              <a:t> para eliminar</a:t>
+            </a:r>
+            <a:endParaRPr lang="es-MX" dirty="0">
+              <a:solidFill>
+                <a:schemeClr val="tx1"/>
+              </a:solidFill>
+            </a:endParaRPr>
+          </a:p>
+        </p:txBody>
+      </p:sp>
+    </p:spTree>
+    <p:extLst>
+      <p:ext uri="{BB962C8B-B14F-4D97-AF65-F5344CB8AC3E}">
+        <p14:creationId xmlns:p14="http://schemas.microsoft.com/office/powerpoint/2010/main" val="1265142324"/>
+      </p:ext>
+    </p:extLst>
+  </p:cSld>
+  <p:clrMapOvr>
+    <a:masterClrMapping/>
+  </p:clrMapOvr>
+  <p:timing>
+    <p:tnLst>
+      <p:par>
+        <p:cTn id="1" dur="indefinite" restart="never" nodeType="tmRoot"/>
+      </p:par>
+    </p:tnLst>
+  </p:timing>
+</p:sld>
+</file>
+
+<file path=ppt/slides/slide2.xml><?xml version="1.0" encoding="utf-8"?>
+<p:sld xmlns:a="http://schemas.openxmlformats.org/drawingml/2006/main" xmlns:r="http://schemas.openxmlformats.org/officeDocument/2006/relationships" xmlns:p="http://schemas.openxmlformats.org/presentationml/2006/main">
+  <p:cSld>
+    <p:spTree>
+      <p:nvGrpSpPr>
+        <p:cNvPr id="1" name=""/>
+        <p:cNvGrpSpPr/>
+        <p:nvPr/>
+      </p:nvGrpSpPr>
+      <p:grpSpPr>
+        <a:xfrm>
+          <a:off x="0" y="0"/>
+          <a:ext cx="0" cy="0"/>
+          <a:chOff x="0" y="0"/>
+          <a:chExt cx="0" cy="0"/>
+        </a:xfrm>
+      </p:grpSpPr>
+      <p:sp>
+        <p:nvSpPr>
+          <p:cNvPr id="2" name="1 Título"/>
+          <p:cNvSpPr>
+            <a:spLocks noGrp="1"/>
+          </p:cNvSpPr>
+          <p:nvPr>
+            <p:ph type="title"/>
+          </p:nvPr>
+        </p:nvSpPr>
+        <p:spPr>
+          <a:xfrm>
+            <a:off x="684213" y="685800"/>
+            <a:ext cx="10058400" cy="1091485"/>
+          </a:xfrm>
+        </p:spPr>
+        <p:txBody>
+          <a:bodyPr/>
+          <a:lstStyle/>
+          <a:p>
+            <a:pPr algn="ctr"/>
+            <a:r>
+              <a:rPr lang="es-MX" dirty="0" smtClean="0"/>
+              <a:t>Índice</a:t>
+            </a:r>
+            <a:endParaRPr lang="es-MX" dirty="0"/>
+          </a:p>
+        </p:txBody>
+      </p:sp>
+      <p:sp>
+        <p:nvSpPr>
+          <p:cNvPr id="3" name="2 Marcador de texto"/>
+          <p:cNvSpPr>
+            <a:spLocks noGrp="1"/>
+          </p:cNvSpPr>
+          <p:nvPr>
+            <p:ph type="body" idx="1"/>
+          </p:nvPr>
+        </p:nvSpPr>
+        <p:spPr>
+          <a:xfrm>
+            <a:off x="684212" y="1764407"/>
+            <a:ext cx="8535988" cy="4229994"/>
+          </a:xfrm>
+        </p:spPr>
+        <p:txBody>
+          <a:bodyPr>
+            <a:noAutofit/>
+          </a:bodyPr>
+          <a:lstStyle/>
+          <a:p>
+            <a:pPr marL="342900" indent="-342900">
+              <a:buFont typeface="Arial" panose="020B0604020202020204" pitchFamily="34" charset="0"/>
+              <a:buChar char="•"/>
+            </a:pPr>
+            <a:r>
+              <a:rPr lang="es-MX" dirty="0" smtClean="0">
+                <a:solidFill>
+                  <a:schemeClr val="tx1"/>
+                </a:solidFill>
+              </a:rPr>
+              <a:t>Ciclo de Vida</a:t>
+            </a:r>
+          </a:p>
+          <a:p>
+            <a:pPr marL="342900" indent="-342900">
+              <a:buFont typeface="Arial" panose="020B0604020202020204" pitchFamily="34" charset="0"/>
+              <a:buChar char="•"/>
+            </a:pPr>
+            <a:r>
+              <a:rPr lang="es-MX" dirty="0" smtClean="0">
+                <a:solidFill>
+                  <a:schemeClr val="tx1"/>
+                </a:solidFill>
+              </a:rPr>
+              <a:t>Prospectación</a:t>
+            </a:r>
+          </a:p>
+          <a:p>
+            <a:pPr marL="342900" indent="-342900">
+              <a:buFont typeface="Arial" panose="020B0604020202020204" pitchFamily="34" charset="0"/>
+              <a:buChar char="•"/>
+            </a:pPr>
+            <a:r>
+              <a:rPr lang="es-MX" dirty="0" smtClean="0">
+                <a:solidFill>
+                  <a:schemeClr val="tx1"/>
+                </a:solidFill>
+              </a:rPr>
+              <a:t>Ventas</a:t>
+            </a:r>
+          </a:p>
+          <a:p>
+            <a:pPr marL="342900" indent="-342900">
+              <a:buFont typeface="Arial" panose="020B0604020202020204" pitchFamily="34" charset="0"/>
+              <a:buChar char="•"/>
+            </a:pPr>
+            <a:r>
+              <a:rPr lang="es-MX" dirty="0" smtClean="0">
+                <a:solidFill>
+                  <a:schemeClr val="tx1"/>
+                </a:solidFill>
+              </a:rPr>
+              <a:t>Planeación</a:t>
+            </a:r>
+          </a:p>
+          <a:p>
+            <a:pPr marL="342900" indent="-342900">
+              <a:buFont typeface="Arial" panose="020B0604020202020204" pitchFamily="34" charset="0"/>
+              <a:buChar char="•"/>
+            </a:pPr>
+            <a:r>
+              <a:rPr lang="es-MX" dirty="0" smtClean="0">
+                <a:solidFill>
+                  <a:schemeClr val="tx1"/>
+                </a:solidFill>
+              </a:rPr>
+              <a:t>Compras</a:t>
+            </a:r>
+          </a:p>
+          <a:p>
+            <a:pPr marL="342900" indent="-342900">
+              <a:buFont typeface="Arial" panose="020B0604020202020204" pitchFamily="34" charset="0"/>
+              <a:buChar char="•"/>
+            </a:pPr>
+            <a:r>
+              <a:rPr lang="es-MX" dirty="0" smtClean="0">
+                <a:solidFill>
+                  <a:schemeClr val="tx1"/>
+                </a:solidFill>
+              </a:rPr>
+              <a:t>Implementación</a:t>
+            </a:r>
+          </a:p>
+          <a:p>
+            <a:pPr marL="342900" indent="-342900">
+              <a:buFont typeface="Arial" panose="020B0604020202020204" pitchFamily="34" charset="0"/>
+              <a:buChar char="•"/>
+            </a:pPr>
+            <a:r>
+              <a:rPr lang="es-MX" dirty="0" smtClean="0">
+                <a:solidFill>
+                  <a:schemeClr val="tx1"/>
+                </a:solidFill>
+              </a:rPr>
+              <a:t>Cierre</a:t>
+            </a:r>
+          </a:p>
+          <a:p>
+            <a:pPr marL="342900" indent="-342900">
+              <a:buFont typeface="Arial" panose="020B0604020202020204" pitchFamily="34" charset="0"/>
+              <a:buChar char="•"/>
+            </a:pPr>
+            <a:r>
+              <a:rPr lang="es-MX" dirty="0" smtClean="0">
+                <a:solidFill>
+                  <a:schemeClr val="tx1"/>
+                </a:solidFill>
+              </a:rPr>
+              <a:t>Garantía</a:t>
+            </a:r>
+          </a:p>
+          <a:p>
+            <a:pPr marL="342900" indent="-342900">
+              <a:buFont typeface="Arial" panose="020B0604020202020204" pitchFamily="34" charset="0"/>
+              <a:buChar char="•"/>
+            </a:pPr>
+            <a:r>
+              <a:rPr lang="es-MX" dirty="0" smtClean="0">
+                <a:solidFill>
+                  <a:schemeClr val="tx1"/>
+                </a:solidFill>
+              </a:rPr>
+              <a:t>Métricas y Monitoreo</a:t>
+            </a:r>
+          </a:p>
+          <a:p>
+            <a:pPr marL="342900" indent="-342900">
+              <a:buFont typeface="Arial" panose="020B0604020202020204" pitchFamily="34" charset="0"/>
+              <a:buChar char="•"/>
+            </a:pPr>
+            <a:r>
+              <a:rPr lang="es-MX" dirty="0" smtClean="0">
+                <a:solidFill>
+                  <a:schemeClr val="tx1"/>
+                </a:solidFill>
+              </a:rPr>
+              <a:t>Calidad</a:t>
+            </a:r>
+          </a:p>
+          <a:p>
+            <a:pPr marL="342900" indent="-342900">
+              <a:buFont typeface="Arial" panose="020B0604020202020204" pitchFamily="34" charset="0"/>
+              <a:buChar char="•"/>
+            </a:pPr>
+            <a:r>
+              <a:rPr lang="es-MX" dirty="0" smtClean="0">
+                <a:solidFill>
+                  <a:schemeClr val="tx1"/>
+                </a:solidFill>
+              </a:rPr>
+              <a:t>Control de Cambios</a:t>
+            </a:r>
+            <a:endParaRPr lang="es-MX" dirty="0">
+              <a:solidFill>
+                <a:schemeClr val="tx1"/>
+              </a:solidFill>
+            </a:endParaRPr>
+          </a:p>
+          <a:p>
+            <a:pPr marL="342900" indent="-342900">
+              <a:buFont typeface="Arial" panose="020B0604020202020204" pitchFamily="34" charset="0"/>
+              <a:buChar char="•"/>
+            </a:pPr>
+            <a:r>
+              <a:rPr lang="es-MX" dirty="0" smtClean="0">
+                <a:solidFill>
+                  <a:schemeClr val="tx1"/>
+                </a:solidFill>
+              </a:rPr>
+              <a:t>Capacitación </a:t>
+            </a:r>
+            <a:r>
+              <a:rPr lang="es-MX" dirty="0" err="1" smtClean="0">
+                <a:solidFill>
+                  <a:schemeClr val="tx1"/>
+                </a:solidFill>
+              </a:rPr>
+              <a:t>Source</a:t>
+            </a:r>
+            <a:r>
+              <a:rPr lang="es-MX" dirty="0" smtClean="0">
+                <a:solidFill>
+                  <a:schemeClr val="tx1"/>
+                </a:solidFill>
+              </a:rPr>
+              <a:t> </a:t>
+            </a:r>
+            <a:r>
+              <a:rPr lang="es-MX" dirty="0" err="1" smtClean="0">
+                <a:solidFill>
+                  <a:schemeClr val="tx1"/>
+                </a:solidFill>
+              </a:rPr>
+              <a:t>Tree</a:t>
+            </a:r>
+            <a:endParaRPr lang="es-MX" dirty="0">
+              <a:solidFill>
+                <a:schemeClr val="tx1"/>
+              </a:solidFill>
+            </a:endParaRPr>
+          </a:p>
+        </p:txBody>
+      </p:sp>
+    </p:spTree>
+    <p:extLst>
+      <p:ext uri="{BB962C8B-B14F-4D97-AF65-F5344CB8AC3E}">
+        <p14:creationId xmlns:p14="http://schemas.microsoft.com/office/powerpoint/2010/main" val="1220564768"/>
+      </p:ext>
+    </p:extLst>
+  </p:cSld>
+  <p:clrMapOvr>
+    <a:masterClrMapping/>
+  </p:clrMapOvr>
+  <p:timing>
+    <p:tnLst>
+      <p:par>
+        <p:cTn id="1" dur="indefinite" restart="never" nodeType="tmRoot"/>
+      </p:par>
+    </p:tnLst>
+  </p:timing>
+</p:sld>
+</file>
+
+<file path=ppt/slides/slide3.xml><?xml version="1.0" encoding="utf-8"?>
+<p:sld xmlns:a="http://schemas.openxmlformats.org/drawingml/2006/main" xmlns:r="http://schemas.openxmlformats.org/officeDocument/2006/relationships" xmlns:p="http://schemas.openxmlformats.org/presentationml/2006/main">
+  <p:cSld>
+    <p:spTree>
+      <p:nvGrpSpPr>
+        <p:cNvPr id="1" name=""/>
+        <p:cNvGrpSpPr/>
+        <p:nvPr/>
+      </p:nvGrpSpPr>
+      <p:grpSpPr>
+        <a:xfrm>
+          <a:off x="0" y="0"/>
+          <a:ext cx="0" cy="0"/>
+          <a:chOff x="0" y="0"/>
+          <a:chExt cx="0" cy="0"/>
+        </a:xfrm>
+      </p:grpSpPr>
+      <p:pic>
+        <p:nvPicPr>
+          <p:cNvPr id="6" name="5 Marcador de contenido"/>
+          <p:cNvPicPr>
+            <a:picLocks noGrp="1" noChangeAspect="1"/>
+          </p:cNvPicPr>
+          <p:nvPr>
+            <p:ph idx="1"/>
+          </p:nvPr>
+        </p:nvPicPr>
+        <p:blipFill rotWithShape="1">
+          <a:blip r:embed="rId2">
+            <a:extLst>
+              <a:ext uri="{28A0092B-C50C-407E-A947-70E740481C1C}">
+                <a14:useLocalDpi xmlns:a14="http://schemas.microsoft.com/office/drawing/2010/main" val="0"/>
+              </a:ext>
+            </a:extLst>
+          </a:blip>
+          <a:srcRect l="1892" t="4563" r="3048" b="26575"/>
+          <a:stretch/>
+        </p:blipFill>
+        <p:spPr>
+          <a:xfrm>
+            <a:off x="0" y="1442434"/>
+            <a:ext cx="12123515" cy="4005329"/>
+          </a:xfrm>
+        </p:spPr>
+      </p:pic>
+      <p:sp>
+        <p:nvSpPr>
+          <p:cNvPr id="7" name="6 CuadroTexto"/>
+          <p:cNvSpPr txBox="1"/>
+          <p:nvPr/>
+        </p:nvSpPr>
+        <p:spPr>
+          <a:xfrm>
+            <a:off x="862885" y="579549"/>
+            <a:ext cx="10457645" cy="707886"/>
+          </a:xfrm>
+          <a:prstGeom prst="rect">
+            <a:avLst/>
+          </a:prstGeom>
+          <a:noFill/>
+        </p:spPr>
+        <p:txBody>
+          <a:bodyPr wrap="square" rtlCol="0">
+            <a:spAutoFit/>
+          </a:bodyPr>
+          <a:lstStyle/>
+          <a:p>
+            <a:pPr algn="ctr"/>
+            <a:r>
+              <a:rPr lang="es-MX" sz="4000" b="1" dirty="0" smtClean="0"/>
+              <a:t>Ciclo de Vida</a:t>
+            </a:r>
+            <a:endParaRPr lang="es-MX" sz="4000" b="1" dirty="0"/>
+          </a:p>
+        </p:txBody>
+      </p:sp>
+    </p:spTree>
+    <p:extLst>
+      <p:ext uri="{BB962C8B-B14F-4D97-AF65-F5344CB8AC3E}">
+        <p14:creationId xmlns:p14="http://schemas.microsoft.com/office/powerpoint/2010/main" val="1081289968"/>
+      </p:ext>
+    </p:extLst>
+  </p:cSld>
+  <p:clrMapOvr>
+    <a:masterClrMapping/>
+  </p:clrMapOvr>
+  <p:timing>
+    <p:tnLst>
+      <p:par>
+        <p:cTn id="1" dur="indefinite" restart="never" nodeType="tmRoot"/>
+      </p:par>
+    </p:tnLst>
+  </p:timing>
+</p:sld>
+</file>
+
+<file path=ppt/slides/slide4.xml><?xml version="1.0" encoding="utf-8"?>
+<p:sld xmlns:a="http://schemas.openxmlformats.org/drawingml/2006/main" xmlns:r="http://schemas.openxmlformats.org/officeDocument/2006/relationships" xmlns:p="http://schemas.openxmlformats.org/presentationml/2006/main">
+  <p:cSld>
+    <p:spTree>
+      <p:nvGrpSpPr>
+        <p:cNvPr id="1" name=""/>
+        <p:cNvGrpSpPr/>
+        <p:nvPr/>
+      </p:nvGrpSpPr>
+      <p:grpSpPr>
+        <a:xfrm>
+          <a:off x="0" y="0"/>
+          <a:ext cx="0" cy="0"/>
+          <a:chOff x="0" y="0"/>
+          <a:chExt cx="0" cy="0"/>
+        </a:xfrm>
+      </p:grpSpPr>
+      <p:sp>
+        <p:nvSpPr>
+          <p:cNvPr id="6" name="5 Título"/>
+          <p:cNvSpPr>
+            <a:spLocks noGrp="1"/>
+          </p:cNvSpPr>
+          <p:nvPr>
+            <p:ph type="title"/>
+          </p:nvPr>
+        </p:nvSpPr>
+        <p:spPr>
+          <a:xfrm>
+            <a:off x="684213" y="685800"/>
+            <a:ext cx="10058400" cy="1786944"/>
+          </a:xfrm>
+        </p:spPr>
+        <p:txBody>
+          <a:bodyPr/>
+          <a:lstStyle/>
+          <a:p>
+            <a:pPr algn="ctr"/>
+            <a:r>
+              <a:rPr lang="es-MX" dirty="0" smtClean="0"/>
+              <a:t>Prospectación</a:t>
+            </a:r>
+            <a:endParaRPr lang="es-MX" dirty="0"/>
+          </a:p>
+        </p:txBody>
+      </p:sp>
+      <p:sp>
+        <p:nvSpPr>
+          <p:cNvPr id="7" name="6 Marcador de texto"/>
+          <p:cNvSpPr>
+            <a:spLocks noGrp="1"/>
+          </p:cNvSpPr>
+          <p:nvPr>
+            <p:ph type="body" idx="1"/>
+          </p:nvPr>
+        </p:nvSpPr>
+        <p:spPr/>
+        <p:txBody>
+          <a:bodyPr>
+            <a:normAutofit lnSpcReduction="10000"/>
+          </a:bodyPr>
+          <a:lstStyle/>
+          <a:p>
+            <a:r>
+              <a:rPr lang="es-MX" dirty="0" smtClean="0">
+                <a:solidFill>
+                  <a:schemeClr val="tx1"/>
+                </a:solidFill>
+              </a:rPr>
+              <a:t>La etapa de prospectación comienza desde el momento en que un cliente conoce la empresa por algún medio de publicidad y posteriormente es capturado en el sistema Bitrix, esta etapa finaliza en el momento donde un vendedor genera contacto por algún medio para realizar una solicitud de requerimientos al cliente.</a:t>
+            </a:r>
+          </a:p>
+          <a:p>
+            <a:r>
+              <a:rPr lang="es-MX" dirty="0" smtClean="0">
+                <a:solidFill>
+                  <a:schemeClr val="tx1"/>
+                </a:solidFill>
+              </a:rPr>
+              <a:t>Los roles que participan dentro de esta etapa son: Dirección, Líder de Ventas, Prospecto y Vendedor.</a:t>
+            </a:r>
+            <a:endParaRPr lang="es-MX" dirty="0">
+              <a:solidFill>
+                <a:schemeClr val="tx1"/>
+              </a:solidFill>
+            </a:endParaRPr>
+          </a:p>
+        </p:txBody>
+      </p:sp>
+    </p:spTree>
+    <p:extLst>
+      <p:ext uri="{BB962C8B-B14F-4D97-AF65-F5344CB8AC3E}">
+        <p14:creationId xmlns:p14="http://schemas.microsoft.com/office/powerpoint/2010/main" val="2988296054"/>
+      </p:ext>
+    </p:extLst>
+  </p:cSld>
+  <p:clrMapOvr>
+    <a:masterClrMapping/>
+  </p:clrMapOvr>
+  <p:timing>
+    <p:tnLst>
+      <p:par>
+        <p:cTn id="1" dur="indefinite" restart="never" nodeType="tmRoot"/>
+      </p:par>
+    </p:tnLst>
+  </p:timing>
+</p:sld>
+</file>
+
+<file path=ppt/slides/slide5.xml><?xml version="1.0" encoding="utf-8"?>
+<p:sld xmlns:a="http://schemas.openxmlformats.org/drawingml/2006/main" xmlns:r="http://schemas.openxmlformats.org/officeDocument/2006/relationships" xmlns:p="http://schemas.openxmlformats.org/presentationml/2006/main">
+  <p:cSld>
+    <p:spTree>
+      <p:nvGrpSpPr>
+        <p:cNvPr id="1" name=""/>
+        <p:cNvGrpSpPr/>
+        <p:nvPr/>
+      </p:nvGrpSpPr>
+      <p:grpSpPr>
+        <a:xfrm>
+          <a:off x="0" y="0"/>
+          <a:ext cx="0" cy="0"/>
+          <a:chOff x="0" y="0"/>
+          <a:chExt cx="0" cy="0"/>
+        </a:xfrm>
+      </p:grpSpPr>
+      <p:sp>
+        <p:nvSpPr>
+          <p:cNvPr id="2" name="1 Título"/>
+          <p:cNvSpPr>
+            <a:spLocks noGrp="1"/>
+          </p:cNvSpPr>
+          <p:nvPr>
+            <p:ph type="title"/>
+          </p:nvPr>
+        </p:nvSpPr>
+        <p:spPr>
+          <a:xfrm>
+            <a:off x="684213" y="685800"/>
+            <a:ext cx="10058400" cy="782392"/>
+          </a:xfrm>
+        </p:spPr>
+        <p:txBody>
+          <a:bodyPr/>
+          <a:lstStyle/>
+          <a:p>
+            <a:pPr algn="ctr"/>
+            <a:r>
+              <a:rPr lang="es-MX" dirty="0" smtClean="0"/>
+              <a:t>Actividades a Realizar</a:t>
+            </a:r>
+            <a:endParaRPr lang="es-MX" dirty="0"/>
+          </a:p>
+        </p:txBody>
+      </p:sp>
+      <p:graphicFrame>
+        <p:nvGraphicFramePr>
+          <p:cNvPr id="4" name="3 Tabla"/>
+          <p:cNvGraphicFramePr>
+            <a:graphicFrameLocks noGrp="1"/>
+          </p:cNvGraphicFramePr>
+          <p:nvPr>
+            <p:extLst>
+              <p:ext uri="{D42A27DB-BD31-4B8C-83A1-F6EECF244321}">
+                <p14:modId xmlns:p14="http://schemas.microsoft.com/office/powerpoint/2010/main" val="1475325384"/>
+              </p:ext>
+            </p:extLst>
+          </p:nvPr>
+        </p:nvGraphicFramePr>
+        <p:xfrm>
+          <a:off x="180302" y="2033311"/>
+          <a:ext cx="11758412" cy="4394200"/>
+        </p:xfrm>
+        <a:graphic>
+          <a:graphicData uri="http://schemas.openxmlformats.org/drawingml/2006/table">
+            <a:tbl>
+              <a:tblPr firstRow="1" bandRow="1">
+                <a:tableStyleId>{5C22544A-7EE6-4342-B048-85BDC9FD1C3A}</a:tableStyleId>
+              </a:tblPr>
+              <a:tblGrid>
+                <a:gridCol w="2939603"/>
+                <a:gridCol w="1825582"/>
+                <a:gridCol w="3232598"/>
+                <a:gridCol w="3760629"/>
+              </a:tblGrid>
+              <a:tr h="370840">
+                <a:tc>
+                  <a:txBody>
+                    <a:bodyPr/>
+                    <a:lstStyle/>
+                    <a:p>
+                      <a:r>
+                        <a:rPr lang="es-MX" dirty="0" smtClean="0"/>
+                        <a:t>Actividad</a:t>
+                      </a:r>
+                      <a:endParaRPr lang="es-MX" dirty="0"/>
+                    </a:p>
+                  </a:txBody>
+                  <a:tcPr/>
+                </a:tc>
+                <a:tc>
+                  <a:txBody>
+                    <a:bodyPr/>
+                    <a:lstStyle/>
+                    <a:p>
+                      <a:r>
+                        <a:rPr lang="es-MX" dirty="0" smtClean="0"/>
+                        <a:t>Responsable</a:t>
+                      </a:r>
+                      <a:endParaRPr lang="es-MX" dirty="0"/>
+                    </a:p>
+                  </a:txBody>
+                  <a:tcPr/>
+                </a:tc>
+                <a:tc>
+                  <a:txBody>
+                    <a:bodyPr/>
+                    <a:lstStyle/>
+                    <a:p>
+                      <a:r>
+                        <a:rPr lang="es-MX" dirty="0" smtClean="0"/>
+                        <a:t>Producto</a:t>
+                      </a:r>
+                      <a:r>
+                        <a:rPr lang="es-MX" baseline="0" dirty="0" smtClean="0"/>
+                        <a:t> </a:t>
+                      </a:r>
+                      <a:r>
+                        <a:rPr lang="es-MX" dirty="0" smtClean="0"/>
+                        <a:t>Salida</a:t>
+                      </a:r>
+                      <a:endParaRPr lang="es-MX" dirty="0"/>
+                    </a:p>
+                  </a:txBody>
+                  <a:tcPr/>
+                </a:tc>
+                <a:tc>
+                  <a:txBody>
+                    <a:bodyPr/>
+                    <a:lstStyle/>
+                    <a:p>
+                      <a:r>
+                        <a:rPr lang="es-MX" dirty="0" smtClean="0"/>
+                        <a:t>Descripción</a:t>
+                      </a:r>
+                      <a:endParaRPr lang="es-MX" dirty="0"/>
+                    </a:p>
+                  </a:txBody>
+                  <a:tcPr/>
+                </a:tc>
+              </a:tr>
+              <a:tr h="370840">
+                <a:tc>
+                  <a:txBody>
+                    <a:bodyPr/>
+                    <a:lstStyle/>
+                    <a:p>
+                      <a:r>
+                        <a:rPr lang="es-MX" dirty="0" smtClean="0"/>
+                        <a:t>Pagar Publicidad</a:t>
+                      </a:r>
+                      <a:endParaRPr lang="es-MX" dirty="0"/>
+                    </a:p>
+                  </a:txBody>
+                  <a:tcPr/>
+                </a:tc>
+                <a:tc>
+                  <a:txBody>
+                    <a:bodyPr/>
+                    <a:lstStyle/>
+                    <a:p>
+                      <a:r>
+                        <a:rPr lang="es-MX" dirty="0" smtClean="0"/>
+                        <a:t>Dirección</a:t>
+                      </a:r>
+                      <a:endParaRPr lang="es-MX" dirty="0"/>
+                    </a:p>
+                  </a:txBody>
+                  <a:tcPr/>
+                </a:tc>
+                <a:tc>
+                  <a:txBody>
+                    <a:bodyPr/>
+                    <a:lstStyle/>
+                    <a:p>
+                      <a:r>
+                        <a:rPr lang="es-MX" dirty="0" smtClean="0"/>
+                        <a:t>Bing,</a:t>
+                      </a:r>
+                      <a:r>
+                        <a:rPr lang="es-MX" baseline="0" dirty="0" smtClean="0"/>
+                        <a:t> Google Adwords</a:t>
+                      </a:r>
+                      <a:endParaRPr lang="es-MX" dirty="0"/>
+                    </a:p>
+                  </a:txBody>
+                  <a:tcPr/>
+                </a:tc>
+                <a:tc>
+                  <a:txBody>
+                    <a:bodyPr/>
+                    <a:lstStyle/>
+                    <a:p>
+                      <a:r>
+                        <a:rPr lang="es-MX" dirty="0" smtClean="0"/>
+                        <a:t>Consiste en el pago de servicios</a:t>
+                      </a:r>
+                      <a:r>
+                        <a:rPr lang="es-MX" baseline="0" dirty="0" smtClean="0"/>
+                        <a:t> publicitarios</a:t>
+                      </a:r>
+                      <a:endParaRPr lang="es-MX" dirty="0"/>
+                    </a:p>
+                  </a:txBody>
+                  <a:tcPr/>
+                </a:tc>
+              </a:tr>
+              <a:tr h="370840">
+                <a:tc>
+                  <a:txBody>
+                    <a:bodyPr/>
+                    <a:lstStyle/>
+                    <a:p>
+                      <a:r>
+                        <a:rPr lang="es-MX" dirty="0" smtClean="0"/>
+                        <a:t>Asignar prospectos</a:t>
+                      </a:r>
+                      <a:endParaRPr lang="es-MX" dirty="0"/>
+                    </a:p>
+                  </a:txBody>
+                  <a:tcPr/>
+                </a:tc>
+                <a:tc>
+                  <a:txBody>
+                    <a:bodyPr/>
+                    <a:lstStyle/>
+                    <a:p>
+                      <a:r>
+                        <a:rPr lang="es-MX" dirty="0" smtClean="0"/>
+                        <a:t>Líder de ventas</a:t>
+                      </a:r>
+                      <a:endParaRPr lang="es-MX" dirty="0"/>
+                    </a:p>
+                  </a:txBody>
+                  <a:tcPr/>
+                </a:tc>
+                <a:tc>
+                  <a:txBody>
+                    <a:bodyPr/>
+                    <a:lstStyle/>
+                    <a:p>
+                      <a:r>
+                        <a:rPr lang="es-MX" dirty="0" smtClean="0"/>
+                        <a:t>Correo de asignación</a:t>
+                      </a:r>
+                      <a:endParaRPr lang="es-MX" dirty="0"/>
+                    </a:p>
+                  </a:txBody>
+                  <a:tcPr/>
+                </a:tc>
+                <a:tc>
+                  <a:txBody>
+                    <a:bodyPr/>
+                    <a:lstStyle/>
+                    <a:p>
+                      <a:r>
+                        <a:rPr lang="es-MX" dirty="0" smtClean="0"/>
+                        <a:t>Se verifica los nuevos prospectos registrados</a:t>
+                      </a:r>
+                      <a:r>
+                        <a:rPr lang="es-MX" baseline="0" dirty="0" smtClean="0"/>
+                        <a:t> y los asigna a vendedores por medio de un correo</a:t>
+                      </a:r>
+                      <a:endParaRPr lang="es-MX" dirty="0"/>
+                    </a:p>
+                  </a:txBody>
+                  <a:tcPr/>
+                </a:tc>
+              </a:tr>
+              <a:tr h="370840">
+                <a:tc>
+                  <a:txBody>
+                    <a:bodyPr/>
+                    <a:lstStyle/>
+                    <a:p>
+                      <a:r>
+                        <a:rPr lang="es-MX" dirty="0" smtClean="0"/>
+                        <a:t>Capturar prospecto CRM</a:t>
+                      </a:r>
+                      <a:endParaRPr lang="es-MX" dirty="0"/>
+                    </a:p>
+                  </a:txBody>
+                  <a:tcPr/>
+                </a:tc>
+                <a:tc>
+                  <a:txBody>
+                    <a:bodyPr/>
+                    <a:lstStyle/>
+                    <a:p>
+                      <a:r>
+                        <a:rPr lang="es-MX" dirty="0" smtClean="0"/>
+                        <a:t>Vendedor</a:t>
+                      </a:r>
+                      <a:endParaRPr lang="es-MX" dirty="0"/>
+                    </a:p>
+                  </a:txBody>
+                  <a:tcPr/>
+                </a:tc>
+                <a:tc>
+                  <a:txBody>
+                    <a:bodyPr/>
+                    <a:lstStyle/>
+                    <a:p>
+                      <a:r>
+                        <a:rPr lang="es-MX" dirty="0" smtClean="0"/>
+                        <a:t>Crear contacto en Bitrix</a:t>
+                      </a:r>
+                      <a:endParaRPr lang="es-MX" dirty="0"/>
+                    </a:p>
+                  </a:txBody>
+                  <a:tcPr/>
+                </a:tc>
+                <a:tc>
+                  <a:txBody>
+                    <a:bodyPr/>
+                    <a:lstStyle/>
+                    <a:p>
+                      <a:r>
+                        <a:rPr lang="es-MX" dirty="0" smtClean="0"/>
+                        <a:t>Se registra contacto en Bitrix con</a:t>
+                      </a:r>
+                      <a:r>
+                        <a:rPr lang="es-MX" baseline="0" dirty="0" smtClean="0"/>
+                        <a:t> los datos nombre, correo electrónico y número de teléfono.</a:t>
+                      </a:r>
+                      <a:endParaRPr lang="es-MX" dirty="0"/>
+                    </a:p>
+                  </a:txBody>
+                  <a:tcPr/>
+                </a:tc>
+              </a:tr>
+              <a:tr h="370840">
+                <a:tc>
+                  <a:txBody>
+                    <a:bodyPr/>
+                    <a:lstStyle/>
+                    <a:p>
+                      <a:r>
+                        <a:rPr lang="es-MX" dirty="0" smtClean="0"/>
+                        <a:t>Contactar prospecto</a:t>
+                      </a:r>
+                      <a:endParaRPr lang="es-MX" dirty="0"/>
+                    </a:p>
+                  </a:txBody>
+                  <a:tcPr/>
+                </a:tc>
+                <a:tc>
+                  <a:txBody>
+                    <a:bodyPr/>
+                    <a:lstStyle/>
+                    <a:p>
+                      <a:r>
+                        <a:rPr lang="es-MX" dirty="0" smtClean="0"/>
+                        <a:t>Vendedor</a:t>
+                      </a:r>
+                      <a:endParaRPr lang="es-MX" dirty="0"/>
+                    </a:p>
+                  </a:txBody>
+                  <a:tcPr/>
+                </a:tc>
+                <a:tc>
+                  <a:txBody>
+                    <a:bodyPr/>
+                    <a:lstStyle/>
+                    <a:p>
+                      <a:r>
+                        <a:rPr lang="es-MX" dirty="0" smtClean="0"/>
+                        <a:t>Registro de llamada Bitrix</a:t>
+                      </a:r>
+                      <a:endParaRPr lang="es-MX" dirty="0"/>
+                    </a:p>
+                  </a:txBody>
+                  <a:tcPr/>
+                </a:tc>
+                <a:tc>
+                  <a:txBody>
+                    <a:bodyPr/>
+                    <a:lstStyle/>
+                    <a:p>
+                      <a:r>
+                        <a:rPr lang="es-MX" dirty="0" smtClean="0"/>
+                        <a:t>Tras la captura</a:t>
+                      </a:r>
+                      <a:r>
+                        <a:rPr lang="es-MX" baseline="0" dirty="0" smtClean="0"/>
+                        <a:t> se contacta al cliente para iniciar el proceso de ventas.</a:t>
+                      </a:r>
+                      <a:endParaRPr lang="es-MX" dirty="0"/>
+                    </a:p>
+                  </a:txBody>
+                  <a:tcPr/>
+                </a:tc>
+              </a:tr>
+              <a:tr h="370840">
+                <a:tc>
+                  <a:txBody>
+                    <a:bodyPr/>
+                    <a:lstStyle/>
+                    <a:p>
+                      <a:r>
+                        <a:rPr lang="es-MX" dirty="0" smtClean="0"/>
+                        <a:t>Enviar portafolio</a:t>
+                      </a:r>
+                      <a:r>
+                        <a:rPr lang="es-MX" baseline="0" dirty="0" smtClean="0"/>
+                        <a:t> de negocios</a:t>
+                      </a:r>
+                      <a:endParaRPr lang="es-MX" dirty="0"/>
+                    </a:p>
+                  </a:txBody>
+                  <a:tcPr/>
+                </a:tc>
+                <a:tc>
+                  <a:txBody>
+                    <a:bodyPr/>
+                    <a:lstStyle/>
+                    <a:p>
+                      <a:r>
+                        <a:rPr lang="es-MX" dirty="0" smtClean="0"/>
+                        <a:t>Vendedor</a:t>
+                      </a:r>
+                      <a:endParaRPr lang="es-MX" dirty="0"/>
+                    </a:p>
+                  </a:txBody>
+                  <a:tcPr/>
+                </a:tc>
+                <a:tc>
+                  <a:txBody>
+                    <a:bodyPr/>
+                    <a:lstStyle/>
+                    <a:p>
+                      <a:r>
+                        <a:rPr lang="es-MX" dirty="0" smtClean="0"/>
+                        <a:t>Correo con portafolio</a:t>
+                      </a:r>
+                      <a:r>
+                        <a:rPr lang="es-MX" baseline="0" dirty="0" smtClean="0"/>
+                        <a:t> de negocios</a:t>
+                      </a:r>
+                      <a:endParaRPr lang="es-MX" dirty="0"/>
+                    </a:p>
+                  </a:txBody>
+                  <a:tcPr/>
+                </a:tc>
+                <a:tc>
+                  <a:txBody>
+                    <a:bodyPr/>
+                    <a:lstStyle/>
+                    <a:p>
+                      <a:r>
+                        <a:rPr lang="es-MX" dirty="0" smtClean="0"/>
+                        <a:t>En caso de</a:t>
+                      </a:r>
+                      <a:r>
+                        <a:rPr lang="es-MX" baseline="0" dirty="0" smtClean="0"/>
+                        <a:t> no poder contactar con el prospecto se envía un correo al mismo con el portafolio de negocios.</a:t>
+                      </a:r>
+                      <a:endParaRPr lang="es-MX" dirty="0"/>
+                    </a:p>
+                  </a:txBody>
+                  <a:tcPr/>
+                </a:tc>
+              </a:tr>
+            </a:tbl>
+          </a:graphicData>
+        </a:graphic>
+      </p:graphicFrame>
+    </p:spTree>
+    <p:extLst>
+      <p:ext uri="{BB962C8B-B14F-4D97-AF65-F5344CB8AC3E}">
+        <p14:creationId xmlns:p14="http://schemas.microsoft.com/office/powerpoint/2010/main" val="3047201800"/>
+      </p:ext>
+    </p:extLst>
+  </p:cSld>
+  <p:clrMapOvr>
+    <a:masterClrMapping/>
+  </p:clrMapOvr>
+  <p:timing>
+    <p:tnLst>
+      <p:par>
+        <p:cTn id="1" dur="indefinite" restart="never" nodeType="tmRoot"/>
+      </p:par>
+    </p:tnLst>
+  </p:timing>
 </p:sld>
 </file>
 
@@ -5995,145 +6499,1029 @@
           <a:chExt cx="0" cy="0"/>
         </a:xfrm>
       </p:grpSpPr>
-      <p:sp>
-        <p:nvSpPr>
-          <p:cNvPr id="2" name="1 Título"/>
-          <p:cNvSpPr>
-            <a:spLocks noGrp="1"/>
-          </p:cNvSpPr>
-          <p:nvPr>
-            <p:ph type="title"/>
-          </p:nvPr>
-        </p:nvSpPr>
-        <p:spPr/>
-        <p:txBody>
-          <a:bodyPr/>
-          <a:lstStyle/>
-          <a:p>
-            <a:r>
-              <a:rPr lang="es-MX" smtClean="0"/>
-              <a:t>Eliminación </a:t>
-            </a:r>
-            <a:r>
-              <a:rPr lang="es-MX" dirty="0" smtClean="0"/>
-              <a:t>de datos	</a:t>
-            </a:r>
-            <a:endParaRPr lang="es-MX" dirty="0"/>
-          </a:p>
-        </p:txBody>
-      </p:sp>
-      <p:sp>
-        <p:nvSpPr>
-          <p:cNvPr id="3" name="2 Marcador de texto"/>
-          <p:cNvSpPr>
-            <a:spLocks noGrp="1"/>
-          </p:cNvSpPr>
-          <p:nvPr>
-            <p:ph type="body" idx="1"/>
-          </p:nvPr>
-        </p:nvSpPr>
-        <p:spPr/>
-        <p:txBody>
-          <a:bodyPr/>
-          <a:lstStyle/>
-          <a:p>
-            <a:r>
-              <a:rPr lang="es-MX" dirty="0" smtClean="0">
-                <a:solidFill>
-                  <a:schemeClr val="tx1"/>
-                </a:solidFill>
-              </a:rPr>
-              <a:t>En caso de tener una tarea que no cuente con cambios deseados o eliminar un archivo se deberá ir a la pestaña </a:t>
-            </a:r>
-            <a:r>
-              <a:rPr lang="es-MX" dirty="0" err="1" smtClean="0">
-                <a:solidFill>
-                  <a:schemeClr val="tx1"/>
-                </a:solidFill>
-              </a:rPr>
-              <a:t>commit</a:t>
-            </a:r>
-            <a:r>
-              <a:rPr lang="es-MX" dirty="0" smtClean="0">
-                <a:solidFill>
-                  <a:schemeClr val="tx1"/>
-                </a:solidFill>
-              </a:rPr>
-              <a:t> y sobre el archivo </a:t>
-            </a:r>
-            <a:r>
-              <a:rPr lang="es-MX" dirty="0" err="1" smtClean="0">
-                <a:solidFill>
-                  <a:schemeClr val="tx1"/>
-                </a:solidFill>
-              </a:rPr>
-              <a:t>click</a:t>
-            </a:r>
-            <a:r>
-              <a:rPr lang="es-MX" dirty="0" smtClean="0">
-                <a:solidFill>
-                  <a:schemeClr val="tx1"/>
-                </a:solidFill>
-              </a:rPr>
-              <a:t> derecho </a:t>
-            </a:r>
-            <a:r>
-              <a:rPr lang="es-MX" dirty="0" err="1" smtClean="0">
-                <a:solidFill>
-                  <a:schemeClr val="tx1"/>
-                </a:solidFill>
-              </a:rPr>
-              <a:t>discard</a:t>
-            </a:r>
-            <a:r>
-              <a:rPr lang="es-MX" dirty="0" smtClean="0">
-                <a:solidFill>
-                  <a:schemeClr val="tx1"/>
-                </a:solidFill>
-              </a:rPr>
-              <a:t> para descartar cambios y </a:t>
-            </a:r>
-            <a:r>
-              <a:rPr lang="es-MX" dirty="0" err="1" smtClean="0">
-                <a:solidFill>
-                  <a:schemeClr val="tx1"/>
-                </a:solidFill>
-              </a:rPr>
-              <a:t>delete</a:t>
-            </a:r>
-            <a:r>
-              <a:rPr lang="es-MX" dirty="0" smtClean="0">
-                <a:solidFill>
-                  <a:schemeClr val="tx1"/>
-                </a:solidFill>
-              </a:rPr>
-              <a:t> para eliminar</a:t>
-            </a:r>
-            <a:endParaRPr lang="es-MX" dirty="0">
-              <a:solidFill>
-                <a:schemeClr val="tx1"/>
-              </a:solidFill>
-            </a:endParaRPr>
-          </a:p>
-        </p:txBody>
-      </p:sp>
+      <p:pic>
+        <p:nvPicPr>
+          <p:cNvPr id="6" name="5 Marcador de contenido"/>
+          <p:cNvPicPr>
+            <a:picLocks noGrp="1" noChangeAspect="1"/>
+          </p:cNvPicPr>
+          <p:nvPr>
+            <p:ph idx="1"/>
+          </p:nvPr>
+        </p:nvPicPr>
+        <p:blipFill rotWithShape="1">
+          <a:blip r:embed="rId2">
+            <a:extLst>
+              <a:ext uri="{28A0092B-C50C-407E-A947-70E740481C1C}">
+                <a14:useLocalDpi xmlns:a14="http://schemas.microsoft.com/office/drawing/2010/main" val="0"/>
+              </a:ext>
+            </a:extLst>
+          </a:blip>
+          <a:srcRect l="2672" t="2900" r="4833" b="11267"/>
+          <a:stretch/>
+        </p:blipFill>
+        <p:spPr>
+          <a:xfrm>
+            <a:off x="2138812" y="17172"/>
+            <a:ext cx="8795351" cy="6840828"/>
+          </a:xfrm>
+        </p:spPr>
+      </p:pic>
     </p:spTree>
     <p:extLst>
       <p:ext uri="{BB962C8B-B14F-4D97-AF65-F5344CB8AC3E}">
-        <p14:creationId xmlns:p14="http://schemas.microsoft.com/office/powerpoint/2010/main" val="1265142324"/>
+        <p14:creationId xmlns:p14="http://schemas.microsoft.com/office/powerpoint/2010/main" val="2147610890"/>
       </p:ext>
     </p:extLst>
   </p:cSld>
   <p:clrMapOvr>
     <a:masterClrMapping/>
   </p:clrMapOvr>
+  <p:timing>
+    <p:tnLst>
+      <p:par>
+        <p:cTn id="1" dur="indefinite" restart="never" nodeType="tmRoot"/>
+      </p:par>
+    </p:tnLst>
+  </p:timing>
+</p:sld>
+</file>
+
+<file path=ppt/slides/slide7.xml><?xml version="1.0" encoding="utf-8"?>
+<p:sld xmlns:a="http://schemas.openxmlformats.org/drawingml/2006/main" xmlns:r="http://schemas.openxmlformats.org/officeDocument/2006/relationships" xmlns:p="http://schemas.openxmlformats.org/presentationml/2006/main">
+  <p:cSld>
+    <p:spTree>
+      <p:nvGrpSpPr>
+        <p:cNvPr id="1" name=""/>
+        <p:cNvGrpSpPr/>
+        <p:nvPr/>
+      </p:nvGrpSpPr>
+      <p:grpSpPr>
+        <a:xfrm>
+          <a:off x="0" y="0"/>
+          <a:ext cx="0" cy="0"/>
+          <a:chOff x="0" y="0"/>
+          <a:chExt cx="0" cy="0"/>
+        </a:xfrm>
+      </p:grpSpPr>
+      <p:sp>
+        <p:nvSpPr>
+          <p:cNvPr id="6" name="5 Título"/>
+          <p:cNvSpPr>
+            <a:spLocks noGrp="1"/>
+          </p:cNvSpPr>
+          <p:nvPr>
+            <p:ph type="title"/>
+          </p:nvPr>
+        </p:nvSpPr>
+        <p:spPr>
+          <a:xfrm>
+            <a:off x="684213" y="685800"/>
+            <a:ext cx="10058400" cy="1786944"/>
+          </a:xfrm>
+        </p:spPr>
+        <p:txBody>
+          <a:bodyPr/>
+          <a:lstStyle/>
+          <a:p>
+            <a:pPr algn="ctr"/>
+            <a:r>
+              <a:rPr lang="es-MX" dirty="0" smtClean="0"/>
+              <a:t>Ventas</a:t>
+            </a:r>
+            <a:endParaRPr lang="es-MX" dirty="0"/>
+          </a:p>
+        </p:txBody>
+      </p:sp>
+      <p:sp>
+        <p:nvSpPr>
+          <p:cNvPr id="7" name="6 Marcador de texto"/>
+          <p:cNvSpPr>
+            <a:spLocks noGrp="1"/>
+          </p:cNvSpPr>
+          <p:nvPr>
+            <p:ph type="body" idx="1"/>
+          </p:nvPr>
+        </p:nvSpPr>
+        <p:spPr/>
+        <p:txBody>
+          <a:bodyPr>
+            <a:normAutofit lnSpcReduction="10000"/>
+          </a:bodyPr>
+          <a:lstStyle/>
+          <a:p>
+            <a:r>
+              <a:rPr lang="es-MX" dirty="0" smtClean="0">
+                <a:solidFill>
+                  <a:schemeClr val="tx1"/>
+                </a:solidFill>
+              </a:rPr>
+              <a:t>Este proceso comienza en el momento que un vendedor genera el levantamiento de requerimientos del proyecto hasta la validación del pago. Dentro de su trayecto surgen dos documentos de gran importancia(Estimación y Requerimientos) los cuales son almacenados en el repositorio principal de la empresa, en dicha etapa participan 4 roles (Administración, Ventas, Cliente y Líder de ventas) los cuales generaran las actividades descritas a continuación</a:t>
+            </a:r>
+          </a:p>
+        </p:txBody>
+      </p:sp>
+    </p:spTree>
+    <p:extLst>
+      <p:ext uri="{BB962C8B-B14F-4D97-AF65-F5344CB8AC3E}">
+        <p14:creationId xmlns:p14="http://schemas.microsoft.com/office/powerpoint/2010/main" val="4018505978"/>
+      </p:ext>
+    </p:extLst>
+  </p:cSld>
+  <p:clrMapOvr>
+    <a:masterClrMapping/>
+  </p:clrMapOvr>
+  <p:timing>
+    <p:tnLst>
+      <p:par>
+        <p:cTn id="1" dur="indefinite" restart="never" nodeType="tmRoot"/>
+      </p:par>
+    </p:tnLst>
+  </p:timing>
+</p:sld>
+</file>
+
+<file path=ppt/slides/slide8.xml><?xml version="1.0" encoding="utf-8"?>
+<p:sld xmlns:a="http://schemas.openxmlformats.org/drawingml/2006/main" xmlns:r="http://schemas.openxmlformats.org/officeDocument/2006/relationships" xmlns:p="http://schemas.openxmlformats.org/presentationml/2006/main">
+  <p:cSld>
+    <p:spTree>
+      <p:nvGrpSpPr>
+        <p:cNvPr id="1" name=""/>
+        <p:cNvGrpSpPr/>
+        <p:nvPr/>
+      </p:nvGrpSpPr>
+      <p:grpSpPr>
+        <a:xfrm>
+          <a:off x="0" y="0"/>
+          <a:ext cx="0" cy="0"/>
+          <a:chOff x="0" y="0"/>
+          <a:chExt cx="0" cy="0"/>
+        </a:xfrm>
+      </p:grpSpPr>
+      <p:sp>
+        <p:nvSpPr>
+          <p:cNvPr id="2" name="1 Título"/>
+          <p:cNvSpPr>
+            <a:spLocks noGrp="1"/>
+          </p:cNvSpPr>
+          <p:nvPr>
+            <p:ph type="title"/>
+          </p:nvPr>
+        </p:nvSpPr>
+        <p:spPr>
+          <a:xfrm>
+            <a:off x="684213" y="685800"/>
+            <a:ext cx="10058400" cy="782392"/>
+          </a:xfrm>
+        </p:spPr>
+        <p:txBody>
+          <a:bodyPr/>
+          <a:lstStyle/>
+          <a:p>
+            <a:pPr algn="ctr"/>
+            <a:r>
+              <a:rPr lang="es-MX" dirty="0" smtClean="0"/>
+              <a:t>Actividades a Realizar</a:t>
+            </a:r>
+            <a:endParaRPr lang="es-MX" dirty="0"/>
+          </a:p>
+        </p:txBody>
+      </p:sp>
+      <p:graphicFrame>
+        <p:nvGraphicFramePr>
+          <p:cNvPr id="4" name="3 Tabla"/>
+          <p:cNvGraphicFramePr>
+            <a:graphicFrameLocks noGrp="1"/>
+          </p:cNvGraphicFramePr>
+          <p:nvPr>
+            <p:extLst>
+              <p:ext uri="{D42A27DB-BD31-4B8C-83A1-F6EECF244321}">
+                <p14:modId xmlns:p14="http://schemas.microsoft.com/office/powerpoint/2010/main" val="4133979046"/>
+              </p:ext>
+            </p:extLst>
+          </p:nvPr>
+        </p:nvGraphicFramePr>
+        <p:xfrm>
+          <a:off x="0" y="1531035"/>
+          <a:ext cx="12192001" cy="4394200"/>
+        </p:xfrm>
+        <a:graphic>
+          <a:graphicData uri="http://schemas.openxmlformats.org/drawingml/2006/table">
+            <a:tbl>
+              <a:tblPr firstRow="1" bandRow="1">
+                <a:tableStyleId>{5C22544A-7EE6-4342-B048-85BDC9FD1C3A}</a:tableStyleId>
+              </a:tblPr>
+              <a:tblGrid>
+                <a:gridCol w="2305318"/>
+                <a:gridCol w="1803043"/>
+                <a:gridCol w="2086377"/>
+                <a:gridCol w="5997263"/>
+              </a:tblGrid>
+              <a:tr h="370840">
+                <a:tc>
+                  <a:txBody>
+                    <a:bodyPr/>
+                    <a:lstStyle/>
+                    <a:p>
+                      <a:r>
+                        <a:rPr lang="es-MX" dirty="0" smtClean="0"/>
+                        <a:t>Actividad</a:t>
+                      </a:r>
+                      <a:endParaRPr lang="es-MX" dirty="0"/>
+                    </a:p>
+                  </a:txBody>
+                  <a:tcPr/>
+                </a:tc>
+                <a:tc>
+                  <a:txBody>
+                    <a:bodyPr/>
+                    <a:lstStyle/>
+                    <a:p>
+                      <a:r>
+                        <a:rPr lang="es-MX" dirty="0" smtClean="0"/>
+                        <a:t>Responsable</a:t>
+                      </a:r>
+                      <a:endParaRPr lang="es-MX" dirty="0"/>
+                    </a:p>
+                  </a:txBody>
+                  <a:tcPr/>
+                </a:tc>
+                <a:tc>
+                  <a:txBody>
+                    <a:bodyPr/>
+                    <a:lstStyle/>
+                    <a:p>
+                      <a:r>
+                        <a:rPr lang="es-MX" dirty="0" smtClean="0"/>
+                        <a:t>Producto</a:t>
+                      </a:r>
+                      <a:r>
+                        <a:rPr lang="es-MX" baseline="0" dirty="0" smtClean="0"/>
+                        <a:t> </a:t>
+                      </a:r>
+                      <a:r>
+                        <a:rPr lang="es-MX" dirty="0" smtClean="0"/>
+                        <a:t>Salida</a:t>
+                      </a:r>
+                      <a:endParaRPr lang="es-MX" dirty="0"/>
+                    </a:p>
+                  </a:txBody>
+                  <a:tcPr/>
+                </a:tc>
+                <a:tc>
+                  <a:txBody>
+                    <a:bodyPr/>
+                    <a:lstStyle/>
+                    <a:p>
+                      <a:r>
+                        <a:rPr lang="es-MX" dirty="0" smtClean="0"/>
+                        <a:t>Descripción</a:t>
+                      </a:r>
+                      <a:endParaRPr lang="es-MX" dirty="0"/>
+                    </a:p>
+                  </a:txBody>
+                  <a:tcPr/>
+                </a:tc>
+              </a:tr>
+              <a:tr h="370840">
+                <a:tc>
+                  <a:txBody>
+                    <a:bodyPr/>
+                    <a:lstStyle/>
+                    <a:p>
+                      <a:r>
+                        <a:rPr lang="es-MX" dirty="0" smtClean="0"/>
+                        <a:t>Analizar</a:t>
+                      </a:r>
+                      <a:r>
+                        <a:rPr lang="es-MX" baseline="0" dirty="0" smtClean="0"/>
+                        <a:t> e identificar requerimientos</a:t>
+                      </a:r>
+                      <a:endParaRPr lang="es-MX" dirty="0"/>
+                    </a:p>
+                  </a:txBody>
+                  <a:tcPr/>
+                </a:tc>
+                <a:tc>
+                  <a:txBody>
+                    <a:bodyPr/>
+                    <a:lstStyle/>
+                    <a:p>
+                      <a:r>
+                        <a:rPr lang="es-MX" dirty="0" smtClean="0"/>
+                        <a:t>Vendedor</a:t>
+                      </a:r>
+                      <a:endParaRPr lang="es-MX" dirty="0"/>
+                    </a:p>
+                  </a:txBody>
+                  <a:tcPr/>
+                </a:tc>
+                <a:tc>
+                  <a:txBody>
+                    <a:bodyPr/>
+                    <a:lstStyle/>
+                    <a:p>
+                      <a:r>
+                        <a:rPr lang="es-MX" dirty="0" smtClean="0"/>
+                        <a:t>Requerimientos</a:t>
+                      </a:r>
+                      <a:endParaRPr lang="es-MX" dirty="0"/>
+                    </a:p>
+                  </a:txBody>
+                  <a:tcPr/>
+                </a:tc>
+                <a:tc>
+                  <a:txBody>
+                    <a:bodyPr/>
+                    <a:lstStyle/>
+                    <a:p>
+                      <a:r>
+                        <a:rPr lang="es-MX" dirty="0" smtClean="0"/>
+                        <a:t>El</a:t>
+                      </a:r>
+                      <a:r>
+                        <a:rPr lang="es-MX" baseline="0" dirty="0" smtClean="0"/>
+                        <a:t> Vendedor genera el documento de requerimientos a partir de lo que el cliente solicita.</a:t>
+                      </a:r>
+                      <a:endParaRPr lang="es-MX" dirty="0"/>
+                    </a:p>
+                  </a:txBody>
+                  <a:tcPr/>
+                </a:tc>
+              </a:tr>
+              <a:tr h="370840">
+                <a:tc>
+                  <a:txBody>
+                    <a:bodyPr/>
+                    <a:lstStyle/>
+                    <a:p>
+                      <a:r>
+                        <a:rPr lang="es-MX" dirty="0" smtClean="0"/>
+                        <a:t>Cotizar con proveedor</a:t>
+                      </a:r>
+                      <a:endParaRPr lang="es-MX" dirty="0"/>
+                    </a:p>
+                  </a:txBody>
+                  <a:tcPr/>
+                </a:tc>
+                <a:tc>
+                  <a:txBody>
+                    <a:bodyPr/>
+                    <a:lstStyle/>
+                    <a:p>
+                      <a:r>
+                        <a:rPr lang="es-MX" dirty="0" smtClean="0"/>
+                        <a:t>Administración</a:t>
+                      </a:r>
+                      <a:endParaRPr lang="es-MX" dirty="0"/>
+                    </a:p>
+                  </a:txBody>
+                  <a:tcPr/>
+                </a:tc>
+                <a:tc>
+                  <a:txBody>
+                    <a:bodyPr/>
+                    <a:lstStyle/>
+                    <a:p>
+                      <a:r>
+                        <a:rPr lang="es-MX" dirty="0" smtClean="0"/>
+                        <a:t>Cotización</a:t>
+                      </a:r>
+                      <a:r>
+                        <a:rPr lang="es-MX" baseline="0" dirty="0" smtClean="0"/>
+                        <a:t> con proveedor</a:t>
+                      </a:r>
+                      <a:endParaRPr lang="es-MX" dirty="0"/>
+                    </a:p>
+                  </a:txBody>
+                  <a:tcPr/>
+                </a:tc>
+                <a:tc>
+                  <a:txBody>
+                    <a:bodyPr/>
+                    <a:lstStyle/>
+                    <a:p>
+                      <a:r>
+                        <a:rPr lang="es-MX" dirty="0" smtClean="0"/>
+                        <a:t>En</a:t>
+                      </a:r>
+                      <a:r>
+                        <a:rPr lang="es-MX" baseline="0" dirty="0" smtClean="0"/>
+                        <a:t> caso de no contar con productos/servicios requeridos se realiza una cotización de dicho elemento requerido.</a:t>
+                      </a:r>
+                      <a:endParaRPr lang="es-MX" dirty="0"/>
+                    </a:p>
+                  </a:txBody>
+                  <a:tcPr/>
+                </a:tc>
+              </a:tr>
+              <a:tr h="370840">
+                <a:tc>
+                  <a:txBody>
+                    <a:bodyPr/>
+                    <a:lstStyle/>
+                    <a:p>
+                      <a:r>
+                        <a:rPr lang="es-MX" dirty="0" smtClean="0"/>
+                        <a:t>Captura</a:t>
+                      </a:r>
+                      <a:r>
+                        <a:rPr lang="es-MX" baseline="0" dirty="0" smtClean="0"/>
+                        <a:t> de producto en catalogo</a:t>
+                      </a:r>
+                      <a:endParaRPr lang="es-MX" dirty="0"/>
+                    </a:p>
+                  </a:txBody>
+                  <a:tcPr/>
+                </a:tc>
+                <a:tc>
+                  <a:txBody>
+                    <a:bodyPr/>
+                    <a:lstStyle/>
+                    <a:p>
+                      <a:r>
+                        <a:rPr lang="es-MX" dirty="0" smtClean="0"/>
+                        <a:t>Administración</a:t>
+                      </a:r>
+                      <a:endParaRPr lang="es-MX" dirty="0"/>
+                    </a:p>
+                  </a:txBody>
+                  <a:tcPr/>
+                </a:tc>
+                <a:tc>
+                  <a:txBody>
+                    <a:bodyPr/>
+                    <a:lstStyle/>
+                    <a:p>
+                      <a:r>
+                        <a:rPr lang="es-MX" dirty="0" smtClean="0"/>
+                        <a:t>Catalogo</a:t>
+                      </a:r>
+                      <a:r>
+                        <a:rPr lang="es-MX" baseline="0" dirty="0" smtClean="0"/>
+                        <a:t> de productos actualizado</a:t>
+                      </a:r>
+                      <a:endParaRPr lang="es-MX" dirty="0"/>
+                    </a:p>
+                  </a:txBody>
+                  <a:tcPr/>
+                </a:tc>
+                <a:tc>
+                  <a:txBody>
+                    <a:bodyPr/>
+                    <a:lstStyle/>
+                    <a:p>
+                      <a:r>
+                        <a:rPr lang="es-MX" dirty="0" smtClean="0"/>
+                        <a:t>Tras</a:t>
+                      </a:r>
+                      <a:r>
+                        <a:rPr lang="es-MX" baseline="0" dirty="0" smtClean="0"/>
+                        <a:t> la adquisición del nuevo elemento se deberá almacenar dicha información dentro de Bitrix como un elemento del catalogo.</a:t>
+                      </a:r>
+                      <a:endParaRPr lang="es-MX" dirty="0"/>
+                    </a:p>
+                  </a:txBody>
+                  <a:tcPr/>
+                </a:tc>
+              </a:tr>
+              <a:tr h="370840">
+                <a:tc>
+                  <a:txBody>
+                    <a:bodyPr/>
+                    <a:lstStyle/>
+                    <a:p>
+                      <a:r>
+                        <a:rPr lang="es-MX" dirty="0" smtClean="0"/>
+                        <a:t>Generar</a:t>
+                      </a:r>
+                      <a:r>
+                        <a:rPr lang="es-MX" baseline="0" dirty="0" smtClean="0"/>
+                        <a:t> Estimación</a:t>
+                      </a:r>
+                      <a:endParaRPr lang="es-MX" dirty="0"/>
+                    </a:p>
+                  </a:txBody>
+                  <a:tcPr/>
+                </a:tc>
+                <a:tc>
+                  <a:txBody>
+                    <a:bodyPr/>
+                    <a:lstStyle/>
+                    <a:p>
+                      <a:r>
+                        <a:rPr lang="es-MX" dirty="0" smtClean="0"/>
+                        <a:t>Líder</a:t>
+                      </a:r>
+                      <a:r>
+                        <a:rPr lang="es-MX" baseline="0" dirty="0" smtClean="0"/>
+                        <a:t> de ventas</a:t>
+                      </a:r>
+                      <a:endParaRPr lang="es-MX" dirty="0"/>
+                    </a:p>
+                  </a:txBody>
+                  <a:tcPr/>
+                </a:tc>
+                <a:tc>
+                  <a:txBody>
+                    <a:bodyPr/>
+                    <a:lstStyle/>
+                    <a:p>
+                      <a:r>
+                        <a:rPr lang="es-MX" dirty="0" smtClean="0"/>
+                        <a:t>Estimación</a:t>
+                      </a:r>
+                      <a:endParaRPr lang="es-MX" dirty="0"/>
+                    </a:p>
+                  </a:txBody>
+                  <a:tcPr/>
+                </a:tc>
+                <a:tc>
+                  <a:txBody>
+                    <a:bodyPr/>
+                    <a:lstStyle/>
+                    <a:p>
+                      <a:r>
+                        <a:rPr lang="es-MX" dirty="0" smtClean="0"/>
+                        <a:t>Basándose en el esfuerzo</a:t>
+                      </a:r>
+                      <a:r>
+                        <a:rPr lang="es-MX" baseline="0" dirty="0" smtClean="0"/>
+                        <a:t> y recursos requeridos por el cliente se deberá generar la estimación del proyecto para determinar el valor monetario del proyecto</a:t>
+                      </a:r>
+                      <a:endParaRPr lang="es-MX" dirty="0"/>
+                    </a:p>
+                  </a:txBody>
+                  <a:tcPr/>
+                </a:tc>
+              </a:tr>
+              <a:tr h="370840">
+                <a:tc>
+                  <a:txBody>
+                    <a:bodyPr/>
+                    <a:lstStyle/>
+                    <a:p>
+                      <a:r>
+                        <a:rPr lang="es-MX" dirty="0" smtClean="0"/>
+                        <a:t>Captura</a:t>
+                      </a:r>
+                      <a:r>
+                        <a:rPr lang="es-MX" baseline="0" dirty="0" smtClean="0"/>
+                        <a:t> de servicios/productos</a:t>
+                      </a:r>
+                      <a:endParaRPr lang="es-MX" dirty="0"/>
+                    </a:p>
+                  </a:txBody>
+                  <a:tcPr/>
+                </a:tc>
+                <a:tc>
+                  <a:txBody>
+                    <a:bodyPr/>
+                    <a:lstStyle/>
+                    <a:p>
+                      <a:r>
+                        <a:rPr lang="es-MX" dirty="0" smtClean="0"/>
+                        <a:t>Vendedor</a:t>
+                      </a:r>
+                      <a:endParaRPr lang="es-MX" dirty="0"/>
+                    </a:p>
+                  </a:txBody>
+                  <a:tcPr/>
+                </a:tc>
+                <a:tc>
+                  <a:txBody>
+                    <a:bodyPr/>
+                    <a:lstStyle/>
+                    <a:p>
+                      <a:r>
+                        <a:rPr lang="es-MX" dirty="0" err="1" smtClean="0"/>
+                        <a:t>Deal</a:t>
+                      </a:r>
+                      <a:endParaRPr lang="es-MX" dirty="0"/>
+                    </a:p>
+                  </a:txBody>
+                  <a:tcPr/>
+                </a:tc>
+                <a:tc>
+                  <a:txBody>
+                    <a:bodyPr/>
+                    <a:lstStyle/>
+                    <a:p>
+                      <a:r>
+                        <a:rPr lang="es-MX" dirty="0" smtClean="0"/>
+                        <a:t>Consiste en capturar todos los productos que fueron</a:t>
+                      </a:r>
+                      <a:r>
+                        <a:rPr lang="es-MX" baseline="0" dirty="0" smtClean="0"/>
+                        <a:t> registrados en el documento de requerimientos(esta información pertenece al </a:t>
+                      </a:r>
+                      <a:r>
+                        <a:rPr lang="es-MX" baseline="0" dirty="0" err="1" smtClean="0"/>
+                        <a:t>Deal</a:t>
+                      </a:r>
+                      <a:r>
+                        <a:rPr lang="es-MX" baseline="0" dirty="0" smtClean="0"/>
+                        <a:t> del cliente). </a:t>
+                      </a:r>
+                      <a:endParaRPr lang="es-MX" dirty="0"/>
+                    </a:p>
+                  </a:txBody>
+                  <a:tcPr/>
+                </a:tc>
+              </a:tr>
+            </a:tbl>
+          </a:graphicData>
+        </a:graphic>
+      </p:graphicFrame>
+    </p:spTree>
+    <p:extLst>
+      <p:ext uri="{BB962C8B-B14F-4D97-AF65-F5344CB8AC3E}">
+        <p14:creationId xmlns:p14="http://schemas.microsoft.com/office/powerpoint/2010/main" val="382026059"/>
+      </p:ext>
+    </p:extLst>
+  </p:cSld>
+  <p:clrMapOvr>
+    <a:masterClrMapping/>
+  </p:clrMapOvr>
+  <p:timing>
+    <p:tnLst>
+      <p:par>
+        <p:cTn id="1" dur="indefinite" restart="never" nodeType="tmRoot"/>
+      </p:par>
+    </p:tnLst>
+  </p:timing>
+</p:sld>
+</file>
+
+<file path=ppt/slides/slide9.xml><?xml version="1.0" encoding="utf-8"?>
+<p:sld xmlns:a="http://schemas.openxmlformats.org/drawingml/2006/main" xmlns:r="http://schemas.openxmlformats.org/officeDocument/2006/relationships" xmlns:p="http://schemas.openxmlformats.org/presentationml/2006/main">
+  <p:cSld>
+    <p:spTree>
+      <p:nvGrpSpPr>
+        <p:cNvPr id="1" name=""/>
+        <p:cNvGrpSpPr/>
+        <p:nvPr/>
+      </p:nvGrpSpPr>
+      <p:grpSpPr>
+        <a:xfrm>
+          <a:off x="0" y="0"/>
+          <a:ext cx="0" cy="0"/>
+          <a:chOff x="0" y="0"/>
+          <a:chExt cx="0" cy="0"/>
+        </a:xfrm>
+      </p:grpSpPr>
+      <p:graphicFrame>
+        <p:nvGraphicFramePr>
+          <p:cNvPr id="4" name="3 Tabla"/>
+          <p:cNvGraphicFramePr>
+            <a:graphicFrameLocks noGrp="1"/>
+          </p:cNvGraphicFramePr>
+          <p:nvPr>
+            <p:extLst>
+              <p:ext uri="{D42A27DB-BD31-4B8C-83A1-F6EECF244321}">
+                <p14:modId xmlns:p14="http://schemas.microsoft.com/office/powerpoint/2010/main" val="3758992779"/>
+              </p:ext>
+            </p:extLst>
+          </p:nvPr>
+        </p:nvGraphicFramePr>
+        <p:xfrm>
+          <a:off x="180302" y="656822"/>
+          <a:ext cx="11758412" cy="3729266"/>
+        </p:xfrm>
+        <a:graphic>
+          <a:graphicData uri="http://schemas.openxmlformats.org/drawingml/2006/table">
+            <a:tbl>
+              <a:tblPr firstRow="1" bandRow="1">
+                <a:tableStyleId>{5C22544A-7EE6-4342-B048-85BDC9FD1C3A}</a:tableStyleId>
+              </a:tblPr>
+              <a:tblGrid>
+                <a:gridCol w="2939603"/>
+                <a:gridCol w="1825582"/>
+                <a:gridCol w="3232598"/>
+                <a:gridCol w="3760629"/>
+              </a:tblGrid>
+              <a:tr h="487006">
+                <a:tc>
+                  <a:txBody>
+                    <a:bodyPr/>
+                    <a:lstStyle/>
+                    <a:p>
+                      <a:r>
+                        <a:rPr lang="es-MX" dirty="0" smtClean="0"/>
+                        <a:t>Actividad</a:t>
+                      </a:r>
+                      <a:endParaRPr lang="es-MX" dirty="0"/>
+                    </a:p>
+                  </a:txBody>
+                  <a:tcPr/>
+                </a:tc>
+                <a:tc>
+                  <a:txBody>
+                    <a:bodyPr/>
+                    <a:lstStyle/>
+                    <a:p>
+                      <a:r>
+                        <a:rPr lang="es-MX" dirty="0" smtClean="0"/>
+                        <a:t>Responsable</a:t>
+                      </a:r>
+                      <a:endParaRPr lang="es-MX" dirty="0"/>
+                    </a:p>
+                  </a:txBody>
+                  <a:tcPr/>
+                </a:tc>
+                <a:tc>
+                  <a:txBody>
+                    <a:bodyPr/>
+                    <a:lstStyle/>
+                    <a:p>
+                      <a:r>
+                        <a:rPr lang="es-MX" dirty="0" smtClean="0"/>
+                        <a:t>Producto</a:t>
+                      </a:r>
+                      <a:r>
+                        <a:rPr lang="es-MX" baseline="0" dirty="0" smtClean="0"/>
+                        <a:t> </a:t>
+                      </a:r>
+                      <a:r>
+                        <a:rPr lang="es-MX" dirty="0" smtClean="0"/>
+                        <a:t>Salida</a:t>
+                      </a:r>
+                      <a:endParaRPr lang="es-MX" dirty="0"/>
+                    </a:p>
+                  </a:txBody>
+                  <a:tcPr/>
+                </a:tc>
+                <a:tc>
+                  <a:txBody>
+                    <a:bodyPr/>
+                    <a:lstStyle/>
+                    <a:p>
+                      <a:r>
+                        <a:rPr lang="es-MX" dirty="0" smtClean="0"/>
+                        <a:t>Descripción</a:t>
+                      </a:r>
+                      <a:endParaRPr lang="es-MX" dirty="0"/>
+                    </a:p>
+                  </a:txBody>
+                  <a:tcPr/>
+                </a:tc>
+              </a:tr>
+              <a:tr h="840586">
+                <a:tc>
+                  <a:txBody>
+                    <a:bodyPr/>
+                    <a:lstStyle/>
+                    <a:p>
+                      <a:r>
+                        <a:rPr lang="es-MX" dirty="0" smtClean="0"/>
+                        <a:t>Generar</a:t>
+                      </a:r>
+                      <a:r>
+                        <a:rPr lang="es-MX" baseline="0" dirty="0" smtClean="0"/>
+                        <a:t> cotización</a:t>
+                      </a:r>
+                      <a:endParaRPr lang="es-MX" dirty="0"/>
+                    </a:p>
+                  </a:txBody>
+                  <a:tcPr/>
+                </a:tc>
+                <a:tc>
+                  <a:txBody>
+                    <a:bodyPr/>
+                    <a:lstStyle/>
+                    <a:p>
+                      <a:r>
+                        <a:rPr lang="es-MX" dirty="0" smtClean="0"/>
+                        <a:t>Vendedor</a:t>
+                      </a:r>
+                      <a:endParaRPr lang="es-MX" dirty="0"/>
+                    </a:p>
+                  </a:txBody>
+                  <a:tcPr/>
+                </a:tc>
+                <a:tc>
+                  <a:txBody>
+                    <a:bodyPr/>
+                    <a:lstStyle/>
+                    <a:p>
+                      <a:r>
+                        <a:rPr lang="es-MX" dirty="0" smtClean="0"/>
+                        <a:t>Cotización</a:t>
+                      </a:r>
+                      <a:endParaRPr lang="es-MX" dirty="0"/>
+                    </a:p>
+                  </a:txBody>
+                  <a:tcPr/>
+                </a:tc>
+                <a:tc>
+                  <a:txBody>
+                    <a:bodyPr/>
+                    <a:lstStyle/>
+                    <a:p>
+                      <a:r>
+                        <a:rPr lang="es-MX" dirty="0" smtClean="0"/>
+                        <a:t>Registrar</a:t>
+                      </a:r>
+                      <a:r>
+                        <a:rPr lang="es-MX" baseline="0" dirty="0" smtClean="0"/>
+                        <a:t> el valor de la estimación dentro del </a:t>
+                      </a:r>
+                      <a:r>
+                        <a:rPr lang="es-MX" baseline="0" dirty="0" err="1" smtClean="0"/>
+                        <a:t>Deal</a:t>
+                      </a:r>
+                      <a:r>
+                        <a:rPr lang="es-MX" baseline="0" dirty="0" smtClean="0"/>
+                        <a:t> en sección </a:t>
+                      </a:r>
+                      <a:r>
+                        <a:rPr lang="es-MX" baseline="0" dirty="0" err="1" smtClean="0"/>
+                        <a:t>quotes</a:t>
+                      </a:r>
+                      <a:r>
+                        <a:rPr lang="es-MX" baseline="0" dirty="0" smtClean="0"/>
+                        <a:t>.</a:t>
+                      </a:r>
+                      <a:endParaRPr lang="es-MX" dirty="0"/>
+                    </a:p>
+                  </a:txBody>
+                  <a:tcPr/>
+                </a:tc>
+              </a:tr>
+              <a:tr h="1200837">
+                <a:tc>
+                  <a:txBody>
+                    <a:bodyPr/>
+                    <a:lstStyle/>
+                    <a:p>
+                      <a:r>
+                        <a:rPr lang="es-MX" dirty="0" smtClean="0"/>
+                        <a:t>Enviar</a:t>
+                      </a:r>
+                      <a:r>
+                        <a:rPr lang="es-MX" baseline="0" dirty="0" smtClean="0"/>
+                        <a:t> cotización al cliente</a:t>
+                      </a:r>
+                      <a:endParaRPr lang="es-MX" dirty="0"/>
+                    </a:p>
+                  </a:txBody>
+                  <a:tcPr/>
+                </a:tc>
+                <a:tc>
+                  <a:txBody>
+                    <a:bodyPr/>
+                    <a:lstStyle/>
+                    <a:p>
+                      <a:r>
+                        <a:rPr lang="es-MX" dirty="0" smtClean="0"/>
+                        <a:t>Vendedor</a:t>
+                      </a:r>
+                      <a:endParaRPr lang="es-MX" dirty="0"/>
+                    </a:p>
+                  </a:txBody>
+                  <a:tcPr/>
+                </a:tc>
+                <a:tc>
+                  <a:txBody>
+                    <a:bodyPr/>
+                    <a:lstStyle/>
+                    <a:p>
+                      <a:r>
+                        <a:rPr lang="es-MX" dirty="0" smtClean="0"/>
+                        <a:t>Correo de cotización</a:t>
+                      </a:r>
+                      <a:endParaRPr lang="es-MX" dirty="0"/>
+                    </a:p>
+                  </a:txBody>
+                  <a:tcPr/>
+                </a:tc>
+                <a:tc>
+                  <a:txBody>
+                    <a:bodyPr/>
+                    <a:lstStyle/>
+                    <a:p>
+                      <a:r>
+                        <a:rPr lang="es-MX" dirty="0" smtClean="0"/>
+                        <a:t>Tras</a:t>
+                      </a:r>
+                      <a:r>
+                        <a:rPr lang="es-MX" baseline="0" dirty="0" smtClean="0"/>
+                        <a:t> el registro de la cotización se enviará el correo al cliente correspondiente usando el botón </a:t>
+                      </a:r>
+                      <a:r>
+                        <a:rPr lang="es-MX" baseline="0" dirty="0" err="1" smtClean="0"/>
+                        <a:t>Send</a:t>
+                      </a:r>
+                      <a:r>
+                        <a:rPr lang="es-MX" baseline="0" dirty="0" smtClean="0"/>
+                        <a:t>.</a:t>
+                      </a:r>
+                      <a:endParaRPr lang="es-MX" dirty="0"/>
+                    </a:p>
+                  </a:txBody>
+                  <a:tcPr/>
+                </a:tc>
+              </a:tr>
+              <a:tr h="1200837">
+                <a:tc>
+                  <a:txBody>
+                    <a:bodyPr/>
+                    <a:lstStyle/>
+                    <a:p>
+                      <a:r>
+                        <a:rPr lang="es-MX" dirty="0" smtClean="0"/>
+                        <a:t>Verificar</a:t>
+                      </a:r>
+                      <a:r>
+                        <a:rPr lang="es-MX" baseline="0" dirty="0" smtClean="0"/>
+                        <a:t> el pago de cliente</a:t>
+                      </a:r>
+                      <a:endParaRPr lang="es-MX" dirty="0"/>
+                    </a:p>
+                  </a:txBody>
+                  <a:tcPr/>
+                </a:tc>
+                <a:tc>
+                  <a:txBody>
+                    <a:bodyPr/>
+                    <a:lstStyle/>
+                    <a:p>
+                      <a:r>
+                        <a:rPr lang="es-MX" dirty="0" smtClean="0"/>
+                        <a:t>Vendedor</a:t>
+                      </a:r>
+                    </a:p>
+                    <a:p>
+                      <a:endParaRPr lang="es-MX" dirty="0"/>
+                    </a:p>
+                  </a:txBody>
+                  <a:tcPr/>
+                </a:tc>
+                <a:tc>
+                  <a:txBody>
+                    <a:bodyPr/>
+                    <a:lstStyle/>
+                    <a:p>
+                      <a:r>
+                        <a:rPr lang="es-MX" dirty="0" smtClean="0"/>
+                        <a:t>Comprobante</a:t>
+                      </a:r>
+                      <a:r>
+                        <a:rPr lang="es-MX" baseline="0" dirty="0" smtClean="0"/>
+                        <a:t> de pago</a:t>
+                      </a:r>
+                      <a:endParaRPr lang="es-MX" dirty="0"/>
+                    </a:p>
+                  </a:txBody>
+                  <a:tcPr/>
+                </a:tc>
+                <a:tc>
+                  <a:txBody>
+                    <a:bodyPr/>
+                    <a:lstStyle/>
+                    <a:p>
+                      <a:r>
+                        <a:rPr lang="es-MX" dirty="0" smtClean="0"/>
+                        <a:t>Antes</a:t>
+                      </a:r>
+                      <a:r>
+                        <a:rPr lang="es-MX" baseline="0" dirty="0" smtClean="0"/>
+                        <a:t> de proceder el vendedor valida y almacena el comprobante enviado por el cliente.</a:t>
+                      </a:r>
+                      <a:endParaRPr lang="es-MX" dirty="0"/>
+                    </a:p>
+                  </a:txBody>
+                  <a:tcPr/>
+                </a:tc>
+              </a:tr>
+            </a:tbl>
+          </a:graphicData>
+        </a:graphic>
+      </p:graphicFrame>
+    </p:spTree>
+    <p:extLst>
+      <p:ext uri="{BB962C8B-B14F-4D97-AF65-F5344CB8AC3E}">
+        <p14:creationId xmlns:p14="http://schemas.microsoft.com/office/powerpoint/2010/main" val="3427930330"/>
+      </p:ext>
+    </p:extLst>
+  </p:cSld>
+  <p:clrMapOvr>
+    <a:masterClrMapping/>
+  </p:clrMapOvr>
+  <p:timing>
+    <p:tnLst>
+      <p:par>
+        <p:cTn id="1" dur="indefinite" restart="never" nodeType="tmRoot"/>
+      </p:par>
+    </p:tnLst>
+  </p:timing>
 </p:sld>
 </file>
 
 <file path=ppt/theme/theme1.xml><?xml version="1.0" encoding="utf-8"?>
-<a:theme xmlns:a="http://schemas.openxmlformats.org/drawingml/2006/main" name="Sector">
+<a:theme xmlns:a="http://schemas.openxmlformats.org/drawingml/2006/main" name="NewsPrint">
   <a:themeElements>
-    <a:clrScheme name="Slice">
+    <a:clrScheme name="NewsPrint">
       <a:dk1>
         <a:sysClr val="windowText" lastClr="000000"/>
       </a:dk1>
@@ -6141,52 +7529,52 @@
         <a:sysClr val="window" lastClr="FFFFFF"/>
       </a:lt1>
       <a:dk2>
-        <a:srgbClr val="146194"/>
+        <a:srgbClr val="303030"/>
       </a:dk2>
       <a:lt2>
-        <a:srgbClr val="76DBF4"/>
+        <a:srgbClr val="DEDEE0"/>
       </a:lt2>
       <a:accent1>
-        <a:srgbClr val="052F61"/>
+        <a:srgbClr val="AD0101"/>
       </a:accent1>
       <a:accent2>
-        <a:srgbClr val="A50E82"/>
+        <a:srgbClr val="726056"/>
       </a:accent2>
       <a:accent3>
-        <a:srgbClr val="14967C"/>
+        <a:srgbClr val="AC956E"/>
       </a:accent3>
       <a:accent4>
-        <a:srgbClr val="6A9E1F"/>
+        <a:srgbClr val="808DA9"/>
       </a:accent4>
       <a:accent5>
-        <a:srgbClr val="E87D37"/>
+        <a:srgbClr val="424E5B"/>
       </a:accent5>
       <a:accent6>
-        <a:srgbClr val="C62324"/>
+        <a:srgbClr val="730E00"/>
       </a:accent6>
       <a:hlink>
-        <a:srgbClr val="0D2E46"/>
+        <a:srgbClr val="D26900"/>
       </a:hlink>
       <a:folHlink>
-        <a:srgbClr val="356A95"/>
+        <a:srgbClr val="D89243"/>
       </a:folHlink>
     </a:clrScheme>
-    <a:fontScheme name="Slice">
+    <a:fontScheme name="NewsPrint">
       <a:majorFont>
-        <a:latin typeface="Century Gothic" panose="020B0502020202020204"/>
+        <a:latin typeface="Impact"/>
         <a:ea typeface=""/>
         <a:cs typeface=""/>
-        <a:font script="Jpan" typeface="メイリオ"/>
-        <a:font script="Hang" typeface="HY중고딕"/>
-        <a:font script="Hans" typeface="幼圆"/>
+        <a:font script="Jpan" typeface="HGP創英角ｺﾞｼｯｸUB"/>
+        <a:font script="Hang" typeface="HY견고딕"/>
+        <a:font script="Hans" typeface="微软雅黑"/>
         <a:font script="Hant" typeface="微軟正黑體"/>
         <a:font script="Arab" typeface="Tahoma"/>
-        <a:font script="Hebr" typeface="Gisha"/>
-        <a:font script="Thai" typeface="DilleniaUPC"/>
+        <a:font script="Hebr" typeface="Tohoma"/>
+        <a:font script="Thai" typeface="Tahoma"/>
         <a:font script="Ethi" typeface="Nyala"/>
         <a:font script="Beng" typeface="Vrinda"/>
         <a:font script="Gujr" typeface="Shruti"/>
-        <a:font script="Khmr" typeface="DaunPenh"/>
+        <a:font script="Khmr" typeface="MoolBoran"/>
         <a:font script="Knda" typeface="Tunga"/>
         <a:font script="Guru" typeface="Raavi"/>
         <a:font script="Cans" typeface="Euphemia"/>
@@ -6203,25 +7591,25 @@
         <a:font script="Laoo" typeface="DokChampa"/>
         <a:font script="Sinh" typeface="Iskoola Pota"/>
         <a:font script="Mong" typeface="Mongolian Baiti"/>
-        <a:font script="Viet" typeface="Tahoma"/>
+        <a:font script="Viet" typeface="Times New Roman"/>
         <a:font script="Uigh" typeface="Microsoft Uighur"/>
         <a:font script="Geor" typeface="Sylfaen"/>
       </a:majorFont>
       <a:minorFont>
-        <a:latin typeface="Century Gothic" panose="020B0502020202020204"/>
+        <a:latin typeface="Times New Roman"/>
         <a:ea typeface=""/>
         <a:cs typeface=""/>
-        <a:font script="Jpan" typeface="メイリオ"/>
-        <a:font script="Hang" typeface="HY중고딕"/>
-        <a:font script="Hans" typeface="幼圆"/>
-        <a:font script="Hant" typeface="微軟正黑體"/>
-        <a:font script="Arab" typeface="Tahoma"/>
-        <a:font script="Hebr" typeface="Gisha"/>
-        <a:font script="Thai" typeface="DilleniaUPC"/>
+        <a:font script="Jpan" typeface="ＭＳ Ｐ明朝"/>
+        <a:font script="Hang" typeface="바탕"/>
+        <a:font script="Hans" typeface="宋体"/>
+        <a:font script="Hant" typeface="新細明體"/>
+        <a:font script="Arab" typeface="Times New Roman"/>
+        <a:font script="Hebr" typeface="Times New Roman"/>
+        <a:font script="Thai" typeface="Angsana New"/>
         <a:font script="Ethi" typeface="Nyala"/>
         <a:font script="Beng" typeface="Vrinda"/>
         <a:font script="Gujr" typeface="Shruti"/>
-        <a:font script="Khmr" typeface="DaunPenh"/>
+        <a:font script="Khmr" typeface="MoolBoran"/>
         <a:font script="Knda" typeface="Tunga"/>
         <a:font script="Guru" typeface="Raavi"/>
         <a:font script="Cans" typeface="Euphemia"/>
@@ -6238,12 +7626,12 @@
         <a:font script="Laoo" typeface="DokChampa"/>
         <a:font script="Sinh" typeface="Iskoola Pota"/>
         <a:font script="Mong" typeface="Mongolian Baiti"/>
-        <a:font script="Viet" typeface="Tahoma"/>
+        <a:font script="Viet" typeface="Times New Roman"/>
         <a:font script="Uigh" typeface="Microsoft Uighur"/>
         <a:font script="Geor" typeface="Sylfaen"/>
       </a:minorFont>
     </a:fontScheme>
-    <a:fmtScheme name="Slice">
+    <a:fmtScheme name="NewsPrint">
       <a:fillStyleLst>
         <a:solidFill>
           <a:schemeClr val="phClr"/>
@@ -6252,61 +7640,69 @@
           <a:gsLst>
             <a:gs pos="0">
               <a:schemeClr val="phClr">
-                <a:tint val="62000"/>
-                <a:hueMod val="94000"/>
-                <a:satMod val="140000"/>
-                <a:lumMod val="110000"/>
+                <a:tint val="37000"/>
+                <a:hueMod val="100000"/>
+                <a:satMod val="200000"/>
+                <a:lumMod val="88000"/>
               </a:schemeClr>
             </a:gs>
             <a:gs pos="100000">
               <a:schemeClr val="phClr">
-                <a:tint val="84000"/>
-                <a:satMod val="160000"/>
+                <a:tint val="53000"/>
+                <a:shade val="100000"/>
+                <a:hueMod val="100000"/>
+                <a:satMod val="350000"/>
+                <a:lumMod val="79000"/>
               </a:schemeClr>
             </a:gs>
           </a:gsLst>
-          <a:lin ang="5400000" scaled="0"/>
+          <a:lin ang="5400000" scaled="1"/>
         </a:gradFill>
         <a:gradFill rotWithShape="1">
           <a:gsLst>
             <a:gs pos="0">
               <a:schemeClr val="phClr">
-                <a:tint val="98000"/>
-                <a:hueMod val="94000"/>
-                <a:satMod val="130000"/>
-                <a:lumMod val="128000"/>
+                <a:tint val="83000"/>
+                <a:shade val="100000"/>
+                <a:alpha val="100000"/>
+                <a:hueMod val="100000"/>
+                <a:satMod val="220000"/>
+                <a:lumMod val="90000"/>
+              </a:schemeClr>
+            </a:gs>
+            <a:gs pos="76000">
+              <a:schemeClr val="phClr">
+                <a:shade val="100000"/>
               </a:schemeClr>
             </a:gs>
             <a:gs pos="100000">
               <a:schemeClr val="phClr">
-                <a:shade val="94000"/>
-                <a:lumMod val="88000"/>
+                <a:shade val="93000"/>
+                <a:alpha val="100000"/>
+                <a:satMod val="100000"/>
+                <a:lumMod val="93000"/>
               </a:schemeClr>
             </a:gs>
           </a:gsLst>
-          <a:lin ang="5400000" scaled="0"/>
+          <a:path path="circle">
+            <a:fillToRect l="15000" t="15000" r="100000" b="100000"/>
+          </a:path>
         </a:gradFill>
       </a:fillStyleLst>
       <a:lnStyleLst>
-        <a:ln w="9525" cap="rnd" cmpd="sng" algn="ctr">
+        <a:ln w="15875" cap="flat" cmpd="sng" algn="ctr">
           <a:solidFill>
-            <a:schemeClr val="phClr">
-              <a:tint val="76000"/>
-              <a:alpha val="60000"/>
-              <a:hueMod val="94000"/>
-            </a:schemeClr>
+            <a:schemeClr val="phClr"/>
           </a:solidFill>
           <a:prstDash val="solid"/>
         </a:ln>
-        <a:ln w="15875" cap="rnd" cmpd="sng" algn="ctr">
+        <a:ln w="22225" cap="flat" cmpd="sng" algn="ctr">
           <a:solidFill>
-            <a:schemeClr val="phClr">
-              <a:hueMod val="94000"/>
-            </a:schemeClr>
+            <a:schemeClr val="phClr"/>
           </a:solidFill>
           <a:prstDash val="solid"/>
         </a:ln>
-        <a:ln w="28575" cap="rnd" cmpd="sng" algn="ctr">
+        <a:ln w="34925" cap="flat" cmpd="sng" algn="ctr">
           <a:solidFill>
             <a:schemeClr val="phClr"/>
           </a:solidFill>
@@ -6315,22 +7711,28 @@
       </a:lnStyleLst>
       <a:effectStyleLst>
         <a:effectStyle>
-          <a:effectLst/>
-        </a:effectStyle>
-        <a:effectStyle>
           <a:effectLst>
-            <a:innerShdw blurRad="25400" dist="12700" dir="13500000">
+            <a:outerShdw blurRad="50800" dist="12700" dir="5280000" rotWithShape="0">
               <a:srgbClr val="000000">
-                <a:alpha val="45000"/>
+                <a:alpha val="40000"/>
               </a:srgbClr>
-            </a:innerShdw>
+            </a:outerShdw>
           </a:effectLst>
         </a:effectStyle>
         <a:effectStyle>
           <a:effectLst>
-            <a:outerShdw blurRad="50800" dist="38100" dir="5400000" rotWithShape="0">
+            <a:outerShdw blurRad="38100" dist="38100" dir="5400000" rotWithShape="0">
               <a:srgbClr val="000000">
-                <a:alpha val="46000"/>
+                <a:alpha val="35000"/>
+              </a:srgbClr>
+            </a:outerShdw>
+          </a:effectLst>
+        </a:effectStyle>
+        <a:effectStyle>
+          <a:effectLst>
+            <a:outerShdw blurRad="38100" dist="38100" dir="5400000" rotWithShape="0">
+              <a:srgbClr val="000000">
+                <a:alpha val="35000"/>
               </a:srgbClr>
             </a:outerShdw>
           </a:effectLst>
@@ -6338,10 +7740,13 @@
             <a:camera prst="orthographicFront">
               <a:rot lat="0" lon="0" rev="0"/>
             </a:camera>
-            <a:lightRig rig="threePt" dir="t"/>
+            <a:lightRig rig="brightRoom" dir="tl"/>
           </a:scene3d>
-          <a:sp3d prstMaterial="plastic">
-            <a:bevelT w="25400" h="25400"/>
+          <a:sp3d contourW="12700">
+            <a:bevelT w="31750" h="12700"/>
+            <a:contourClr>
+              <a:schemeClr val="phClr"/>
+            </a:contourClr>
           </a:sp3d>
         </a:effectStyle>
       </a:effectStyleLst>
@@ -6351,55 +7756,39 @@
         </a:solidFill>
         <a:gradFill rotWithShape="1">
           <a:gsLst>
-            <a:gs pos="10000">
+            <a:gs pos="0">
               <a:schemeClr val="phClr">
-                <a:tint val="97000"/>
-                <a:hueMod val="92000"/>
-                <a:satMod val="169000"/>
-                <a:lumMod val="164000"/>
+                <a:tint val="93000"/>
               </a:schemeClr>
             </a:gs>
             <a:gs pos="100000">
               <a:schemeClr val="phClr">
-                <a:shade val="96000"/>
-                <a:satMod val="120000"/>
-                <a:lumMod val="90000"/>
+                <a:shade val="55000"/>
               </a:schemeClr>
             </a:gs>
           </a:gsLst>
-          <a:lin ang="6120000" scaled="1"/>
+          <a:lin ang="5400000" scaled="1"/>
         </a:gradFill>
-        <a:gradFill rotWithShape="1">
-          <a:gsLst>
-            <a:gs pos="0">
+        <a:blipFill rotWithShape="1">
+          <a:blip xmlns:r="http://schemas.openxmlformats.org/officeDocument/2006/relationships" r:embed="rId1">
+            <a:duotone>
               <a:schemeClr val="phClr">
-                <a:tint val="97000"/>
-                <a:hueMod val="92000"/>
-                <a:satMod val="169000"/>
-                <a:lumMod val="164000"/>
+                <a:shade val="20000"/>
+                <a:satMod val="350000"/>
+                <a:lumMod val="125000"/>
               </a:schemeClr>
-            </a:gs>
-            <a:gs pos="100000">
               <a:schemeClr val="phClr">
-                <a:shade val="96000"/>
-                <a:satMod val="120000"/>
-                <a:lumMod val="90000"/>
+                <a:tint val="90000"/>
+                <a:satMod val="250000"/>
               </a:schemeClr>
-            </a:gs>
-          </a:gsLst>
-          <a:path path="circle">
-            <a:fillToRect b="100000"/>
-          </a:path>
-        </a:gradFill>
+            </a:duotone>
+          </a:blip>
+          <a:stretch/>
+        </a:blipFill>
       </a:bgFillStyleLst>
     </a:fmtScheme>
   </a:themeElements>
   <a:objectDefaults/>
   <a:extraClrSchemeLst/>
-  <a:extLst>
-    <a:ext uri="{05A4C25C-085E-4340-85A3-A5531E510DB2}">
-      <thm15:themeFamily xmlns:thm15="http://schemas.microsoft.com/office/thememl/2012/main" xmlns="" name="Slice" id="{0507925B-6AC9-4358-8E18-C330545D08F8}" vid="{13FEC7C6-62A9-40C4-99D2-581AACACAA2F}"/>
-    </a:ext>
-  </a:extLst>
 </a:theme>
 </file>